--- a/Dokumentacio/Eloadas.pptx
+++ b/Dokumentacio/Eloadas.pptx
@@ -120,6 +120,11 @@
       </a:defRPr>
     </a:lvl9pPr>
   </p:defaultTextStyle>
+  <p:extLst>
+    <p:ext uri="{EFAFB233-063F-42B5-8137-9DF3F51BA10A}">
+      <p15:sldGuideLst xmlns:p15="http://schemas.microsoft.com/office/powerpoint/2012/main"/>
+    </p:ext>
+  </p:extLst>
 </p:presentation>
 </file>
 
@@ -3481,6 +3486,66 @@
           </a:p>
         </p:txBody>
       </p:sp>
+      <p:pic>
+        <p:nvPicPr>
+          <p:cNvPr id="4" name="Kép 3">
+            <a:extLst>
+              <a:ext uri="{FF2B5EF4-FFF2-40B4-BE49-F238E27FC236}">
+                <a16:creationId xmlns:a16="http://schemas.microsoft.com/office/drawing/2014/main" id="{2FC7451D-74BA-43F3-A70A-6A15306AA5F4}"/>
+              </a:ext>
+            </a:extLst>
+          </p:cNvPr>
+          <p:cNvPicPr>
+            <a:picLocks noChangeAspect="1"/>
+          </p:cNvPicPr>
+          <p:nvPr/>
+        </p:nvPicPr>
+        <p:blipFill>
+          <a:blip r:embed="rId2"/>
+          <a:stretch>
+            <a:fillRect/>
+          </a:stretch>
+        </p:blipFill>
+        <p:spPr>
+          <a:xfrm>
+            <a:off x="192505" y="4726634"/>
+            <a:ext cx="3753853" cy="1790847"/>
+          </a:xfrm>
+          <a:prstGeom prst="rect">
+            <a:avLst/>
+          </a:prstGeom>
+        </p:spPr>
+      </p:pic>
+      <p:pic>
+        <p:nvPicPr>
+          <p:cNvPr id="5" name="Kép 4">
+            <a:extLst>
+              <a:ext uri="{FF2B5EF4-FFF2-40B4-BE49-F238E27FC236}">
+                <a16:creationId xmlns:a16="http://schemas.microsoft.com/office/drawing/2014/main" id="{F380F2B8-77AA-4E82-9226-B021C42981CC}"/>
+              </a:ext>
+            </a:extLst>
+          </p:cNvPr>
+          <p:cNvPicPr>
+            <a:picLocks noChangeAspect="1"/>
+          </p:cNvPicPr>
+          <p:nvPr/>
+        </p:nvPicPr>
+        <p:blipFill>
+          <a:blip r:embed="rId3"/>
+          <a:stretch>
+            <a:fillRect/>
+          </a:stretch>
+        </p:blipFill>
+        <p:spPr>
+          <a:xfrm>
+            <a:off x="4513707" y="1690688"/>
+            <a:ext cx="2384427" cy="5167312"/>
+          </a:xfrm>
+          <a:prstGeom prst="rect">
+            <a:avLst/>
+          </a:prstGeom>
+        </p:spPr>
+      </p:pic>
     </p:spTree>
     <p:extLst>
       <p:ext uri="{BB962C8B-B14F-4D97-AF65-F5344CB8AC3E}">
@@ -3638,15 +3703,137 @@
             <p:ph idx="1"/>
           </p:nvPr>
         </p:nvSpPr>
-        <p:spPr/>
-        <p:txBody>
-          <a:bodyPr/>
-          <a:lstStyle/>
-          <a:p>
-            <a:endParaRPr lang="hu-HU"/>
-          </a:p>
-        </p:txBody>
-      </p:sp>
+        <p:spPr>
+          <a:xfrm>
+            <a:off x="1020762" y="1874731"/>
+            <a:ext cx="5203961" cy="4119670"/>
+          </a:xfrm>
+        </p:spPr>
+        <p:txBody>
+          <a:bodyPr/>
+          <a:lstStyle/>
+          <a:p>
+            <a:r>
+              <a:rPr lang="hu-HU" dirty="0" err="1"/>
+              <a:t>Github</a:t>
+            </a:r>
+            <a:endParaRPr lang="hu-HU" dirty="0"/>
+          </a:p>
+          <a:p>
+            <a:r>
+              <a:rPr lang="hu-HU" dirty="0" err="1"/>
+              <a:t>Discord</a:t>
+            </a:r>
+            <a:endParaRPr lang="hu-HU" dirty="0"/>
+          </a:p>
+          <a:p>
+            <a:r>
+              <a:rPr lang="hu-HU" dirty="0"/>
+              <a:t>Tiszta kód elve alapján</a:t>
+            </a:r>
+          </a:p>
+          <a:p>
+            <a:r>
+              <a:rPr lang="hu-HU" dirty="0"/>
+              <a:t>Frontend/Backend alapján megvalósított munkamegosztás</a:t>
+            </a:r>
+          </a:p>
+        </p:txBody>
+      </p:sp>
+      <p:pic>
+        <p:nvPicPr>
+          <p:cNvPr id="2050" name="Picture 2" descr="Discord vector logo symbol (.EPS + .SVG) download for free">
+            <a:extLst>
+              <a:ext uri="{FF2B5EF4-FFF2-40B4-BE49-F238E27FC236}">
+                <a16:creationId xmlns:a16="http://schemas.microsoft.com/office/drawing/2014/main" id="{381A9037-F744-4C32-AF03-F85C091E50A1}"/>
+              </a:ext>
+            </a:extLst>
+          </p:cNvPr>
+          <p:cNvPicPr>
+            <a:picLocks noChangeAspect="1" noChangeArrowheads="1"/>
+          </p:cNvPicPr>
+          <p:nvPr/>
+        </p:nvPicPr>
+        <p:blipFill>
+          <a:blip r:embed="rId2">
+            <a:extLst>
+              <a:ext uri="{28A0092B-C50C-407E-A947-70E740481C1C}">
+                <a14:useLocalDpi xmlns:a14="http://schemas.microsoft.com/office/drawing/2010/main" val="0"/>
+              </a:ext>
+            </a:extLst>
+          </a:blip>
+          <a:srcRect/>
+          <a:stretch>
+            <a:fillRect/>
+          </a:stretch>
+        </p:blipFill>
+        <p:spPr bwMode="auto">
+          <a:xfrm>
+            <a:off x="6615665" y="-390942"/>
+            <a:ext cx="3819942" cy="3819942"/>
+          </a:xfrm>
+          <a:prstGeom prst="rect">
+            <a:avLst/>
+          </a:prstGeom>
+          <a:noFill/>
+          <a:extLst>
+            <a:ext uri="{909E8E84-426E-40DD-AFC4-6F175D3DCCD1}">
+              <a14:hiddenFill xmlns:a14="http://schemas.microsoft.com/office/drawing/2010/main">
+                <a:solidFill>
+                  <a:srgbClr val="FFFFFF"/>
+                </a:solidFill>
+              </a14:hiddenFill>
+            </a:ext>
+          </a:extLst>
+        </p:spPr>
+      </p:pic>
+      <p:pic>
+        <p:nvPicPr>
+          <p:cNvPr id="2052" name="Picture 4" descr="File:Octicons-mark-github.svg - Wikimedia Commons">
+            <a:extLst>
+              <a:ext uri="{FF2B5EF4-FFF2-40B4-BE49-F238E27FC236}">
+                <a16:creationId xmlns:a16="http://schemas.microsoft.com/office/drawing/2014/main" id="{EF46120D-899D-455D-851A-0DA788851B3A}"/>
+              </a:ext>
+            </a:extLst>
+          </p:cNvPr>
+          <p:cNvPicPr>
+            <a:picLocks noChangeAspect="1" noChangeArrowheads="1"/>
+          </p:cNvPicPr>
+          <p:nvPr/>
+        </p:nvPicPr>
+        <p:blipFill>
+          <a:blip r:embed="rId3">
+            <a:extLst>
+              <a:ext uri="{28A0092B-C50C-407E-A947-70E740481C1C}">
+                <a14:useLocalDpi xmlns:a14="http://schemas.microsoft.com/office/drawing/2010/main" val="0"/>
+              </a:ext>
+            </a:extLst>
+          </a:blip>
+          <a:srcRect/>
+          <a:stretch>
+            <a:fillRect/>
+          </a:stretch>
+        </p:blipFill>
+        <p:spPr bwMode="auto">
+          <a:xfrm>
+            <a:off x="6615665" y="3063875"/>
+            <a:ext cx="3429000" cy="3429000"/>
+          </a:xfrm>
+          <a:prstGeom prst="rect">
+            <a:avLst/>
+          </a:prstGeom>
+          <a:noFill/>
+          <a:extLst>
+            <a:ext uri="{909E8E84-426E-40DD-AFC4-6F175D3DCCD1}">
+              <a14:hiddenFill xmlns:a14="http://schemas.microsoft.com/office/drawing/2010/main">
+                <a:solidFill>
+                  <a:srgbClr val="FFFFFF"/>
+                </a:solidFill>
+              </a14:hiddenFill>
+            </a:ext>
+          </a:extLst>
+        </p:spPr>
+      </p:pic>
     </p:spTree>
     <p:extLst>
       <p:ext uri="{BB962C8B-B14F-4D97-AF65-F5344CB8AC3E}">
@@ -3726,7 +3913,10 @@
           <a:bodyPr/>
           <a:lstStyle/>
           <a:p>
-            <a:endParaRPr lang="hu-HU"/>
+            <a:r>
+              <a:rPr lang="hu-HU" dirty="0"/>
+              <a:t>Nagy Gábor</a:t>
+            </a:r>
           </a:p>
         </p:txBody>
       </p:sp>
@@ -3804,425 +3994,41 @@
             <p:ph idx="1"/>
           </p:nvPr>
         </p:nvSpPr>
-        <p:spPr/>
-        <p:txBody>
-          <a:bodyPr/>
-          <a:lstStyle/>
-          <a:p>
-            <a:endParaRPr lang="hu-HU"/>
-          </a:p>
-        </p:txBody>
-      </p:sp>
-    </p:spTree>
-    <p:extLst>
-      <p:ext uri="{BB962C8B-B14F-4D97-AF65-F5344CB8AC3E}">
-        <p14:creationId xmlns:p14="http://schemas.microsoft.com/office/powerpoint/2010/main" val="2896747914"/>
-      </p:ext>
-    </p:extLst>
-  </p:cSld>
-  <p:clrMapOvr>
-    <a:masterClrMapping/>
-  </p:clrMapOvr>
-</p:sld>
-</file>
-
-<file path=ppt/slides/slide15.xml><?xml version="1.0" encoding="utf-8"?>
-<p:sld xmlns:a="http://schemas.openxmlformats.org/drawingml/2006/main" xmlns:r="http://schemas.openxmlformats.org/officeDocument/2006/relationships" xmlns:p="http://schemas.openxmlformats.org/presentationml/2006/main">
-  <p:cSld>
-    <p:spTree>
-      <p:nvGrpSpPr>
-        <p:cNvPr id="1" name=""/>
-        <p:cNvGrpSpPr/>
-        <p:nvPr/>
-      </p:nvGrpSpPr>
-      <p:grpSpPr>
-        <a:xfrm>
-          <a:off x="0" y="0"/>
-          <a:ext cx="0" cy="0"/>
-          <a:chOff x="0" y="0"/>
-          <a:chExt cx="0" cy="0"/>
-        </a:xfrm>
-      </p:grpSpPr>
-      <p:sp>
-        <p:nvSpPr>
-          <p:cNvPr id="2" name="Cím 1">
-            <a:extLst>
-              <a:ext uri="{FF2B5EF4-FFF2-40B4-BE49-F238E27FC236}">
-                <a16:creationId xmlns:a16="http://schemas.microsoft.com/office/drawing/2014/main" id="{9B1BB832-1BF2-40CC-B72E-003CDBC4F69E}"/>
-              </a:ext>
-            </a:extLst>
-          </p:cNvPr>
-          <p:cNvSpPr>
-            <a:spLocks noGrp="1"/>
-          </p:cNvSpPr>
-          <p:nvPr>
-            <p:ph type="title"/>
-          </p:nvPr>
-        </p:nvSpPr>
-        <p:spPr/>
-        <p:txBody>
-          <a:bodyPr/>
-          <a:lstStyle/>
-          <a:p>
-            <a:r>
-              <a:rPr lang="hu-HU" dirty="0"/>
-              <a:t>Publikáció</a:t>
-            </a:r>
-          </a:p>
-        </p:txBody>
-      </p:sp>
-      <p:sp>
-        <p:nvSpPr>
-          <p:cNvPr id="3" name="Tartalom helye 2">
-            <a:extLst>
-              <a:ext uri="{FF2B5EF4-FFF2-40B4-BE49-F238E27FC236}">
-                <a16:creationId xmlns:a16="http://schemas.microsoft.com/office/drawing/2014/main" id="{FEA76AF7-B9D2-457C-853F-D4A4717123BC}"/>
-              </a:ext>
-            </a:extLst>
-          </p:cNvPr>
-          <p:cNvSpPr>
-            <a:spLocks noGrp="1"/>
-          </p:cNvSpPr>
-          <p:nvPr>
-            <p:ph idx="1"/>
-          </p:nvPr>
-        </p:nvSpPr>
-        <p:spPr/>
-        <p:txBody>
-          <a:bodyPr/>
-          <a:lstStyle/>
-          <a:p>
-            <a:endParaRPr lang="hu-HU"/>
-          </a:p>
-        </p:txBody>
-      </p:sp>
-    </p:spTree>
-    <p:extLst>
-      <p:ext uri="{BB962C8B-B14F-4D97-AF65-F5344CB8AC3E}">
-        <p14:creationId xmlns:p14="http://schemas.microsoft.com/office/powerpoint/2010/main" val="4024182494"/>
-      </p:ext>
-    </p:extLst>
-  </p:cSld>
-  <p:clrMapOvr>
-    <a:masterClrMapping/>
-  </p:clrMapOvr>
-</p:sld>
-</file>
-
-<file path=ppt/slides/slide16.xml><?xml version="1.0" encoding="utf-8"?>
-<p:sld xmlns:a="http://schemas.openxmlformats.org/drawingml/2006/main" xmlns:r="http://schemas.openxmlformats.org/officeDocument/2006/relationships" xmlns:p="http://schemas.openxmlformats.org/presentationml/2006/main">
-  <p:cSld>
-    <p:spTree>
-      <p:nvGrpSpPr>
-        <p:cNvPr id="1" name=""/>
-        <p:cNvGrpSpPr/>
-        <p:nvPr/>
-      </p:nvGrpSpPr>
-      <p:grpSpPr>
-        <a:xfrm>
-          <a:off x="0" y="0"/>
-          <a:ext cx="0" cy="0"/>
-          <a:chOff x="0" y="0"/>
-          <a:chExt cx="0" cy="0"/>
-        </a:xfrm>
-      </p:grpSpPr>
-      <p:sp>
-        <p:nvSpPr>
-          <p:cNvPr id="2" name="Cím 1">
-            <a:extLst>
-              <a:ext uri="{FF2B5EF4-FFF2-40B4-BE49-F238E27FC236}">
-                <a16:creationId xmlns:a16="http://schemas.microsoft.com/office/drawing/2014/main" id="{B73D890D-2C09-4886-9539-B74823CF967A}"/>
-              </a:ext>
-            </a:extLst>
-          </p:cNvPr>
-          <p:cNvSpPr>
-            <a:spLocks noGrp="1"/>
-          </p:cNvSpPr>
-          <p:nvPr>
-            <p:ph type="title"/>
-          </p:nvPr>
-        </p:nvSpPr>
-        <p:spPr/>
-        <p:txBody>
-          <a:bodyPr/>
-          <a:lstStyle/>
-          <a:p>
-            <a:r>
-              <a:rPr lang="hu-HU" dirty="0"/>
-              <a:t>Fejlesztési lehetőségek</a:t>
-            </a:r>
-          </a:p>
-        </p:txBody>
-      </p:sp>
-      <p:sp>
-        <p:nvSpPr>
-          <p:cNvPr id="3" name="Tartalom helye 2">
-            <a:extLst>
-              <a:ext uri="{FF2B5EF4-FFF2-40B4-BE49-F238E27FC236}">
-                <a16:creationId xmlns:a16="http://schemas.microsoft.com/office/drawing/2014/main" id="{CEAAB224-E13B-4206-8737-CC95540CB024}"/>
-              </a:ext>
-            </a:extLst>
-          </p:cNvPr>
-          <p:cNvSpPr>
-            <a:spLocks noGrp="1"/>
-          </p:cNvSpPr>
-          <p:nvPr>
-            <p:ph idx="1"/>
-          </p:nvPr>
-        </p:nvSpPr>
-        <p:spPr/>
-        <p:txBody>
-          <a:bodyPr/>
-          <a:lstStyle/>
-          <a:p>
-            <a:endParaRPr lang="hu-HU"/>
-          </a:p>
-        </p:txBody>
-      </p:sp>
-    </p:spTree>
-    <p:extLst>
-      <p:ext uri="{BB962C8B-B14F-4D97-AF65-F5344CB8AC3E}">
-        <p14:creationId xmlns:p14="http://schemas.microsoft.com/office/powerpoint/2010/main" val="3856631995"/>
-      </p:ext>
-    </p:extLst>
-  </p:cSld>
-  <p:clrMapOvr>
-    <a:masterClrMapping/>
-  </p:clrMapOvr>
-</p:sld>
-</file>
-
-<file path=ppt/slides/slide17.xml><?xml version="1.0" encoding="utf-8"?>
-<p:sld xmlns:a="http://schemas.openxmlformats.org/drawingml/2006/main" xmlns:r="http://schemas.openxmlformats.org/officeDocument/2006/relationships" xmlns:p="http://schemas.openxmlformats.org/presentationml/2006/main">
-  <p:cSld>
-    <p:spTree>
-      <p:nvGrpSpPr>
-        <p:cNvPr id="1" name=""/>
-        <p:cNvGrpSpPr/>
-        <p:nvPr/>
-      </p:nvGrpSpPr>
-      <p:grpSpPr>
-        <a:xfrm>
-          <a:off x="0" y="0"/>
-          <a:ext cx="0" cy="0"/>
-          <a:chOff x="0" y="0"/>
-          <a:chExt cx="0" cy="0"/>
-        </a:xfrm>
-      </p:grpSpPr>
-      <p:sp>
-        <p:nvSpPr>
-          <p:cNvPr id="2" name="Cím 1">
-            <a:extLst>
-              <a:ext uri="{FF2B5EF4-FFF2-40B4-BE49-F238E27FC236}">
-                <a16:creationId xmlns:a16="http://schemas.microsoft.com/office/drawing/2014/main" id="{EB06BC13-CF17-4577-A79C-D13819F0E36D}"/>
-              </a:ext>
-            </a:extLst>
-          </p:cNvPr>
-          <p:cNvSpPr>
-            <a:spLocks noGrp="1"/>
-          </p:cNvSpPr>
-          <p:nvPr>
-            <p:ph type="ctrTitle"/>
-          </p:nvPr>
-        </p:nvSpPr>
-        <p:spPr>
-          <a:xfrm>
-            <a:off x="0" y="2807493"/>
-            <a:ext cx="12192000" cy="1243013"/>
-          </a:xfrm>
-        </p:spPr>
-        <p:txBody>
-          <a:bodyPr>
-            <a:noAutofit/>
-          </a:bodyPr>
-          <a:lstStyle/>
-          <a:p>
-            <a:r>
-              <a:rPr lang="hu-HU" sz="8800" b="1" dirty="0" err="1">
-                <a:latin typeface="Arial" panose="020B0604020202020204" pitchFamily="34" charset="0"/>
-                <a:cs typeface="Arial" panose="020B0604020202020204" pitchFamily="34" charset="0"/>
-              </a:rPr>
-              <a:t>telock</a:t>
-            </a:r>
-            <a:r>
-              <a:rPr lang="hu-HU" sz="8800" dirty="0">
-                <a:latin typeface="Arial" panose="020B0604020202020204" pitchFamily="34" charset="0"/>
-                <a:cs typeface="Arial" panose="020B0604020202020204" pitchFamily="34" charset="0"/>
-              </a:rPr>
-              <a:t> bemutatása</a:t>
-            </a:r>
-          </a:p>
-        </p:txBody>
-      </p:sp>
-    </p:spTree>
-    <p:extLst>
-      <p:ext uri="{BB962C8B-B14F-4D97-AF65-F5344CB8AC3E}">
-        <p14:creationId xmlns:p14="http://schemas.microsoft.com/office/powerpoint/2010/main" val="2410460917"/>
-      </p:ext>
-    </p:extLst>
-  </p:cSld>
-  <p:clrMapOvr>
-    <a:masterClrMapping/>
-  </p:clrMapOvr>
-</p:sld>
-</file>
-
-<file path=ppt/slides/slide2.xml><?xml version="1.0" encoding="utf-8"?>
-<p:sld xmlns:a="http://schemas.openxmlformats.org/drawingml/2006/main" xmlns:r="http://schemas.openxmlformats.org/officeDocument/2006/relationships" xmlns:p="http://schemas.openxmlformats.org/presentationml/2006/main">
-  <p:cSld>
-    <p:spTree>
-      <p:nvGrpSpPr>
-        <p:cNvPr id="1" name=""/>
-        <p:cNvGrpSpPr/>
-        <p:nvPr/>
-      </p:nvGrpSpPr>
-      <p:grpSpPr>
-        <a:xfrm>
-          <a:off x="0" y="0"/>
-          <a:ext cx="0" cy="0"/>
-          <a:chOff x="0" y="0"/>
-          <a:chExt cx="0" cy="0"/>
-        </a:xfrm>
-      </p:grpSpPr>
-      <p:sp>
-        <p:nvSpPr>
-          <p:cNvPr id="2" name="Cím 1">
-            <a:extLst>
-              <a:ext uri="{FF2B5EF4-FFF2-40B4-BE49-F238E27FC236}">
-                <a16:creationId xmlns:a16="http://schemas.microsoft.com/office/drawing/2014/main" id="{EEDC7C32-8CDB-49CC-A971-E3C37FDC4A61}"/>
-              </a:ext>
-            </a:extLst>
-          </p:cNvPr>
-          <p:cNvSpPr>
-            <a:spLocks noGrp="1"/>
-          </p:cNvSpPr>
-          <p:nvPr>
-            <p:ph type="title"/>
-          </p:nvPr>
-        </p:nvSpPr>
-        <p:spPr>
-          <a:xfrm>
-            <a:off x="838200" y="220746"/>
-            <a:ext cx="10515600" cy="1325563"/>
-          </a:xfrm>
-        </p:spPr>
-        <p:txBody>
-          <a:bodyPr/>
-          <a:lstStyle/>
-          <a:p>
-            <a:r>
-              <a:rPr lang="hu-HU" dirty="0"/>
-              <a:t>A probléma</a:t>
-            </a:r>
-          </a:p>
-        </p:txBody>
-      </p:sp>
-      <p:sp>
-        <p:nvSpPr>
-          <p:cNvPr id="3" name="Tartalom helye 2">
-            <a:extLst>
-              <a:ext uri="{FF2B5EF4-FFF2-40B4-BE49-F238E27FC236}">
-                <a16:creationId xmlns:a16="http://schemas.microsoft.com/office/drawing/2014/main" id="{6275915D-7E03-4659-8705-557F0EC65318}"/>
-              </a:ext>
-            </a:extLst>
-          </p:cNvPr>
-          <p:cNvSpPr>
-            <a:spLocks noGrp="1"/>
-          </p:cNvSpPr>
-          <p:nvPr>
-            <p:ph idx="1"/>
-          </p:nvPr>
-        </p:nvSpPr>
-        <p:spPr>
-          <a:xfrm>
-            <a:off x="838200" y="5032375"/>
-            <a:ext cx="10515600" cy="1603375"/>
-          </a:xfrm>
-        </p:spPr>
-        <p:txBody>
-          <a:bodyPr/>
-          <a:lstStyle/>
-          <a:p>
-            <a:r>
-              <a:rPr lang="hu-HU" dirty="0" err="1"/>
-              <a:t>dd</a:t>
-            </a:r>
-            <a:endParaRPr lang="hu-HU" dirty="0"/>
-          </a:p>
-        </p:txBody>
-      </p:sp>
-      <p:sp>
-        <p:nvSpPr>
-          <p:cNvPr id="4" name="Cím 1">
-            <a:extLst>
-              <a:ext uri="{FF2B5EF4-FFF2-40B4-BE49-F238E27FC236}">
-                <a16:creationId xmlns:a16="http://schemas.microsoft.com/office/drawing/2014/main" id="{371C6BEB-93CD-486E-926D-50D3FDB83787}"/>
-              </a:ext>
-            </a:extLst>
-          </p:cNvPr>
-          <p:cNvSpPr txBox="1">
-            <a:spLocks/>
-          </p:cNvSpPr>
-          <p:nvPr/>
-        </p:nvSpPr>
-        <p:spPr>
-          <a:xfrm>
-            <a:off x="838200" y="3429000"/>
-            <a:ext cx="10515600" cy="1325563"/>
-          </a:xfrm>
-          <a:prstGeom prst="rect">
-            <a:avLst/>
-          </a:prstGeom>
-        </p:spPr>
-        <p:txBody>
-          <a:bodyPr vert="horz" lIns="91440" tIns="45720" rIns="91440" bIns="45720" rtlCol="0" anchor="ctr">
-            <a:normAutofit/>
-          </a:bodyPr>
-          <a:lstStyle>
-            <a:lvl1pPr algn="l" defTabSz="914400" rtl="0" eaLnBrk="1" latinLnBrk="0" hangingPunct="1">
-              <a:lnSpc>
-                <a:spcPct val="90000"/>
-              </a:lnSpc>
-              <a:spcBef>
-                <a:spcPct val="0"/>
-              </a:spcBef>
-              <a:buNone/>
-              <a:defRPr sz="4400" kern="1200">
-                <a:solidFill>
-                  <a:schemeClr val="tx1"/>
-                </a:solidFill>
-                <a:latin typeface="+mj-lt"/>
-                <a:ea typeface="+mj-ea"/>
-                <a:cs typeface="+mj-cs"/>
-              </a:defRPr>
-            </a:lvl1pPr>
-          </a:lstStyle>
-          <a:p>
-            <a:r>
-              <a:rPr lang="hu-HU" dirty="0"/>
-              <a:t>A megoldás</a:t>
-            </a:r>
-          </a:p>
-        </p:txBody>
-      </p:sp>
-      <p:sp>
-        <p:nvSpPr>
-          <p:cNvPr id="5" name="Tartalom helye 2">
-            <a:extLst>
-              <a:ext uri="{FF2B5EF4-FFF2-40B4-BE49-F238E27FC236}">
-                <a16:creationId xmlns:a16="http://schemas.microsoft.com/office/drawing/2014/main" id="{91716ACD-2588-4559-8333-AD25DF5C2E09}"/>
-              </a:ext>
-            </a:extLst>
-          </p:cNvPr>
-          <p:cNvSpPr txBox="1">
-            <a:spLocks/>
-          </p:cNvSpPr>
-          <p:nvPr/>
-        </p:nvSpPr>
         <p:spPr>
           <a:xfrm>
             <a:off x="838200" y="1825625"/>
-            <a:ext cx="10515600" cy="1603375"/>
+            <a:ext cx="5257800" cy="4351338"/>
+          </a:xfrm>
+        </p:spPr>
+        <p:txBody>
+          <a:bodyPr/>
+          <a:lstStyle/>
+          <a:p>
+            <a:r>
+              <a:rPr lang="hu-HU" dirty="0"/>
+              <a:t>Nagy Gábor</a:t>
+            </a:r>
+          </a:p>
+        </p:txBody>
+      </p:sp>
+      <p:sp>
+        <p:nvSpPr>
+          <p:cNvPr id="4" name="Tartalom helye 2">
+            <a:extLst>
+              <a:ext uri="{FF2B5EF4-FFF2-40B4-BE49-F238E27FC236}">
+                <a16:creationId xmlns:a16="http://schemas.microsoft.com/office/drawing/2014/main" id="{C9A08288-F467-4734-B82A-1528CCEE1C95}"/>
+              </a:ext>
+            </a:extLst>
+          </p:cNvPr>
+          <p:cNvSpPr txBox="1">
+            <a:spLocks/>
+          </p:cNvSpPr>
+          <p:nvPr/>
+        </p:nvSpPr>
+        <p:spPr>
+          <a:xfrm>
+            <a:off x="6096000" y="1825625"/>
+            <a:ext cx="5257800" cy="4436395"/>
           </a:xfrm>
           <a:prstGeom prst="rect">
             <a:avLst/>
@@ -4398,6 +4204,619 @@
           </a:lstStyle>
           <a:p>
             <a:r>
+              <a:rPr lang="hu-HU" dirty="0"/>
+              <a:t>Szalkai-Szabó Ádám</a:t>
+            </a:r>
+          </a:p>
+        </p:txBody>
+      </p:sp>
+    </p:spTree>
+    <p:extLst>
+      <p:ext uri="{BB962C8B-B14F-4D97-AF65-F5344CB8AC3E}">
+        <p14:creationId xmlns:p14="http://schemas.microsoft.com/office/powerpoint/2010/main" val="2896747914"/>
+      </p:ext>
+    </p:extLst>
+  </p:cSld>
+  <p:clrMapOvr>
+    <a:masterClrMapping/>
+  </p:clrMapOvr>
+</p:sld>
+</file>
+
+<file path=ppt/slides/slide15.xml><?xml version="1.0" encoding="utf-8"?>
+<p:sld xmlns:a="http://schemas.openxmlformats.org/drawingml/2006/main" xmlns:r="http://schemas.openxmlformats.org/officeDocument/2006/relationships" xmlns:p="http://schemas.openxmlformats.org/presentationml/2006/main">
+  <p:cSld>
+    <p:spTree>
+      <p:nvGrpSpPr>
+        <p:cNvPr id="1" name=""/>
+        <p:cNvGrpSpPr/>
+        <p:nvPr/>
+      </p:nvGrpSpPr>
+      <p:grpSpPr>
+        <a:xfrm>
+          <a:off x="0" y="0"/>
+          <a:ext cx="0" cy="0"/>
+          <a:chOff x="0" y="0"/>
+          <a:chExt cx="0" cy="0"/>
+        </a:xfrm>
+      </p:grpSpPr>
+      <p:sp>
+        <p:nvSpPr>
+          <p:cNvPr id="2" name="Cím 1">
+            <a:extLst>
+              <a:ext uri="{FF2B5EF4-FFF2-40B4-BE49-F238E27FC236}">
+                <a16:creationId xmlns:a16="http://schemas.microsoft.com/office/drawing/2014/main" id="{9B1BB832-1BF2-40CC-B72E-003CDBC4F69E}"/>
+              </a:ext>
+            </a:extLst>
+          </p:cNvPr>
+          <p:cNvSpPr>
+            <a:spLocks noGrp="1"/>
+          </p:cNvSpPr>
+          <p:nvPr>
+            <p:ph type="title"/>
+          </p:nvPr>
+        </p:nvSpPr>
+        <p:spPr/>
+        <p:txBody>
+          <a:bodyPr/>
+          <a:lstStyle/>
+          <a:p>
+            <a:r>
+              <a:rPr lang="hu-HU" dirty="0"/>
+              <a:t>Publikáció</a:t>
+            </a:r>
+          </a:p>
+        </p:txBody>
+      </p:sp>
+      <p:sp>
+        <p:nvSpPr>
+          <p:cNvPr id="3" name="Tartalom helye 2">
+            <a:extLst>
+              <a:ext uri="{FF2B5EF4-FFF2-40B4-BE49-F238E27FC236}">
+                <a16:creationId xmlns:a16="http://schemas.microsoft.com/office/drawing/2014/main" id="{FEA76AF7-B9D2-457C-853F-D4A4717123BC}"/>
+              </a:ext>
+            </a:extLst>
+          </p:cNvPr>
+          <p:cNvSpPr>
+            <a:spLocks noGrp="1"/>
+          </p:cNvSpPr>
+          <p:nvPr>
+            <p:ph idx="1"/>
+          </p:nvPr>
+        </p:nvSpPr>
+        <p:spPr/>
+        <p:txBody>
+          <a:bodyPr/>
+          <a:lstStyle/>
+          <a:p>
+            <a:endParaRPr lang="hu-HU"/>
+          </a:p>
+        </p:txBody>
+      </p:sp>
+    </p:spTree>
+    <p:extLst>
+      <p:ext uri="{BB962C8B-B14F-4D97-AF65-F5344CB8AC3E}">
+        <p14:creationId xmlns:p14="http://schemas.microsoft.com/office/powerpoint/2010/main" val="4024182494"/>
+      </p:ext>
+    </p:extLst>
+  </p:cSld>
+  <p:clrMapOvr>
+    <a:masterClrMapping/>
+  </p:clrMapOvr>
+</p:sld>
+</file>
+
+<file path=ppt/slides/slide16.xml><?xml version="1.0" encoding="utf-8"?>
+<p:sld xmlns:a="http://schemas.openxmlformats.org/drawingml/2006/main" xmlns:r="http://schemas.openxmlformats.org/officeDocument/2006/relationships" xmlns:p="http://schemas.openxmlformats.org/presentationml/2006/main">
+  <p:cSld>
+    <p:spTree>
+      <p:nvGrpSpPr>
+        <p:cNvPr id="1" name=""/>
+        <p:cNvGrpSpPr/>
+        <p:nvPr/>
+      </p:nvGrpSpPr>
+      <p:grpSpPr>
+        <a:xfrm>
+          <a:off x="0" y="0"/>
+          <a:ext cx="0" cy="0"/>
+          <a:chOff x="0" y="0"/>
+          <a:chExt cx="0" cy="0"/>
+        </a:xfrm>
+      </p:grpSpPr>
+      <p:sp>
+        <p:nvSpPr>
+          <p:cNvPr id="2" name="Cím 1">
+            <a:extLst>
+              <a:ext uri="{FF2B5EF4-FFF2-40B4-BE49-F238E27FC236}">
+                <a16:creationId xmlns:a16="http://schemas.microsoft.com/office/drawing/2014/main" id="{B73D890D-2C09-4886-9539-B74823CF967A}"/>
+              </a:ext>
+            </a:extLst>
+          </p:cNvPr>
+          <p:cNvSpPr>
+            <a:spLocks noGrp="1"/>
+          </p:cNvSpPr>
+          <p:nvPr>
+            <p:ph type="title"/>
+          </p:nvPr>
+        </p:nvSpPr>
+        <p:spPr/>
+        <p:txBody>
+          <a:bodyPr/>
+          <a:lstStyle/>
+          <a:p>
+            <a:r>
+              <a:rPr lang="hu-HU" dirty="0"/>
+              <a:t>Fejlesztési lehetőségek</a:t>
+            </a:r>
+          </a:p>
+        </p:txBody>
+      </p:sp>
+      <p:sp>
+        <p:nvSpPr>
+          <p:cNvPr id="3" name="Tartalom helye 2">
+            <a:extLst>
+              <a:ext uri="{FF2B5EF4-FFF2-40B4-BE49-F238E27FC236}">
+                <a16:creationId xmlns:a16="http://schemas.microsoft.com/office/drawing/2014/main" id="{CEAAB224-E13B-4206-8737-CC95540CB024}"/>
+              </a:ext>
+            </a:extLst>
+          </p:cNvPr>
+          <p:cNvSpPr>
+            <a:spLocks noGrp="1"/>
+          </p:cNvSpPr>
+          <p:nvPr>
+            <p:ph idx="1"/>
+          </p:nvPr>
+        </p:nvSpPr>
+        <p:spPr/>
+        <p:txBody>
+          <a:bodyPr/>
+          <a:lstStyle/>
+          <a:p>
+            <a:r>
+              <a:rPr lang="hu-HU" dirty="0"/>
+              <a:t>Kréta órarend szinkronizálás</a:t>
+            </a:r>
+          </a:p>
+          <a:p>
+            <a:r>
+              <a:rPr lang="hu-HU" dirty="0"/>
+              <a:t>Helyettesítések megoldása</a:t>
+            </a:r>
+          </a:p>
+          <a:p>
+            <a:r>
+              <a:rPr lang="hu-HU" dirty="0"/>
+              <a:t>A,B </a:t>
+            </a:r>
+            <a:r>
+              <a:rPr lang="hu-HU"/>
+              <a:t>hét megoldása</a:t>
+            </a:r>
+          </a:p>
+          <a:p>
+            <a:endParaRPr lang="hu-HU" dirty="0"/>
+          </a:p>
+        </p:txBody>
+      </p:sp>
+    </p:spTree>
+    <p:extLst>
+      <p:ext uri="{BB962C8B-B14F-4D97-AF65-F5344CB8AC3E}">
+        <p14:creationId xmlns:p14="http://schemas.microsoft.com/office/powerpoint/2010/main" val="3856631995"/>
+      </p:ext>
+    </p:extLst>
+  </p:cSld>
+  <p:clrMapOvr>
+    <a:masterClrMapping/>
+  </p:clrMapOvr>
+</p:sld>
+</file>
+
+<file path=ppt/slides/slide17.xml><?xml version="1.0" encoding="utf-8"?>
+<p:sld xmlns:a="http://schemas.openxmlformats.org/drawingml/2006/main" xmlns:r="http://schemas.openxmlformats.org/officeDocument/2006/relationships" xmlns:p="http://schemas.openxmlformats.org/presentationml/2006/main">
+  <p:cSld>
+    <p:spTree>
+      <p:nvGrpSpPr>
+        <p:cNvPr id="1" name=""/>
+        <p:cNvGrpSpPr/>
+        <p:nvPr/>
+      </p:nvGrpSpPr>
+      <p:grpSpPr>
+        <a:xfrm>
+          <a:off x="0" y="0"/>
+          <a:ext cx="0" cy="0"/>
+          <a:chOff x="0" y="0"/>
+          <a:chExt cx="0" cy="0"/>
+        </a:xfrm>
+      </p:grpSpPr>
+      <p:sp>
+        <p:nvSpPr>
+          <p:cNvPr id="2" name="Cím 1">
+            <a:extLst>
+              <a:ext uri="{FF2B5EF4-FFF2-40B4-BE49-F238E27FC236}">
+                <a16:creationId xmlns:a16="http://schemas.microsoft.com/office/drawing/2014/main" id="{EB06BC13-CF17-4577-A79C-D13819F0E36D}"/>
+              </a:ext>
+            </a:extLst>
+          </p:cNvPr>
+          <p:cNvSpPr>
+            <a:spLocks noGrp="1"/>
+          </p:cNvSpPr>
+          <p:nvPr>
+            <p:ph type="ctrTitle"/>
+          </p:nvPr>
+        </p:nvSpPr>
+        <p:spPr>
+          <a:xfrm>
+            <a:off x="0" y="2807493"/>
+            <a:ext cx="12192000" cy="1243013"/>
+          </a:xfrm>
+        </p:spPr>
+        <p:txBody>
+          <a:bodyPr>
+            <a:noAutofit/>
+          </a:bodyPr>
+          <a:lstStyle/>
+          <a:p>
+            <a:r>
+              <a:rPr lang="hu-HU" sz="8800" b="1" dirty="0" err="1">
+                <a:latin typeface="Arial" panose="020B0604020202020204" pitchFamily="34" charset="0"/>
+                <a:cs typeface="Arial" panose="020B0604020202020204" pitchFamily="34" charset="0"/>
+              </a:rPr>
+              <a:t>telock</a:t>
+            </a:r>
+            <a:r>
+              <a:rPr lang="hu-HU" sz="8800" dirty="0">
+                <a:latin typeface="Arial" panose="020B0604020202020204" pitchFamily="34" charset="0"/>
+                <a:cs typeface="Arial" panose="020B0604020202020204" pitchFamily="34" charset="0"/>
+              </a:rPr>
+              <a:t> bemutatása</a:t>
+            </a:r>
+          </a:p>
+        </p:txBody>
+      </p:sp>
+    </p:spTree>
+    <p:extLst>
+      <p:ext uri="{BB962C8B-B14F-4D97-AF65-F5344CB8AC3E}">
+        <p14:creationId xmlns:p14="http://schemas.microsoft.com/office/powerpoint/2010/main" val="2410460917"/>
+      </p:ext>
+    </p:extLst>
+  </p:cSld>
+  <p:clrMapOvr>
+    <a:masterClrMapping/>
+  </p:clrMapOvr>
+</p:sld>
+</file>
+
+<file path=ppt/slides/slide2.xml><?xml version="1.0" encoding="utf-8"?>
+<p:sld xmlns:a="http://schemas.openxmlformats.org/drawingml/2006/main" xmlns:r="http://schemas.openxmlformats.org/officeDocument/2006/relationships" xmlns:p="http://schemas.openxmlformats.org/presentationml/2006/main">
+  <p:cSld>
+    <p:spTree>
+      <p:nvGrpSpPr>
+        <p:cNvPr id="1" name=""/>
+        <p:cNvGrpSpPr/>
+        <p:nvPr/>
+      </p:nvGrpSpPr>
+      <p:grpSpPr>
+        <a:xfrm>
+          <a:off x="0" y="0"/>
+          <a:ext cx="0" cy="0"/>
+          <a:chOff x="0" y="0"/>
+          <a:chExt cx="0" cy="0"/>
+        </a:xfrm>
+      </p:grpSpPr>
+      <p:sp>
+        <p:nvSpPr>
+          <p:cNvPr id="2" name="Cím 1">
+            <a:extLst>
+              <a:ext uri="{FF2B5EF4-FFF2-40B4-BE49-F238E27FC236}">
+                <a16:creationId xmlns:a16="http://schemas.microsoft.com/office/drawing/2014/main" id="{EEDC7C32-8CDB-49CC-A971-E3C37FDC4A61}"/>
+              </a:ext>
+            </a:extLst>
+          </p:cNvPr>
+          <p:cNvSpPr>
+            <a:spLocks noGrp="1"/>
+          </p:cNvSpPr>
+          <p:nvPr>
+            <p:ph type="title"/>
+          </p:nvPr>
+        </p:nvSpPr>
+        <p:spPr>
+          <a:xfrm>
+            <a:off x="838200" y="220746"/>
+            <a:ext cx="10515600" cy="1325563"/>
+          </a:xfrm>
+        </p:spPr>
+        <p:txBody>
+          <a:bodyPr/>
+          <a:lstStyle/>
+          <a:p>
+            <a:r>
+              <a:rPr lang="hu-HU" dirty="0"/>
+              <a:t>A probléma</a:t>
+            </a:r>
+          </a:p>
+        </p:txBody>
+      </p:sp>
+      <p:sp>
+        <p:nvSpPr>
+          <p:cNvPr id="3" name="Tartalom helye 2">
+            <a:extLst>
+              <a:ext uri="{FF2B5EF4-FFF2-40B4-BE49-F238E27FC236}">
+                <a16:creationId xmlns:a16="http://schemas.microsoft.com/office/drawing/2014/main" id="{6275915D-7E03-4659-8705-557F0EC65318}"/>
+              </a:ext>
+            </a:extLst>
+          </p:cNvPr>
+          <p:cNvSpPr>
+            <a:spLocks noGrp="1"/>
+          </p:cNvSpPr>
+          <p:nvPr>
+            <p:ph idx="1"/>
+          </p:nvPr>
+        </p:nvSpPr>
+        <p:spPr>
+          <a:xfrm>
+            <a:off x="838200" y="5032375"/>
+            <a:ext cx="10515600" cy="1603375"/>
+          </a:xfrm>
+        </p:spPr>
+        <p:txBody>
+          <a:bodyPr/>
+          <a:lstStyle/>
+          <a:p>
+            <a:r>
+              <a:rPr lang="hu-HU" dirty="0" err="1"/>
+              <a:t>dd</a:t>
+            </a:r>
+            <a:endParaRPr lang="hu-HU" dirty="0"/>
+          </a:p>
+        </p:txBody>
+      </p:sp>
+      <p:sp>
+        <p:nvSpPr>
+          <p:cNvPr id="4" name="Cím 1">
+            <a:extLst>
+              <a:ext uri="{FF2B5EF4-FFF2-40B4-BE49-F238E27FC236}">
+                <a16:creationId xmlns:a16="http://schemas.microsoft.com/office/drawing/2014/main" id="{371C6BEB-93CD-486E-926D-50D3FDB83787}"/>
+              </a:ext>
+            </a:extLst>
+          </p:cNvPr>
+          <p:cNvSpPr txBox="1">
+            <a:spLocks/>
+          </p:cNvSpPr>
+          <p:nvPr/>
+        </p:nvSpPr>
+        <p:spPr>
+          <a:xfrm>
+            <a:off x="838200" y="3429000"/>
+            <a:ext cx="10515600" cy="1325563"/>
+          </a:xfrm>
+          <a:prstGeom prst="rect">
+            <a:avLst/>
+          </a:prstGeom>
+        </p:spPr>
+        <p:txBody>
+          <a:bodyPr vert="horz" lIns="91440" tIns="45720" rIns="91440" bIns="45720" rtlCol="0" anchor="ctr">
+            <a:normAutofit/>
+          </a:bodyPr>
+          <a:lstStyle>
+            <a:lvl1pPr algn="l" defTabSz="914400" rtl="0" eaLnBrk="1" latinLnBrk="0" hangingPunct="1">
+              <a:lnSpc>
+                <a:spcPct val="90000"/>
+              </a:lnSpc>
+              <a:spcBef>
+                <a:spcPct val="0"/>
+              </a:spcBef>
+              <a:buNone/>
+              <a:defRPr sz="4400" kern="1200">
+                <a:solidFill>
+                  <a:schemeClr val="tx1"/>
+                </a:solidFill>
+                <a:latin typeface="+mj-lt"/>
+                <a:ea typeface="+mj-ea"/>
+                <a:cs typeface="+mj-cs"/>
+              </a:defRPr>
+            </a:lvl1pPr>
+          </a:lstStyle>
+          <a:p>
+            <a:r>
+              <a:rPr lang="hu-HU" dirty="0"/>
+              <a:t>A megoldás</a:t>
+            </a:r>
+          </a:p>
+        </p:txBody>
+      </p:sp>
+      <p:sp>
+        <p:nvSpPr>
+          <p:cNvPr id="5" name="Tartalom helye 2">
+            <a:extLst>
+              <a:ext uri="{FF2B5EF4-FFF2-40B4-BE49-F238E27FC236}">
+                <a16:creationId xmlns:a16="http://schemas.microsoft.com/office/drawing/2014/main" id="{91716ACD-2588-4559-8333-AD25DF5C2E09}"/>
+              </a:ext>
+            </a:extLst>
+          </p:cNvPr>
+          <p:cNvSpPr txBox="1">
+            <a:spLocks/>
+          </p:cNvSpPr>
+          <p:nvPr/>
+        </p:nvSpPr>
+        <p:spPr>
+          <a:xfrm>
+            <a:off x="838200" y="1825625"/>
+            <a:ext cx="10515600" cy="1603375"/>
+          </a:xfrm>
+          <a:prstGeom prst="rect">
+            <a:avLst/>
+          </a:prstGeom>
+        </p:spPr>
+        <p:txBody>
+          <a:bodyPr vert="horz" lIns="91440" tIns="45720" rIns="91440" bIns="45720" rtlCol="0">
+            <a:normAutofit/>
+          </a:bodyPr>
+          <a:lstStyle>
+            <a:lvl1pPr marL="228600" indent="-228600" algn="l" defTabSz="914400" rtl="0" eaLnBrk="1" latinLnBrk="0" hangingPunct="1">
+              <a:lnSpc>
+                <a:spcPct val="90000"/>
+              </a:lnSpc>
+              <a:spcBef>
+                <a:spcPts val="1000"/>
+              </a:spcBef>
+              <a:buFont typeface="Arial" panose="020B0604020202020204" pitchFamily="34" charset="0"/>
+              <a:buChar char="•"/>
+              <a:defRPr sz="2800" kern="1200">
+                <a:solidFill>
+                  <a:schemeClr val="tx1"/>
+                </a:solidFill>
+                <a:latin typeface="+mn-lt"/>
+                <a:ea typeface="+mn-ea"/>
+                <a:cs typeface="+mn-cs"/>
+              </a:defRPr>
+            </a:lvl1pPr>
+            <a:lvl2pPr marL="685800" indent="-228600" algn="l" defTabSz="914400" rtl="0" eaLnBrk="1" latinLnBrk="0" hangingPunct="1">
+              <a:lnSpc>
+                <a:spcPct val="90000"/>
+              </a:lnSpc>
+              <a:spcBef>
+                <a:spcPts val="500"/>
+              </a:spcBef>
+              <a:buFont typeface="Arial" panose="020B0604020202020204" pitchFamily="34" charset="0"/>
+              <a:buChar char="•"/>
+              <a:defRPr sz="2400" kern="1200">
+                <a:solidFill>
+                  <a:schemeClr val="tx1"/>
+                </a:solidFill>
+                <a:latin typeface="+mn-lt"/>
+                <a:ea typeface="+mn-ea"/>
+                <a:cs typeface="+mn-cs"/>
+              </a:defRPr>
+            </a:lvl2pPr>
+            <a:lvl3pPr marL="1143000" indent="-228600" algn="l" defTabSz="914400" rtl="0" eaLnBrk="1" latinLnBrk="0" hangingPunct="1">
+              <a:lnSpc>
+                <a:spcPct val="90000"/>
+              </a:lnSpc>
+              <a:spcBef>
+                <a:spcPts val="500"/>
+              </a:spcBef>
+              <a:buFont typeface="Arial" panose="020B0604020202020204" pitchFamily="34" charset="0"/>
+              <a:buChar char="•"/>
+              <a:defRPr sz="2000" kern="1200">
+                <a:solidFill>
+                  <a:schemeClr val="tx1"/>
+                </a:solidFill>
+                <a:latin typeface="+mn-lt"/>
+                <a:ea typeface="+mn-ea"/>
+                <a:cs typeface="+mn-cs"/>
+              </a:defRPr>
+            </a:lvl3pPr>
+            <a:lvl4pPr marL="1600200" indent="-228600" algn="l" defTabSz="914400" rtl="0" eaLnBrk="1" latinLnBrk="0" hangingPunct="1">
+              <a:lnSpc>
+                <a:spcPct val="90000"/>
+              </a:lnSpc>
+              <a:spcBef>
+                <a:spcPts val="500"/>
+              </a:spcBef>
+              <a:buFont typeface="Arial" panose="020B0604020202020204" pitchFamily="34" charset="0"/>
+              <a:buChar char="•"/>
+              <a:defRPr sz="1800" kern="1200">
+                <a:solidFill>
+                  <a:schemeClr val="tx1"/>
+                </a:solidFill>
+                <a:latin typeface="+mn-lt"/>
+                <a:ea typeface="+mn-ea"/>
+                <a:cs typeface="+mn-cs"/>
+              </a:defRPr>
+            </a:lvl4pPr>
+            <a:lvl5pPr marL="2057400" indent="-228600" algn="l" defTabSz="914400" rtl="0" eaLnBrk="1" latinLnBrk="0" hangingPunct="1">
+              <a:lnSpc>
+                <a:spcPct val="90000"/>
+              </a:lnSpc>
+              <a:spcBef>
+                <a:spcPts val="500"/>
+              </a:spcBef>
+              <a:buFont typeface="Arial" panose="020B0604020202020204" pitchFamily="34" charset="0"/>
+              <a:buChar char="•"/>
+              <a:defRPr sz="1800" kern="1200">
+                <a:solidFill>
+                  <a:schemeClr val="tx1"/>
+                </a:solidFill>
+                <a:latin typeface="+mn-lt"/>
+                <a:ea typeface="+mn-ea"/>
+                <a:cs typeface="+mn-cs"/>
+              </a:defRPr>
+            </a:lvl5pPr>
+            <a:lvl6pPr marL="2514600" indent="-228600" algn="l" defTabSz="914400" rtl="0" eaLnBrk="1" latinLnBrk="0" hangingPunct="1">
+              <a:lnSpc>
+                <a:spcPct val="90000"/>
+              </a:lnSpc>
+              <a:spcBef>
+                <a:spcPts val="500"/>
+              </a:spcBef>
+              <a:buFont typeface="Arial" panose="020B0604020202020204" pitchFamily="34" charset="0"/>
+              <a:buChar char="•"/>
+              <a:defRPr sz="1800" kern="1200">
+                <a:solidFill>
+                  <a:schemeClr val="tx1"/>
+                </a:solidFill>
+                <a:latin typeface="+mn-lt"/>
+                <a:ea typeface="+mn-ea"/>
+                <a:cs typeface="+mn-cs"/>
+              </a:defRPr>
+            </a:lvl6pPr>
+            <a:lvl7pPr marL="2971800" indent="-228600" algn="l" defTabSz="914400" rtl="0" eaLnBrk="1" latinLnBrk="0" hangingPunct="1">
+              <a:lnSpc>
+                <a:spcPct val="90000"/>
+              </a:lnSpc>
+              <a:spcBef>
+                <a:spcPts val="500"/>
+              </a:spcBef>
+              <a:buFont typeface="Arial" panose="020B0604020202020204" pitchFamily="34" charset="0"/>
+              <a:buChar char="•"/>
+              <a:defRPr sz="1800" kern="1200">
+                <a:solidFill>
+                  <a:schemeClr val="tx1"/>
+                </a:solidFill>
+                <a:latin typeface="+mn-lt"/>
+                <a:ea typeface="+mn-ea"/>
+                <a:cs typeface="+mn-cs"/>
+              </a:defRPr>
+            </a:lvl7pPr>
+            <a:lvl8pPr marL="3429000" indent="-228600" algn="l" defTabSz="914400" rtl="0" eaLnBrk="1" latinLnBrk="0" hangingPunct="1">
+              <a:lnSpc>
+                <a:spcPct val="90000"/>
+              </a:lnSpc>
+              <a:spcBef>
+                <a:spcPts val="500"/>
+              </a:spcBef>
+              <a:buFont typeface="Arial" panose="020B0604020202020204" pitchFamily="34" charset="0"/>
+              <a:buChar char="•"/>
+              <a:defRPr sz="1800" kern="1200">
+                <a:solidFill>
+                  <a:schemeClr val="tx1"/>
+                </a:solidFill>
+                <a:latin typeface="+mn-lt"/>
+                <a:ea typeface="+mn-ea"/>
+                <a:cs typeface="+mn-cs"/>
+              </a:defRPr>
+            </a:lvl8pPr>
+            <a:lvl9pPr marL="3886200" indent="-228600" algn="l" defTabSz="914400" rtl="0" eaLnBrk="1" latinLnBrk="0" hangingPunct="1">
+              <a:lnSpc>
+                <a:spcPct val="90000"/>
+              </a:lnSpc>
+              <a:spcBef>
+                <a:spcPts val="500"/>
+              </a:spcBef>
+              <a:buFont typeface="Arial" panose="020B0604020202020204" pitchFamily="34" charset="0"/>
+              <a:buChar char="•"/>
+              <a:defRPr sz="1800" kern="1200">
+                <a:solidFill>
+                  <a:schemeClr val="tx1"/>
+                </a:solidFill>
+                <a:latin typeface="+mn-lt"/>
+                <a:ea typeface="+mn-ea"/>
+                <a:cs typeface="+mn-cs"/>
+              </a:defRPr>
+            </a:lvl9pPr>
+          </a:lstStyle>
+          <a:p>
+            <a:r>
               <a:rPr lang="hu-HU" dirty="0" err="1"/>
               <a:t>dd</a:t>
             </a:r>
@@ -4757,6 +5176,66 @@
           </a:p>
         </p:txBody>
       </p:sp>
+      <p:pic>
+        <p:nvPicPr>
+          <p:cNvPr id="4" name="Kép 3">
+            <a:extLst>
+              <a:ext uri="{FF2B5EF4-FFF2-40B4-BE49-F238E27FC236}">
+                <a16:creationId xmlns:a16="http://schemas.microsoft.com/office/drawing/2014/main" id="{2EF9E83B-AE92-42E8-B250-7F871B34D726}"/>
+              </a:ext>
+            </a:extLst>
+          </p:cNvPr>
+          <p:cNvPicPr>
+            <a:picLocks noChangeAspect="1"/>
+          </p:cNvPicPr>
+          <p:nvPr/>
+        </p:nvPicPr>
+        <p:blipFill>
+          <a:blip r:embed="rId2"/>
+          <a:stretch>
+            <a:fillRect/>
+          </a:stretch>
+        </p:blipFill>
+        <p:spPr>
+          <a:xfrm>
+            <a:off x="4847881" y="363805"/>
+            <a:ext cx="2133481" cy="4351338"/>
+          </a:xfrm>
+          <a:prstGeom prst="rect">
+            <a:avLst/>
+          </a:prstGeom>
+        </p:spPr>
+      </p:pic>
+      <p:pic>
+        <p:nvPicPr>
+          <p:cNvPr id="5" name="Kép 4">
+            <a:extLst>
+              <a:ext uri="{FF2B5EF4-FFF2-40B4-BE49-F238E27FC236}">
+                <a16:creationId xmlns:a16="http://schemas.microsoft.com/office/drawing/2014/main" id="{7976C5CB-C353-44F4-92BB-C2460D065513}"/>
+              </a:ext>
+            </a:extLst>
+          </p:cNvPr>
+          <p:cNvPicPr>
+            <a:picLocks noChangeAspect="1"/>
+          </p:cNvPicPr>
+          <p:nvPr/>
+        </p:nvPicPr>
+        <p:blipFill>
+          <a:blip r:embed="rId3"/>
+          <a:stretch>
+            <a:fillRect/>
+          </a:stretch>
+        </p:blipFill>
+        <p:spPr>
+          <a:xfrm>
+            <a:off x="8666619" y="653261"/>
+            <a:ext cx="2324424" cy="3772426"/>
+          </a:xfrm>
+          <a:prstGeom prst="rect">
+            <a:avLst/>
+          </a:prstGeom>
+        </p:spPr>
+      </p:pic>
     </p:spTree>
     <p:extLst>
       <p:ext uri="{BB962C8B-B14F-4D97-AF65-F5344CB8AC3E}">
@@ -4886,7 +5365,12 @@
             <p:ph type="title"/>
           </p:nvPr>
         </p:nvSpPr>
-        <p:spPr/>
+        <p:spPr>
+          <a:xfrm>
+            <a:off x="838200" y="188662"/>
+            <a:ext cx="10515600" cy="1325563"/>
+          </a:xfrm>
+        </p:spPr>
         <p:txBody>
           <a:bodyPr/>
           <a:lstStyle/>
@@ -4919,10 +5403,125 @@
           <a:bodyPr/>
           <a:lstStyle/>
           <a:p>
-            <a:endParaRPr lang="hu-HU"/>
-          </a:p>
-        </p:txBody>
-      </p:sp>
+            <a:r>
+              <a:rPr lang="hu-HU" dirty="0"/>
+              <a:t>Neon </a:t>
+            </a:r>
+            <a:r>
+              <a:rPr lang="hu-HU" dirty="0" err="1"/>
+              <a:t>Serverless</a:t>
+            </a:r>
+            <a:r>
+              <a:rPr lang="hu-HU" dirty="0"/>
+              <a:t> </a:t>
+            </a:r>
+            <a:r>
+              <a:rPr lang="hu-HU" dirty="0" err="1"/>
+              <a:t>Postgres</a:t>
+            </a:r>
+            <a:r>
+              <a:rPr lang="hu-HU" dirty="0"/>
+              <a:t> (</a:t>
+            </a:r>
+            <a:r>
+              <a:rPr lang="hu-HU" dirty="0" err="1"/>
+              <a:t>PostgreSQL</a:t>
+            </a:r>
+            <a:r>
+              <a:rPr lang="hu-HU" dirty="0"/>
+              <a:t> alapú adatbáziskezelő)</a:t>
+            </a:r>
+          </a:p>
+          <a:p>
+            <a:r>
+              <a:rPr lang="hu-HU" dirty="0"/>
+              <a:t>Alapadatok:</a:t>
+            </a:r>
+          </a:p>
+          <a:p>
+            <a:pPr lvl="1"/>
+            <a:r>
+              <a:rPr lang="hu-HU" dirty="0" err="1"/>
+              <a:t>Iskálok</a:t>
+            </a:r>
+            <a:r>
+              <a:rPr lang="hu-HU" dirty="0"/>
+              <a:t> neve</a:t>
+            </a:r>
+          </a:p>
+          <a:p>
+            <a:pPr lvl="1"/>
+            <a:r>
+              <a:rPr lang="hu-HU" dirty="0" err="1"/>
+              <a:t>Iskolánként</a:t>
+            </a:r>
+            <a:r>
+              <a:rPr lang="hu-HU" dirty="0"/>
+              <a:t> egy rendszergazda fiók</a:t>
+            </a:r>
+          </a:p>
+          <a:p>
+            <a:pPr lvl="1"/>
+            <a:r>
+              <a:rPr lang="hu-HU" dirty="0"/>
+              <a:t>Tanév első és utolsó napja </a:t>
+            </a:r>
+          </a:p>
+          <a:p>
+            <a:r>
+              <a:rPr lang="hu-HU" dirty="0"/>
+              <a:t>11 tábla</a:t>
+            </a:r>
+          </a:p>
+        </p:txBody>
+      </p:sp>
+      <p:pic>
+        <p:nvPicPr>
+          <p:cNvPr id="1026" name="Picture 2" descr="Why we Invested in Neon - M12">
+            <a:extLst>
+              <a:ext uri="{FF2B5EF4-FFF2-40B4-BE49-F238E27FC236}">
+                <a16:creationId xmlns:a16="http://schemas.microsoft.com/office/drawing/2014/main" id="{2D9AA80B-3C1F-4CAC-8AEF-1B67D119E9F4}"/>
+              </a:ext>
+            </a:extLst>
+          </p:cNvPr>
+          <p:cNvPicPr>
+            <a:picLocks noChangeAspect="1" noChangeArrowheads="1"/>
+          </p:cNvPicPr>
+          <p:nvPr/>
+        </p:nvPicPr>
+        <p:blipFill>
+          <a:blip r:embed="rId2">
+            <a:extLst>
+              <a:ext uri="{28A0092B-C50C-407E-A947-70E740481C1C}">
+                <a14:useLocalDpi xmlns:a14="http://schemas.microsoft.com/office/drawing/2010/main" val="0"/>
+              </a:ext>
+            </a:extLst>
+          </a:blip>
+          <a:srcRect/>
+          <a:stretch>
+            <a:fillRect/>
+          </a:stretch>
+        </p:blipFill>
+        <p:spPr bwMode="auto">
+          <a:xfrm>
+            <a:off x="6591300" y="188662"/>
+            <a:ext cx="4762500" cy="2019300"/>
+          </a:xfrm>
+          <a:prstGeom prst="rect">
+            <a:avLst/>
+          </a:prstGeom>
+          <a:noFill/>
+          <a:extLst>
+            <a:ext uri="{909E8E84-426E-40DD-AFC4-6F175D3DCCD1}">
+              <a14:hiddenFill xmlns:a14="http://schemas.microsoft.com/office/drawing/2010/main">
+                <a:solidFill>
+                  <a:srgbClr val="FFFFFF"/>
+                </a:solidFill>
+              </a14:hiddenFill>
+            </a:ext>
+          </a:extLst>
+        </p:spPr>
+      </p:pic>
     </p:spTree>
     <p:extLst>
       <p:ext uri="{BB962C8B-B14F-4D97-AF65-F5344CB8AC3E}">

--- a/Dokumentacio/Eloadas.pptx
+++ b/Dokumentacio/Eloadas.pptx
@@ -275,7 +275,7 @@
           <a:p>
             <a:fld id="{20C65D48-B2C4-4DFB-A7D8-E0250F9D67EA}" type="datetimeFigureOut">
               <a:rPr lang="hu-HU" smtClean="0"/>
-              <a:t>2025. 04. 11.</a:t>
+              <a:t>2025. 04. 12.</a:t>
             </a:fld>
             <a:endParaRPr lang="hu-HU"/>
           </a:p>
@@ -473,7 +473,7 @@
           <a:p>
             <a:fld id="{20C65D48-B2C4-4DFB-A7D8-E0250F9D67EA}" type="datetimeFigureOut">
               <a:rPr lang="hu-HU" smtClean="0"/>
-              <a:t>2025. 04. 11.</a:t>
+              <a:t>2025. 04. 12.</a:t>
             </a:fld>
             <a:endParaRPr lang="hu-HU"/>
           </a:p>
@@ -681,7 +681,7 @@
           <a:p>
             <a:fld id="{20C65D48-B2C4-4DFB-A7D8-E0250F9D67EA}" type="datetimeFigureOut">
               <a:rPr lang="hu-HU" smtClean="0"/>
-              <a:t>2025. 04. 11.</a:t>
+              <a:t>2025. 04. 12.</a:t>
             </a:fld>
             <a:endParaRPr lang="hu-HU"/>
           </a:p>
@@ -879,7 +879,7 @@
           <a:p>
             <a:fld id="{20C65D48-B2C4-4DFB-A7D8-E0250F9D67EA}" type="datetimeFigureOut">
               <a:rPr lang="hu-HU" smtClean="0"/>
-              <a:t>2025. 04. 11.</a:t>
+              <a:t>2025. 04. 12.</a:t>
             </a:fld>
             <a:endParaRPr lang="hu-HU"/>
           </a:p>
@@ -1154,7 +1154,7 @@
           <a:p>
             <a:fld id="{20C65D48-B2C4-4DFB-A7D8-E0250F9D67EA}" type="datetimeFigureOut">
               <a:rPr lang="hu-HU" smtClean="0"/>
-              <a:t>2025. 04. 11.</a:t>
+              <a:t>2025. 04. 12.</a:t>
             </a:fld>
             <a:endParaRPr lang="hu-HU"/>
           </a:p>
@@ -1419,7 +1419,7 @@
           <a:p>
             <a:fld id="{20C65D48-B2C4-4DFB-A7D8-E0250F9D67EA}" type="datetimeFigureOut">
               <a:rPr lang="hu-HU" smtClean="0"/>
-              <a:t>2025. 04. 11.</a:t>
+              <a:t>2025. 04. 12.</a:t>
             </a:fld>
             <a:endParaRPr lang="hu-HU"/>
           </a:p>
@@ -1831,7 +1831,7 @@
           <a:p>
             <a:fld id="{20C65D48-B2C4-4DFB-A7D8-E0250F9D67EA}" type="datetimeFigureOut">
               <a:rPr lang="hu-HU" smtClean="0"/>
-              <a:t>2025. 04. 11.</a:t>
+              <a:t>2025. 04. 12.</a:t>
             </a:fld>
             <a:endParaRPr lang="hu-HU"/>
           </a:p>
@@ -1972,7 +1972,7 @@
           <a:p>
             <a:fld id="{20C65D48-B2C4-4DFB-A7D8-E0250F9D67EA}" type="datetimeFigureOut">
               <a:rPr lang="hu-HU" smtClean="0"/>
-              <a:t>2025. 04. 11.</a:t>
+              <a:t>2025. 04. 12.</a:t>
             </a:fld>
             <a:endParaRPr lang="hu-HU"/>
           </a:p>
@@ -2085,7 +2085,7 @@
           <a:p>
             <a:fld id="{20C65D48-B2C4-4DFB-A7D8-E0250F9D67EA}" type="datetimeFigureOut">
               <a:rPr lang="hu-HU" smtClean="0"/>
-              <a:t>2025. 04. 11.</a:t>
+              <a:t>2025. 04. 12.</a:t>
             </a:fld>
             <a:endParaRPr lang="hu-HU"/>
           </a:p>
@@ -2396,7 +2396,7 @@
           <a:p>
             <a:fld id="{20C65D48-B2C4-4DFB-A7D8-E0250F9D67EA}" type="datetimeFigureOut">
               <a:rPr lang="hu-HU" smtClean="0"/>
-              <a:t>2025. 04. 11.</a:t>
+              <a:t>2025. 04. 12.</a:t>
             </a:fld>
             <a:endParaRPr lang="hu-HU"/>
           </a:p>
@@ -2684,7 +2684,7 @@
           <a:p>
             <a:fld id="{20C65D48-B2C4-4DFB-A7D8-E0250F9D67EA}" type="datetimeFigureOut">
               <a:rPr lang="hu-HU" smtClean="0"/>
-              <a:t>2025. 04. 11.</a:t>
+              <a:t>2025. 04. 12.</a:t>
             </a:fld>
             <a:endParaRPr lang="hu-HU"/>
           </a:p>
@@ -2925,7 +2925,7 @@
           <a:p>
             <a:fld id="{20C65D48-B2C4-4DFB-A7D8-E0250F9D67EA}" type="datetimeFigureOut">
               <a:rPr lang="hu-HU" smtClean="0"/>
-              <a:t>2025. 04. 11.</a:t>
+              <a:t>2025. 04. 12.</a:t>
             </a:fld>
             <a:endParaRPr lang="hu-HU"/>
           </a:p>
@@ -3328,6 +3328,14 @@
 <file path=ppt/slides/slide1.xml><?xml version="1.0" encoding="utf-8"?>
 <p:sld xmlns:a="http://schemas.openxmlformats.org/drawingml/2006/main" xmlns:r="http://schemas.openxmlformats.org/officeDocument/2006/relationships" xmlns:p="http://schemas.openxmlformats.org/presentationml/2006/main">
   <p:cSld>
+    <p:bg>
+      <p:bgPr>
+        <a:solidFill>
+          <a:srgbClr val="1758F2"/>
+        </a:solidFill>
+        <a:effectLst/>
+      </p:bgPr>
+    </p:bg>
     <p:spTree>
       <p:nvGrpSpPr>
         <p:cNvPr id="1" name=""/>
@@ -3358,7 +3366,12 @@
             <p:ph type="ctrTitle"/>
           </p:nvPr>
         </p:nvSpPr>
-        <p:spPr/>
+        <p:spPr>
+          <a:xfrm>
+            <a:off x="1457324" y="712382"/>
+            <a:ext cx="9144000" cy="1404938"/>
+          </a:xfrm>
+        </p:spPr>
         <p:txBody>
           <a:bodyPr>
             <a:normAutofit/>
@@ -3366,10 +3379,18 @@
           <a:lstStyle/>
           <a:p>
             <a:r>
-              <a:rPr lang="hu-HU" sz="8000" dirty="0" err="1"/>
+              <a:rPr lang="hu-HU" sz="8800" dirty="0" err="1">
+                <a:solidFill>
+                  <a:schemeClr val="bg1"/>
+                </a:solidFill>
+              </a:rPr>
               <a:t>telock</a:t>
             </a:r>
-            <a:endParaRPr lang="hu-HU" sz="8000" dirty="0"/>
+            <a:endParaRPr lang="hu-HU" sz="8800" dirty="0">
+              <a:solidFill>
+                <a:schemeClr val="bg1"/>
+              </a:solidFill>
+            </a:endParaRPr>
           </a:p>
         </p:txBody>
       </p:sp>
@@ -3389,7 +3410,12 @@
             <p:ph type="subTitle" idx="1"/>
           </p:nvPr>
         </p:nvSpPr>
-        <p:spPr/>
+        <p:spPr>
+          <a:xfrm>
+            <a:off x="1381125" y="2597788"/>
+            <a:ext cx="9144000" cy="749931"/>
+          </a:xfrm>
+        </p:spPr>
         <p:txBody>
           <a:bodyPr>
             <a:normAutofit/>
@@ -3397,9 +3423,198 @@
           <a:lstStyle/>
           <a:p>
             <a:r>
-              <a:rPr lang="hu-HU" sz="2800" dirty="0"/>
+              <a:rPr lang="hu-HU" sz="2800" dirty="0">
+                <a:solidFill>
+                  <a:schemeClr val="bg1"/>
+                </a:solidFill>
+              </a:rPr>
               <a:t>Készítette: Nagy Gábor és Szalkai-Szabó Ádám</a:t>
             </a:r>
+          </a:p>
+        </p:txBody>
+      </p:sp>
+      <p:sp>
+        <p:nvSpPr>
+          <p:cNvPr id="8" name="Téglalap 7">
+            <a:extLst>
+              <a:ext uri="{FF2B5EF4-FFF2-40B4-BE49-F238E27FC236}">
+                <a16:creationId xmlns:a16="http://schemas.microsoft.com/office/drawing/2014/main" id="{D9ED47E0-A0F5-AAEC-91CC-AF70D9F194D7}"/>
+              </a:ext>
+            </a:extLst>
+          </p:cNvPr>
+          <p:cNvSpPr/>
+          <p:nvPr/>
+        </p:nvSpPr>
+        <p:spPr>
+          <a:xfrm>
+            <a:off x="0" y="3429001"/>
+            <a:ext cx="12192000" cy="3428998"/>
+          </a:xfrm>
+          <a:prstGeom prst="rect">
+            <a:avLst/>
+          </a:prstGeom>
+          <a:solidFill>
+            <a:schemeClr val="bg1"/>
+          </a:solidFill>
+        </p:spPr>
+        <p:style>
+          <a:lnRef idx="2">
+            <a:schemeClr val="accent1">
+              <a:shade val="15000"/>
+            </a:schemeClr>
+          </a:lnRef>
+          <a:fillRef idx="1">
+            <a:schemeClr val="accent1"/>
+          </a:fillRef>
+          <a:effectRef idx="0">
+            <a:schemeClr val="accent1"/>
+          </a:effectRef>
+          <a:fontRef idx="minor">
+            <a:schemeClr val="lt1"/>
+          </a:fontRef>
+        </p:style>
+        <p:txBody>
+          <a:bodyPr rtlCol="0" anchor="ctr"/>
+          <a:lstStyle/>
+          <a:p>
+            <a:pPr algn="ctr"/>
+            <a:endParaRPr lang="hu-HU" dirty="0"/>
+          </a:p>
+        </p:txBody>
+      </p:sp>
+      <p:sp>
+        <p:nvSpPr>
+          <p:cNvPr id="10" name="Szövegdoboz 9">
+            <a:extLst>
+              <a:ext uri="{FF2B5EF4-FFF2-40B4-BE49-F238E27FC236}">
+                <a16:creationId xmlns:a16="http://schemas.microsoft.com/office/drawing/2014/main" id="{A645E178-5FD9-4972-C31F-DCA39D6F9E30}"/>
+              </a:ext>
+            </a:extLst>
+          </p:cNvPr>
+          <p:cNvSpPr txBox="1"/>
+          <p:nvPr/>
+        </p:nvSpPr>
+        <p:spPr>
+          <a:xfrm>
+            <a:off x="1226344" y="4647426"/>
+            <a:ext cx="3317081" cy="1569660"/>
+          </a:xfrm>
+          <a:prstGeom prst="rect">
+            <a:avLst/>
+          </a:prstGeom>
+          <a:noFill/>
+        </p:spPr>
+        <p:txBody>
+          <a:bodyPr wrap="square">
+            <a:spAutoFit/>
+          </a:bodyPr>
+          <a:lstStyle/>
+          <a:p>
+            <a:r>
+              <a:rPr lang="hu-HU" sz="2400" b="1" dirty="0"/>
+              <a:t>Kiskunfélegyházi Szent Benedek PG Két Tanítási Nyelvű Technikum és Kollégium</a:t>
+            </a:r>
+          </a:p>
+        </p:txBody>
+      </p:sp>
+      <p:pic>
+        <p:nvPicPr>
+          <p:cNvPr id="12" name="Kép 11" descr="A képen kör, Betűtípus, szimbólum, tervezés látható&#10;&#10;Előfordulhat, hogy a mesterséges intelligencia által létrehozott tartalom helytelen.">
+            <a:extLst>
+              <a:ext uri="{FF2B5EF4-FFF2-40B4-BE49-F238E27FC236}">
+                <a16:creationId xmlns:a16="http://schemas.microsoft.com/office/drawing/2014/main" id="{F925935A-526E-B5A0-C23B-916D0938AF23}"/>
+              </a:ext>
+            </a:extLst>
+          </p:cNvPr>
+          <p:cNvPicPr>
+            <a:picLocks noChangeAspect="1"/>
+          </p:cNvPicPr>
+          <p:nvPr/>
+        </p:nvPicPr>
+        <p:blipFill>
+          <a:blip r:embed="rId2">
+            <a:extLst>
+              <a:ext uri="{28A0092B-C50C-407E-A947-70E740481C1C}">
+                <a14:useLocalDpi xmlns:a14="http://schemas.microsoft.com/office/drawing/2010/main" val="0"/>
+              </a:ext>
+            </a:extLst>
+          </a:blip>
+          <a:stretch>
+            <a:fillRect/>
+          </a:stretch>
+        </p:blipFill>
+        <p:spPr>
+          <a:xfrm>
+            <a:off x="4957762" y="4381499"/>
+            <a:ext cx="2143125" cy="2143125"/>
+          </a:xfrm>
+          <a:prstGeom prst="rect">
+            <a:avLst/>
+          </a:prstGeom>
+        </p:spPr>
+      </p:pic>
+      <p:sp>
+        <p:nvSpPr>
+          <p:cNvPr id="13" name="Szövegdoboz 12">
+            <a:extLst>
+              <a:ext uri="{FF2B5EF4-FFF2-40B4-BE49-F238E27FC236}">
+                <a16:creationId xmlns:a16="http://schemas.microsoft.com/office/drawing/2014/main" id="{956E6E1C-9782-164C-3668-CFC0634CD365}"/>
+              </a:ext>
+            </a:extLst>
+          </p:cNvPr>
+          <p:cNvSpPr txBox="1"/>
+          <p:nvPr/>
+        </p:nvSpPr>
+        <p:spPr>
+          <a:xfrm>
+            <a:off x="7515225" y="4647426"/>
+            <a:ext cx="3450432" cy="1754326"/>
+          </a:xfrm>
+          <a:prstGeom prst="rect">
+            <a:avLst/>
+          </a:prstGeom>
+          <a:noFill/>
+        </p:spPr>
+        <p:txBody>
+          <a:bodyPr wrap="square" rtlCol="0">
+            <a:spAutoFit/>
+          </a:bodyPr>
+          <a:lstStyle/>
+          <a:p>
+            <a:r>
+              <a:rPr lang="hu-HU" dirty="0">
+                <a:effectLst/>
+              </a:rPr>
+              <a:t>Kiskunfélegyháza, Kossuth Lajos u. 24, 6100</a:t>
+            </a:r>
+          </a:p>
+          <a:p>
+            <a:r>
+              <a:rPr lang="hu-HU" dirty="0"/>
+              <a:t>OM: 203365</a:t>
+            </a:r>
+          </a:p>
+          <a:p>
+            <a:r>
+              <a:rPr lang="hu-HU" dirty="0">
+                <a:effectLst/>
+              </a:rPr>
+              <a:t>+36 76462 332</a:t>
+            </a:r>
+          </a:p>
+          <a:p>
+            <a:r>
+              <a:rPr lang="hu-HU" dirty="0"/>
+              <a:t>titkarsag@szbi-pg.hu</a:t>
+            </a:r>
+            <a:endParaRPr lang="hu-HU" dirty="0">
+              <a:effectLst/>
+            </a:endParaRPr>
+          </a:p>
+          <a:p>
+            <a:endParaRPr lang="hu-HU" dirty="0">
+              <a:effectLst/>
+            </a:endParaRPr>
           </a:p>
         </p:txBody>
       </p:sp>
@@ -4505,6 +4720,55 @@
       </p:grpSpPr>
       <p:sp>
         <p:nvSpPr>
+          <p:cNvPr id="6" name="Téglalap 5">
+            <a:extLst>
+              <a:ext uri="{FF2B5EF4-FFF2-40B4-BE49-F238E27FC236}">
+                <a16:creationId xmlns:a16="http://schemas.microsoft.com/office/drawing/2014/main" id="{BC279235-BB80-2621-AB21-348D3C6063F6}"/>
+              </a:ext>
+            </a:extLst>
+          </p:cNvPr>
+          <p:cNvSpPr/>
+          <p:nvPr/>
+        </p:nvSpPr>
+        <p:spPr>
+          <a:xfrm>
+            <a:off x="-1" y="0"/>
+            <a:ext cx="12192001" cy="3429000"/>
+          </a:xfrm>
+          <a:prstGeom prst="rect">
+            <a:avLst/>
+          </a:prstGeom>
+          <a:solidFill>
+            <a:srgbClr val="1758F2"/>
+          </a:solidFill>
+        </p:spPr>
+        <p:style>
+          <a:lnRef idx="2">
+            <a:schemeClr val="accent1">
+              <a:shade val="15000"/>
+            </a:schemeClr>
+          </a:lnRef>
+          <a:fillRef idx="1">
+            <a:schemeClr val="accent1"/>
+          </a:fillRef>
+          <a:effectRef idx="0">
+            <a:schemeClr val="accent1"/>
+          </a:effectRef>
+          <a:fontRef idx="minor">
+            <a:schemeClr val="lt1"/>
+          </a:fontRef>
+        </p:style>
+        <p:txBody>
+          <a:bodyPr rtlCol="0" anchor="ctr"/>
+          <a:lstStyle/>
+          <a:p>
+            <a:pPr algn="ctr"/>
+            <a:endParaRPr lang="hu-HU" dirty="0"/>
+          </a:p>
+        </p:txBody>
+      </p:sp>
+      <p:sp>
+        <p:nvSpPr>
           <p:cNvPr id="2" name="Cím 1">
             <a:extLst>
               <a:ext uri="{FF2B5EF4-FFF2-40B4-BE49-F238E27FC236}">
@@ -4524,13 +4788,20 @@
             <a:off x="838200" y="220746"/>
             <a:ext cx="10515600" cy="1325563"/>
           </a:xfrm>
+          <a:solidFill>
+            <a:srgbClr val="1758F2"/>
+          </a:solidFill>
         </p:spPr>
         <p:txBody>
           <a:bodyPr/>
           <a:lstStyle/>
           <a:p>
             <a:r>
-              <a:rPr lang="hu-HU" dirty="0"/>
+              <a:rPr lang="hu-HU" dirty="0">
+                <a:solidFill>
+                  <a:schemeClr val="bg1"/>
+                </a:solidFill>
+              </a:rPr>
               <a:t>A probléma</a:t>
             </a:r>
           </a:p>
@@ -4559,13 +4830,31 @@
           </a:xfrm>
         </p:spPr>
         <p:txBody>
-          <a:bodyPr/>
-          <a:lstStyle/>
-          <a:p>
-            <a:r>
-              <a:rPr lang="hu-HU" dirty="0" err="1"/>
-              <a:t>dd</a:t>
-            </a:r>
+          <a:bodyPr>
+            <a:normAutofit fontScale="85000" lnSpcReduction="10000"/>
+          </a:bodyPr>
+          <a:lstStyle/>
+          <a:p>
+            <a:r>
+              <a:rPr lang="hu-HU" dirty="0"/>
+              <a:t>A </a:t>
+            </a:r>
+            <a:r>
+              <a:rPr lang="hu-HU" b="1" dirty="0"/>
+              <a:t>TELOCK</a:t>
+            </a:r>
+            <a:r>
+              <a:rPr lang="hu-HU" dirty="0"/>
+              <a:t> egy iskolák számára fejlesztett rendszer, amely webes vezérlőpultból és fizikai tárolókból áll, hogy szabályozza a tanulók mobiltelefon-használatát.</a:t>
+            </a:r>
+          </a:p>
+          <a:p>
+            <a:r>
+              <a:rPr lang="hu-HU" dirty="0"/>
+              <a:t>A rendszer lehetővé teszi a telefonok biztonságos elzárását és az iskolai dolgozók általi ellenőrzését, ezzel támogatva a 2024-es kormányrendelet betartását.</a:t>
+            </a:r>
+          </a:p>
+          <a:p>
             <a:endParaRPr lang="hu-HU" dirty="0"/>
           </a:p>
         </p:txBody>
@@ -4649,7 +4938,7 @@
         </p:spPr>
         <p:txBody>
           <a:bodyPr vert="horz" lIns="91440" tIns="45720" rIns="91440" bIns="45720" rtlCol="0">
-            <a:normAutofit/>
+            <a:normAutofit fontScale="62500" lnSpcReduction="20000"/>
           </a:bodyPr>
           <a:lstStyle>
             <a:lvl1pPr marL="228600" indent="-228600" algn="l" defTabSz="914400" rtl="0" eaLnBrk="1" latinLnBrk="0" hangingPunct="1">
@@ -4817,10 +5106,33 @@
           </a:lstStyle>
           <a:p>
             <a:r>
-              <a:rPr lang="hu-HU" dirty="0" err="1"/>
-              <a:t>dd</a:t>
-            </a:r>
-            <a:endParaRPr lang="hu-HU" dirty="0"/>
+              <a:rPr lang="hu-HU" dirty="0">
+                <a:solidFill>
+                  <a:schemeClr val="bg1"/>
+                </a:solidFill>
+              </a:rPr>
+              <a:t>A tanulók órák alatti mobiltelefon-használata rontja a koncentrációt és a tanulmányi teljesítményt.</a:t>
+            </a:r>
+          </a:p>
+          <a:p>
+            <a:r>
+              <a:rPr lang="hu-HU" dirty="0">
+                <a:solidFill>
+                  <a:schemeClr val="bg1"/>
+                </a:solidFill>
+              </a:rPr>
+              <a:t>2024 szeptember 1-től kormányrendelet írja elő, hogy a diákoknak tanítási idő alatt le kell adniuk a mobiltelefonjaikat.</a:t>
+            </a:r>
+          </a:p>
+          <a:p>
+            <a:r>
+              <a:rPr lang="hu-HU" dirty="0">
+                <a:solidFill>
+                  <a:schemeClr val="bg1"/>
+                </a:solidFill>
+              </a:rPr>
+              <a:t>Az iskoláknak szükségük van egy biztonságos, ellenőrizhető megoldásra a telefonok tárolására és kezelésére.</a:t>
+            </a:r>
           </a:p>
         </p:txBody>
       </p:sp>
@@ -4840,6 +5152,14 @@
 <file path=ppt/slides/slide3.xml><?xml version="1.0" encoding="utf-8"?>
 <p:sld xmlns:a="http://schemas.openxmlformats.org/drawingml/2006/main" xmlns:r="http://schemas.openxmlformats.org/officeDocument/2006/relationships" xmlns:p="http://schemas.openxmlformats.org/presentationml/2006/main">
   <p:cSld>
+    <p:bg>
+      <p:bgPr>
+        <a:solidFill>
+          <a:srgbClr val="1758F2"/>
+        </a:solidFill>
+        <a:effectLst/>
+      </p:bgPr>
+    </p:bg>
     <p:spTree>
       <p:nvGrpSpPr>
         <p:cNvPr id="1" name=""/>
@@ -4856,6 +5176,55 @@
       </p:grpSpPr>
       <p:sp>
         <p:nvSpPr>
+          <p:cNvPr id="10" name="Téglalap 9">
+            <a:extLst>
+              <a:ext uri="{FF2B5EF4-FFF2-40B4-BE49-F238E27FC236}">
+                <a16:creationId xmlns:a16="http://schemas.microsoft.com/office/drawing/2014/main" id="{D6F64EEC-6BB8-D240-CED4-43161C1FCA4E}"/>
+              </a:ext>
+            </a:extLst>
+          </p:cNvPr>
+          <p:cNvSpPr/>
+          <p:nvPr/>
+        </p:nvSpPr>
+        <p:spPr>
+          <a:xfrm>
+            <a:off x="0" y="3429000"/>
+            <a:ext cx="12192000" cy="3429000"/>
+          </a:xfrm>
+          <a:prstGeom prst="rect">
+            <a:avLst/>
+          </a:prstGeom>
+          <a:solidFill>
+            <a:schemeClr val="bg1"/>
+          </a:solidFill>
+        </p:spPr>
+        <p:style>
+          <a:lnRef idx="2">
+            <a:schemeClr val="accent1">
+              <a:shade val="15000"/>
+            </a:schemeClr>
+          </a:lnRef>
+          <a:fillRef idx="1">
+            <a:schemeClr val="accent1"/>
+          </a:fillRef>
+          <a:effectRef idx="0">
+            <a:schemeClr val="accent1"/>
+          </a:effectRef>
+          <a:fontRef idx="minor">
+            <a:schemeClr val="lt1"/>
+          </a:fontRef>
+        </p:style>
+        <p:txBody>
+          <a:bodyPr rtlCol="0" anchor="ctr"/>
+          <a:lstStyle/>
+          <a:p>
+            <a:pPr algn="ctr"/>
+            <a:endParaRPr lang="hu-HU"/>
+          </a:p>
+        </p:txBody>
+      </p:sp>
+      <p:sp>
+        <p:nvSpPr>
           <p:cNvPr id="2" name="Cím 1">
             <a:extLst>
               <a:ext uri="{FF2B5EF4-FFF2-40B4-BE49-F238E27FC236}">
@@ -4870,40 +5239,626 @@
             <p:ph type="title"/>
           </p:nvPr>
         </p:nvSpPr>
-        <p:spPr/>
+        <p:spPr>
+          <a:xfrm>
+            <a:off x="707166" y="506610"/>
+            <a:ext cx="5038928" cy="1325563"/>
+          </a:xfrm>
+        </p:spPr>
         <p:txBody>
           <a:bodyPr/>
           <a:lstStyle/>
           <a:p>
             <a:r>
+              <a:rPr lang="hu-HU" dirty="0">
+                <a:solidFill>
+                  <a:schemeClr val="bg1"/>
+                </a:solidFill>
+              </a:rPr>
+              <a:t>A rendszer funkció</a:t>
+            </a:r>
+          </a:p>
+        </p:txBody>
+      </p:sp>
+      <p:sp>
+        <p:nvSpPr>
+          <p:cNvPr id="3" name="Tartalom helye 2">
+            <a:extLst>
+              <a:ext uri="{FF2B5EF4-FFF2-40B4-BE49-F238E27FC236}">
+                <a16:creationId xmlns:a16="http://schemas.microsoft.com/office/drawing/2014/main" id="{C9CFCC54-EEC1-45F1-95DE-451361C20F30}"/>
+              </a:ext>
+            </a:extLst>
+          </p:cNvPr>
+          <p:cNvSpPr>
+            <a:spLocks noGrp="1"/>
+          </p:cNvSpPr>
+          <p:nvPr>
+            <p:ph idx="1"/>
+          </p:nvPr>
+        </p:nvSpPr>
+        <p:spPr>
+          <a:xfrm>
+            <a:off x="2306391" y="4484177"/>
+            <a:ext cx="3789609" cy="2371016"/>
+          </a:xfrm>
+          <a:solidFill>
+            <a:schemeClr val="bg1"/>
+          </a:solidFill>
+          <a:effectLst/>
+        </p:spPr>
+        <p:txBody>
+          <a:bodyPr>
+            <a:normAutofit fontScale="77500" lnSpcReduction="20000"/>
+          </a:bodyPr>
+          <a:lstStyle/>
+          <a:p>
+            <a:r>
               <a:rPr lang="hu-HU" dirty="0"/>
-              <a:t>Funkciók</a:t>
-            </a:r>
-          </a:p>
-        </p:txBody>
-      </p:sp>
-      <p:sp>
-        <p:nvSpPr>
-          <p:cNvPr id="3" name="Tartalom helye 2">
-            <a:extLst>
-              <a:ext uri="{FF2B5EF4-FFF2-40B4-BE49-F238E27FC236}">
-                <a16:creationId xmlns:a16="http://schemas.microsoft.com/office/drawing/2014/main" id="{C9CFCC54-EEC1-45F1-95DE-451361C20F30}"/>
-              </a:ext>
-            </a:extLst>
-          </p:cNvPr>
-          <p:cNvSpPr>
-            <a:spLocks noGrp="1"/>
-          </p:cNvSpPr>
-          <p:nvPr>
-            <p:ph idx="1"/>
-          </p:nvPr>
-        </p:nvSpPr>
-        <p:spPr/>
-        <p:txBody>
-          <a:bodyPr/>
-          <a:lstStyle/>
-          <a:p>
-            <a:endParaRPr lang="hu-HU"/>
+              <a:t>Beléptetés és jogosultságok</a:t>
+            </a:r>
+          </a:p>
+          <a:p>
+            <a:r>
+              <a:rPr lang="hu-HU" dirty="0"/>
+              <a:t>Alkalmazottak kezelése</a:t>
+            </a:r>
+          </a:p>
+          <a:p>
+            <a:r>
+              <a:rPr lang="hu-HU" dirty="0"/>
+              <a:t>Tanulók kezelése</a:t>
+            </a:r>
+          </a:p>
+          <a:p>
+            <a:r>
+              <a:rPr lang="hu-HU" dirty="0"/>
+              <a:t>Tárolók kezelése</a:t>
+            </a:r>
+          </a:p>
+          <a:p>
+            <a:r>
+              <a:rPr lang="hu-HU" dirty="0"/>
+              <a:t>Órarend-kezelés</a:t>
+            </a:r>
+            <a:endParaRPr lang="hu-HU" b="1" dirty="0"/>
+          </a:p>
+          <a:p>
+            <a:r>
+              <a:rPr lang="hu-HU" dirty="0"/>
+              <a:t>Tanév kezelése</a:t>
+            </a:r>
+          </a:p>
+        </p:txBody>
+      </p:sp>
+      <p:sp>
+        <p:nvSpPr>
+          <p:cNvPr id="11" name="Tartalom helye 2">
+            <a:extLst>
+              <a:ext uri="{FF2B5EF4-FFF2-40B4-BE49-F238E27FC236}">
+                <a16:creationId xmlns:a16="http://schemas.microsoft.com/office/drawing/2014/main" id="{67C6172A-31E7-075E-A4A0-15D1A969707D}"/>
+              </a:ext>
+            </a:extLst>
+          </p:cNvPr>
+          <p:cNvSpPr txBox="1">
+            <a:spLocks/>
+          </p:cNvSpPr>
+          <p:nvPr/>
+        </p:nvSpPr>
+        <p:spPr>
+          <a:xfrm>
+            <a:off x="6543049" y="4484177"/>
+            <a:ext cx="4379271" cy="2371016"/>
+          </a:xfrm>
+          <a:prstGeom prst="rect">
+            <a:avLst/>
+          </a:prstGeom>
+          <a:solidFill>
+            <a:schemeClr val="bg1"/>
+          </a:solidFill>
+          <a:effectLst/>
+        </p:spPr>
+        <p:txBody>
+          <a:bodyPr vert="horz" lIns="91440" tIns="45720" rIns="91440" bIns="45720" rtlCol="0">
+            <a:normAutofit fontScale="77500" lnSpcReduction="20000"/>
+          </a:bodyPr>
+          <a:lstStyle>
+            <a:lvl1pPr marL="228600" indent="-228600" algn="l" defTabSz="914400" rtl="0" eaLnBrk="1" latinLnBrk="0" hangingPunct="1">
+              <a:lnSpc>
+                <a:spcPct val="90000"/>
+              </a:lnSpc>
+              <a:spcBef>
+                <a:spcPts val="1000"/>
+              </a:spcBef>
+              <a:buFont typeface="Arial" panose="020B0604020202020204" pitchFamily="34" charset="0"/>
+              <a:buChar char="•"/>
+              <a:defRPr sz="2800" kern="1200">
+                <a:solidFill>
+                  <a:schemeClr val="tx1"/>
+                </a:solidFill>
+                <a:latin typeface="+mn-lt"/>
+                <a:ea typeface="+mn-ea"/>
+                <a:cs typeface="+mn-cs"/>
+              </a:defRPr>
+            </a:lvl1pPr>
+            <a:lvl2pPr marL="685800" indent="-228600" algn="l" defTabSz="914400" rtl="0" eaLnBrk="1" latinLnBrk="0" hangingPunct="1">
+              <a:lnSpc>
+                <a:spcPct val="90000"/>
+              </a:lnSpc>
+              <a:spcBef>
+                <a:spcPts val="500"/>
+              </a:spcBef>
+              <a:buFont typeface="Arial" panose="020B0604020202020204" pitchFamily="34" charset="0"/>
+              <a:buChar char="•"/>
+              <a:defRPr sz="2400" kern="1200">
+                <a:solidFill>
+                  <a:schemeClr val="tx1"/>
+                </a:solidFill>
+                <a:latin typeface="+mn-lt"/>
+                <a:ea typeface="+mn-ea"/>
+                <a:cs typeface="+mn-cs"/>
+              </a:defRPr>
+            </a:lvl2pPr>
+            <a:lvl3pPr marL="1143000" indent="-228600" algn="l" defTabSz="914400" rtl="0" eaLnBrk="1" latinLnBrk="0" hangingPunct="1">
+              <a:lnSpc>
+                <a:spcPct val="90000"/>
+              </a:lnSpc>
+              <a:spcBef>
+                <a:spcPts val="500"/>
+              </a:spcBef>
+              <a:buFont typeface="Arial" panose="020B0604020202020204" pitchFamily="34" charset="0"/>
+              <a:buChar char="•"/>
+              <a:defRPr sz="2000" kern="1200">
+                <a:solidFill>
+                  <a:schemeClr val="tx1"/>
+                </a:solidFill>
+                <a:latin typeface="+mn-lt"/>
+                <a:ea typeface="+mn-ea"/>
+                <a:cs typeface="+mn-cs"/>
+              </a:defRPr>
+            </a:lvl3pPr>
+            <a:lvl4pPr marL="1600200" indent="-228600" algn="l" defTabSz="914400" rtl="0" eaLnBrk="1" latinLnBrk="0" hangingPunct="1">
+              <a:lnSpc>
+                <a:spcPct val="90000"/>
+              </a:lnSpc>
+              <a:spcBef>
+                <a:spcPts val="500"/>
+              </a:spcBef>
+              <a:buFont typeface="Arial" panose="020B0604020202020204" pitchFamily="34" charset="0"/>
+              <a:buChar char="•"/>
+              <a:defRPr sz="1800" kern="1200">
+                <a:solidFill>
+                  <a:schemeClr val="tx1"/>
+                </a:solidFill>
+                <a:latin typeface="+mn-lt"/>
+                <a:ea typeface="+mn-ea"/>
+                <a:cs typeface="+mn-cs"/>
+              </a:defRPr>
+            </a:lvl4pPr>
+            <a:lvl5pPr marL="2057400" indent="-228600" algn="l" defTabSz="914400" rtl="0" eaLnBrk="1" latinLnBrk="0" hangingPunct="1">
+              <a:lnSpc>
+                <a:spcPct val="90000"/>
+              </a:lnSpc>
+              <a:spcBef>
+                <a:spcPts val="500"/>
+              </a:spcBef>
+              <a:buFont typeface="Arial" panose="020B0604020202020204" pitchFamily="34" charset="0"/>
+              <a:buChar char="•"/>
+              <a:defRPr sz="1800" kern="1200">
+                <a:solidFill>
+                  <a:schemeClr val="tx1"/>
+                </a:solidFill>
+                <a:latin typeface="+mn-lt"/>
+                <a:ea typeface="+mn-ea"/>
+                <a:cs typeface="+mn-cs"/>
+              </a:defRPr>
+            </a:lvl5pPr>
+            <a:lvl6pPr marL="2514600" indent="-228600" algn="l" defTabSz="914400" rtl="0" eaLnBrk="1" latinLnBrk="0" hangingPunct="1">
+              <a:lnSpc>
+                <a:spcPct val="90000"/>
+              </a:lnSpc>
+              <a:spcBef>
+                <a:spcPts val="500"/>
+              </a:spcBef>
+              <a:buFont typeface="Arial" panose="020B0604020202020204" pitchFamily="34" charset="0"/>
+              <a:buChar char="•"/>
+              <a:defRPr sz="1800" kern="1200">
+                <a:solidFill>
+                  <a:schemeClr val="tx1"/>
+                </a:solidFill>
+                <a:latin typeface="+mn-lt"/>
+                <a:ea typeface="+mn-ea"/>
+                <a:cs typeface="+mn-cs"/>
+              </a:defRPr>
+            </a:lvl6pPr>
+            <a:lvl7pPr marL="2971800" indent="-228600" algn="l" defTabSz="914400" rtl="0" eaLnBrk="1" latinLnBrk="0" hangingPunct="1">
+              <a:lnSpc>
+                <a:spcPct val="90000"/>
+              </a:lnSpc>
+              <a:spcBef>
+                <a:spcPts val="500"/>
+              </a:spcBef>
+              <a:buFont typeface="Arial" panose="020B0604020202020204" pitchFamily="34" charset="0"/>
+              <a:buChar char="•"/>
+              <a:defRPr sz="1800" kern="1200">
+                <a:solidFill>
+                  <a:schemeClr val="tx1"/>
+                </a:solidFill>
+                <a:latin typeface="+mn-lt"/>
+                <a:ea typeface="+mn-ea"/>
+                <a:cs typeface="+mn-cs"/>
+              </a:defRPr>
+            </a:lvl7pPr>
+            <a:lvl8pPr marL="3429000" indent="-228600" algn="l" defTabSz="914400" rtl="0" eaLnBrk="1" latinLnBrk="0" hangingPunct="1">
+              <a:lnSpc>
+                <a:spcPct val="90000"/>
+              </a:lnSpc>
+              <a:spcBef>
+                <a:spcPts val="500"/>
+              </a:spcBef>
+              <a:buFont typeface="Arial" panose="020B0604020202020204" pitchFamily="34" charset="0"/>
+              <a:buChar char="•"/>
+              <a:defRPr sz="1800" kern="1200">
+                <a:solidFill>
+                  <a:schemeClr val="tx1"/>
+                </a:solidFill>
+                <a:latin typeface="+mn-lt"/>
+                <a:ea typeface="+mn-ea"/>
+                <a:cs typeface="+mn-cs"/>
+              </a:defRPr>
+            </a:lvl8pPr>
+            <a:lvl9pPr marL="3886200" indent="-228600" algn="l" defTabSz="914400" rtl="0" eaLnBrk="1" latinLnBrk="0" hangingPunct="1">
+              <a:lnSpc>
+                <a:spcPct val="90000"/>
+              </a:lnSpc>
+              <a:spcBef>
+                <a:spcPts val="500"/>
+              </a:spcBef>
+              <a:buFont typeface="Arial" panose="020B0604020202020204" pitchFamily="34" charset="0"/>
+              <a:buChar char="•"/>
+              <a:defRPr sz="1800" kern="1200">
+                <a:solidFill>
+                  <a:schemeClr val="tx1"/>
+                </a:solidFill>
+                <a:latin typeface="+mn-lt"/>
+                <a:ea typeface="+mn-ea"/>
+                <a:cs typeface="+mn-cs"/>
+              </a:defRPr>
+            </a:lvl9pPr>
+          </a:lstStyle>
+          <a:p>
+            <a:r>
+              <a:rPr lang="hu-HU" dirty="0"/>
+              <a:t>Adatfeltöltés és import</a:t>
+            </a:r>
+          </a:p>
+          <a:p>
+            <a:r>
+              <a:rPr lang="hu-HU" dirty="0"/>
+              <a:t>Biztonság és hitelesítés</a:t>
+            </a:r>
+          </a:p>
+          <a:p>
+            <a:r>
+              <a:rPr lang="hu-HU" dirty="0"/>
+              <a:t>Tanulók szekrényhozzáférésének szabályozása az órarend alapján</a:t>
+            </a:r>
+          </a:p>
+          <a:p>
+            <a:r>
+              <a:rPr lang="hu-HU" dirty="0"/>
+              <a:t>Csoportszintű és egyéni hozzáférés engedélyezése (pl. nyitás tanítás végén)</a:t>
+            </a:r>
+          </a:p>
+        </p:txBody>
+      </p:sp>
+      <p:sp>
+        <p:nvSpPr>
+          <p:cNvPr id="13" name="Szövegdoboz 12">
+            <a:extLst>
+              <a:ext uri="{FF2B5EF4-FFF2-40B4-BE49-F238E27FC236}">
+                <a16:creationId xmlns:a16="http://schemas.microsoft.com/office/drawing/2014/main" id="{BC151A0F-8858-EA6B-FB49-1AFB517C2CB4}"/>
+              </a:ext>
+            </a:extLst>
+          </p:cNvPr>
+          <p:cNvSpPr txBox="1"/>
+          <p:nvPr/>
+        </p:nvSpPr>
+        <p:spPr>
+          <a:xfrm>
+            <a:off x="6445907" y="506610"/>
+            <a:ext cx="2976328" cy="523220"/>
+          </a:xfrm>
+          <a:prstGeom prst="rect">
+            <a:avLst/>
+          </a:prstGeom>
+          <a:noFill/>
+        </p:spPr>
+        <p:txBody>
+          <a:bodyPr wrap="none" rtlCol="0">
+            <a:spAutoFit/>
+          </a:bodyPr>
+          <a:lstStyle/>
+          <a:p>
+            <a:r>
+              <a:rPr lang="hu-HU" sz="2800" dirty="0">
+                <a:solidFill>
+                  <a:schemeClr val="bg1"/>
+                </a:solidFill>
+              </a:rPr>
+              <a:t>Hardveres funkciók</a:t>
+            </a:r>
+          </a:p>
+        </p:txBody>
+      </p:sp>
+      <p:sp>
+        <p:nvSpPr>
+          <p:cNvPr id="14" name="Szövegdoboz 13">
+            <a:extLst>
+              <a:ext uri="{FF2B5EF4-FFF2-40B4-BE49-F238E27FC236}">
+                <a16:creationId xmlns:a16="http://schemas.microsoft.com/office/drawing/2014/main" id="{7E00BC02-D1A2-492C-35B4-F417CE78B0C0}"/>
+              </a:ext>
+            </a:extLst>
+          </p:cNvPr>
+          <p:cNvSpPr txBox="1"/>
+          <p:nvPr/>
+        </p:nvSpPr>
+        <p:spPr>
+          <a:xfrm>
+            <a:off x="4602097" y="3591538"/>
+            <a:ext cx="2987806" cy="523220"/>
+          </a:xfrm>
+          <a:prstGeom prst="rect">
+            <a:avLst/>
+          </a:prstGeom>
+          <a:noFill/>
+        </p:spPr>
+        <p:txBody>
+          <a:bodyPr wrap="none" rtlCol="0">
+            <a:spAutoFit/>
+          </a:bodyPr>
+          <a:lstStyle/>
+          <a:p>
+            <a:r>
+              <a:rPr lang="hu-HU" sz="2800" dirty="0"/>
+              <a:t>Szoftveres funkciók</a:t>
+            </a:r>
+          </a:p>
+        </p:txBody>
+      </p:sp>
+      <p:sp>
+        <p:nvSpPr>
+          <p:cNvPr id="16" name="Tartalom helye 2">
+            <a:extLst>
+              <a:ext uri="{FF2B5EF4-FFF2-40B4-BE49-F238E27FC236}">
+                <a16:creationId xmlns:a16="http://schemas.microsoft.com/office/drawing/2014/main" id="{79A8284B-F442-04D5-1149-62B4526A670B}"/>
+              </a:ext>
+            </a:extLst>
+          </p:cNvPr>
+          <p:cNvSpPr txBox="1">
+            <a:spLocks/>
+          </p:cNvSpPr>
+          <p:nvPr/>
+        </p:nvSpPr>
+        <p:spPr>
+          <a:xfrm>
+            <a:off x="7153074" y="1139266"/>
+            <a:ext cx="3572805" cy="1550895"/>
+          </a:xfrm>
+          <a:prstGeom prst="rect">
+            <a:avLst/>
+          </a:prstGeom>
+          <a:solidFill>
+            <a:srgbClr val="1758F2"/>
+          </a:solidFill>
+          <a:effectLst/>
+        </p:spPr>
+        <p:txBody>
+          <a:bodyPr vert="horz" lIns="91440" tIns="45720" rIns="91440" bIns="45720" rtlCol="0">
+            <a:normAutofit lnSpcReduction="10000"/>
+          </a:bodyPr>
+          <a:lstStyle>
+            <a:lvl1pPr marL="228600" indent="-228600" algn="l" defTabSz="914400" rtl="0" eaLnBrk="1" latinLnBrk="0" hangingPunct="1">
+              <a:lnSpc>
+                <a:spcPct val="90000"/>
+              </a:lnSpc>
+              <a:spcBef>
+                <a:spcPts val="1000"/>
+              </a:spcBef>
+              <a:buFont typeface="Arial" panose="020B0604020202020204" pitchFamily="34" charset="0"/>
+              <a:buChar char="•"/>
+              <a:defRPr sz="2800" kern="1200">
+                <a:solidFill>
+                  <a:schemeClr val="tx1"/>
+                </a:solidFill>
+                <a:latin typeface="+mn-lt"/>
+                <a:ea typeface="+mn-ea"/>
+                <a:cs typeface="+mn-cs"/>
+              </a:defRPr>
+            </a:lvl1pPr>
+            <a:lvl2pPr marL="685800" indent="-228600" algn="l" defTabSz="914400" rtl="0" eaLnBrk="1" latinLnBrk="0" hangingPunct="1">
+              <a:lnSpc>
+                <a:spcPct val="90000"/>
+              </a:lnSpc>
+              <a:spcBef>
+                <a:spcPts val="500"/>
+              </a:spcBef>
+              <a:buFont typeface="Arial" panose="020B0604020202020204" pitchFamily="34" charset="0"/>
+              <a:buChar char="•"/>
+              <a:defRPr sz="2400" kern="1200">
+                <a:solidFill>
+                  <a:schemeClr val="tx1"/>
+                </a:solidFill>
+                <a:latin typeface="+mn-lt"/>
+                <a:ea typeface="+mn-ea"/>
+                <a:cs typeface="+mn-cs"/>
+              </a:defRPr>
+            </a:lvl2pPr>
+            <a:lvl3pPr marL="1143000" indent="-228600" algn="l" defTabSz="914400" rtl="0" eaLnBrk="1" latinLnBrk="0" hangingPunct="1">
+              <a:lnSpc>
+                <a:spcPct val="90000"/>
+              </a:lnSpc>
+              <a:spcBef>
+                <a:spcPts val="500"/>
+              </a:spcBef>
+              <a:buFont typeface="Arial" panose="020B0604020202020204" pitchFamily="34" charset="0"/>
+              <a:buChar char="•"/>
+              <a:defRPr sz="2000" kern="1200">
+                <a:solidFill>
+                  <a:schemeClr val="tx1"/>
+                </a:solidFill>
+                <a:latin typeface="+mn-lt"/>
+                <a:ea typeface="+mn-ea"/>
+                <a:cs typeface="+mn-cs"/>
+              </a:defRPr>
+            </a:lvl3pPr>
+            <a:lvl4pPr marL="1600200" indent="-228600" algn="l" defTabSz="914400" rtl="0" eaLnBrk="1" latinLnBrk="0" hangingPunct="1">
+              <a:lnSpc>
+                <a:spcPct val="90000"/>
+              </a:lnSpc>
+              <a:spcBef>
+                <a:spcPts val="500"/>
+              </a:spcBef>
+              <a:buFont typeface="Arial" panose="020B0604020202020204" pitchFamily="34" charset="0"/>
+              <a:buChar char="•"/>
+              <a:defRPr sz="1800" kern="1200">
+                <a:solidFill>
+                  <a:schemeClr val="tx1"/>
+                </a:solidFill>
+                <a:latin typeface="+mn-lt"/>
+                <a:ea typeface="+mn-ea"/>
+                <a:cs typeface="+mn-cs"/>
+              </a:defRPr>
+            </a:lvl4pPr>
+            <a:lvl5pPr marL="2057400" indent="-228600" algn="l" defTabSz="914400" rtl="0" eaLnBrk="1" latinLnBrk="0" hangingPunct="1">
+              <a:lnSpc>
+                <a:spcPct val="90000"/>
+              </a:lnSpc>
+              <a:spcBef>
+                <a:spcPts val="500"/>
+              </a:spcBef>
+              <a:buFont typeface="Arial" panose="020B0604020202020204" pitchFamily="34" charset="0"/>
+              <a:buChar char="•"/>
+              <a:defRPr sz="1800" kern="1200">
+                <a:solidFill>
+                  <a:schemeClr val="tx1"/>
+                </a:solidFill>
+                <a:latin typeface="+mn-lt"/>
+                <a:ea typeface="+mn-ea"/>
+                <a:cs typeface="+mn-cs"/>
+              </a:defRPr>
+            </a:lvl5pPr>
+            <a:lvl6pPr marL="2514600" indent="-228600" algn="l" defTabSz="914400" rtl="0" eaLnBrk="1" latinLnBrk="0" hangingPunct="1">
+              <a:lnSpc>
+                <a:spcPct val="90000"/>
+              </a:lnSpc>
+              <a:spcBef>
+                <a:spcPts val="500"/>
+              </a:spcBef>
+              <a:buFont typeface="Arial" panose="020B0604020202020204" pitchFamily="34" charset="0"/>
+              <a:buChar char="•"/>
+              <a:defRPr sz="1800" kern="1200">
+                <a:solidFill>
+                  <a:schemeClr val="tx1"/>
+                </a:solidFill>
+                <a:latin typeface="+mn-lt"/>
+                <a:ea typeface="+mn-ea"/>
+                <a:cs typeface="+mn-cs"/>
+              </a:defRPr>
+            </a:lvl6pPr>
+            <a:lvl7pPr marL="2971800" indent="-228600" algn="l" defTabSz="914400" rtl="0" eaLnBrk="1" latinLnBrk="0" hangingPunct="1">
+              <a:lnSpc>
+                <a:spcPct val="90000"/>
+              </a:lnSpc>
+              <a:spcBef>
+                <a:spcPts val="500"/>
+              </a:spcBef>
+              <a:buFont typeface="Arial" panose="020B0604020202020204" pitchFamily="34" charset="0"/>
+              <a:buChar char="•"/>
+              <a:defRPr sz="1800" kern="1200">
+                <a:solidFill>
+                  <a:schemeClr val="tx1"/>
+                </a:solidFill>
+                <a:latin typeface="+mn-lt"/>
+                <a:ea typeface="+mn-ea"/>
+                <a:cs typeface="+mn-cs"/>
+              </a:defRPr>
+            </a:lvl7pPr>
+            <a:lvl8pPr marL="3429000" indent="-228600" algn="l" defTabSz="914400" rtl="0" eaLnBrk="1" latinLnBrk="0" hangingPunct="1">
+              <a:lnSpc>
+                <a:spcPct val="90000"/>
+              </a:lnSpc>
+              <a:spcBef>
+                <a:spcPts val="500"/>
+              </a:spcBef>
+              <a:buFont typeface="Arial" panose="020B0604020202020204" pitchFamily="34" charset="0"/>
+              <a:buChar char="•"/>
+              <a:defRPr sz="1800" kern="1200">
+                <a:solidFill>
+                  <a:schemeClr val="tx1"/>
+                </a:solidFill>
+                <a:latin typeface="+mn-lt"/>
+                <a:ea typeface="+mn-ea"/>
+                <a:cs typeface="+mn-cs"/>
+              </a:defRPr>
+            </a:lvl8pPr>
+            <a:lvl9pPr marL="3886200" indent="-228600" algn="l" defTabSz="914400" rtl="0" eaLnBrk="1" latinLnBrk="0" hangingPunct="1">
+              <a:lnSpc>
+                <a:spcPct val="90000"/>
+              </a:lnSpc>
+              <a:spcBef>
+                <a:spcPts val="500"/>
+              </a:spcBef>
+              <a:buFont typeface="Arial" panose="020B0604020202020204" pitchFamily="34" charset="0"/>
+              <a:buChar char="•"/>
+              <a:defRPr sz="1800" kern="1200">
+                <a:solidFill>
+                  <a:schemeClr val="tx1"/>
+                </a:solidFill>
+                <a:latin typeface="+mn-lt"/>
+                <a:ea typeface="+mn-ea"/>
+                <a:cs typeface="+mn-cs"/>
+              </a:defRPr>
+            </a:lvl9pPr>
+          </a:lstStyle>
+          <a:p>
+            <a:r>
+              <a:rPr lang="hu-HU" sz="2000" dirty="0">
+                <a:solidFill>
+                  <a:schemeClr val="bg1"/>
+                </a:solidFill>
+              </a:rPr>
+              <a:t>RFID-alapú azonosítás</a:t>
+            </a:r>
+          </a:p>
+          <a:p>
+            <a:r>
+              <a:rPr lang="hu-HU" sz="2000" dirty="0">
+                <a:solidFill>
+                  <a:schemeClr val="bg1"/>
+                </a:solidFill>
+              </a:rPr>
+              <a:t>Mikrokontrolleres vezérlés</a:t>
+            </a:r>
+          </a:p>
+          <a:p>
+            <a:r>
+              <a:rPr lang="hu-HU" sz="2000" dirty="0">
+                <a:solidFill>
+                  <a:schemeClr val="bg1"/>
+                </a:solidFill>
+              </a:rPr>
+              <a:t>Ethernet-alapú kommunikáció</a:t>
+            </a:r>
+          </a:p>
+          <a:p>
+            <a:r>
+              <a:rPr lang="hu-HU" sz="2000" dirty="0">
+                <a:solidFill>
+                  <a:schemeClr val="bg1"/>
+                </a:solidFill>
+              </a:rPr>
+              <a:t>Tárolók automatikus kezelése</a:t>
+            </a:r>
           </a:p>
         </p:txBody>
       </p:sp>
@@ -4923,6 +5878,14 @@
 <file path=ppt/slides/slide4.xml><?xml version="1.0" encoding="utf-8"?>
 <p:sld xmlns:a="http://schemas.openxmlformats.org/drawingml/2006/main" xmlns:r="http://schemas.openxmlformats.org/officeDocument/2006/relationships" xmlns:p="http://schemas.openxmlformats.org/presentationml/2006/main">
   <p:cSld>
+    <p:bg>
+      <p:bgPr>
+        <a:solidFill>
+          <a:srgbClr val="1758F2"/>
+        </a:solidFill>
+        <a:effectLst/>
+      </p:bgPr>
+    </p:bg>
     <p:spTree>
       <p:nvGrpSpPr>
         <p:cNvPr id="1" name=""/>
@@ -4939,6 +5902,55 @@
       </p:grpSpPr>
       <p:sp>
         <p:nvSpPr>
+          <p:cNvPr id="10" name="Téglalap 9">
+            <a:extLst>
+              <a:ext uri="{FF2B5EF4-FFF2-40B4-BE49-F238E27FC236}">
+                <a16:creationId xmlns:a16="http://schemas.microsoft.com/office/drawing/2014/main" id="{389E5F50-6D42-6AB4-1B5C-2B925455289B}"/>
+              </a:ext>
+            </a:extLst>
+          </p:cNvPr>
+          <p:cNvSpPr/>
+          <p:nvPr/>
+        </p:nvSpPr>
+        <p:spPr>
+          <a:xfrm>
+            <a:off x="6096000" y="0"/>
+            <a:ext cx="6096000" cy="6858000"/>
+          </a:xfrm>
+          <a:prstGeom prst="rect">
+            <a:avLst/>
+          </a:prstGeom>
+          <a:solidFill>
+            <a:schemeClr val="bg1"/>
+          </a:solidFill>
+        </p:spPr>
+        <p:style>
+          <a:lnRef idx="2">
+            <a:schemeClr val="accent1">
+              <a:shade val="15000"/>
+            </a:schemeClr>
+          </a:lnRef>
+          <a:fillRef idx="1">
+            <a:schemeClr val="accent1"/>
+          </a:fillRef>
+          <a:effectRef idx="0">
+            <a:schemeClr val="accent1"/>
+          </a:effectRef>
+          <a:fontRef idx="minor">
+            <a:schemeClr val="lt1"/>
+          </a:fontRef>
+        </p:style>
+        <p:txBody>
+          <a:bodyPr rtlCol="0" anchor="ctr"/>
+          <a:lstStyle/>
+          <a:p>
+            <a:pPr algn="ctr"/>
+            <a:endParaRPr lang="hu-HU"/>
+          </a:p>
+        </p:txBody>
+      </p:sp>
+      <p:sp>
+        <p:nvSpPr>
           <p:cNvPr id="2" name="Cím 1">
             <a:extLst>
               <a:ext uri="{FF2B5EF4-FFF2-40B4-BE49-F238E27FC236}">
@@ -4953,40 +5965,480 @@
             <p:ph type="title"/>
           </p:nvPr>
         </p:nvSpPr>
-        <p:spPr/>
+        <p:spPr>
+          <a:xfrm>
+            <a:off x="838200" y="365125"/>
+            <a:ext cx="2206557" cy="1325563"/>
+          </a:xfrm>
+        </p:spPr>
         <p:txBody>
           <a:bodyPr/>
           <a:lstStyle/>
           <a:p>
             <a:r>
+              <a:rPr lang="hu-HU" dirty="0">
+                <a:solidFill>
+                  <a:schemeClr val="bg1"/>
+                </a:solidFill>
+              </a:rPr>
+              <a:t>Hardver</a:t>
+            </a:r>
+          </a:p>
+        </p:txBody>
+      </p:sp>
+      <p:sp>
+        <p:nvSpPr>
+          <p:cNvPr id="3" name="Tartalom helye 2">
+            <a:extLst>
+              <a:ext uri="{FF2B5EF4-FFF2-40B4-BE49-F238E27FC236}">
+                <a16:creationId xmlns:a16="http://schemas.microsoft.com/office/drawing/2014/main" id="{7B3B9083-177B-400D-B26D-7F5532D993B3}"/>
+              </a:ext>
+            </a:extLst>
+          </p:cNvPr>
+          <p:cNvSpPr>
+            <a:spLocks noGrp="1"/>
+          </p:cNvSpPr>
+          <p:nvPr>
+            <p:ph idx="1"/>
+          </p:nvPr>
+        </p:nvSpPr>
+        <p:spPr>
+          <a:xfrm>
+            <a:off x="6778558" y="1729380"/>
+            <a:ext cx="5157280" cy="4351338"/>
+          </a:xfrm>
+        </p:spPr>
+        <p:txBody>
+          <a:bodyPr>
+            <a:normAutofit/>
+          </a:bodyPr>
+          <a:lstStyle/>
+          <a:p>
+            <a:r>
+              <a:rPr lang="hu-HU" sz="2000" dirty="0"/>
+              <a:t>1 db elektronikai rekesz</a:t>
+            </a:r>
+          </a:p>
+          <a:p>
+            <a:pPr lvl="1"/>
+            <a:r>
+              <a:rPr lang="hu-HU" sz="2000" dirty="0"/>
+              <a:t>Tartalmazza az </a:t>
+            </a:r>
+            <a:r>
+              <a:rPr lang="hu-HU" sz="2000" dirty="0" err="1"/>
+              <a:t>Arduino</a:t>
+            </a:r>
+            <a:r>
+              <a:rPr lang="hu-HU" sz="2000" dirty="0"/>
+              <a:t>-t, reléket, tápot és vezetékezést</a:t>
+            </a:r>
+          </a:p>
+          <a:p>
+            <a:r>
+              <a:rPr lang="hu-HU" sz="2000" dirty="0"/>
+              <a:t>2 db telefonrekesz</a:t>
+            </a:r>
+          </a:p>
+          <a:p>
+            <a:pPr lvl="1"/>
+            <a:r>
+              <a:rPr lang="hu-HU" sz="2000" dirty="0"/>
+              <a:t>Szabványos méret a mobiltelefonok biztonságos tárolására</a:t>
+            </a:r>
+          </a:p>
+          <a:p>
+            <a:pPr lvl="1"/>
+            <a:r>
+              <a:rPr lang="hu-HU" sz="2000" dirty="0"/>
+              <a:t>Minden rekesz külön </a:t>
+            </a:r>
+            <a:r>
+              <a:rPr lang="hu-HU" sz="2000" dirty="0" err="1"/>
+              <a:t>szolenoid</a:t>
+            </a:r>
+            <a:r>
+              <a:rPr lang="hu-HU" sz="2000" dirty="0"/>
+              <a:t> zárral rendelkezik</a:t>
+            </a:r>
+          </a:p>
+          <a:p>
+            <a:pPr lvl="1"/>
+            <a:r>
+              <a:rPr lang="hu-HU" sz="2000" dirty="0"/>
+              <a:t>Nyitás/zárás RFID azonosítás és szerverengedély alapján</a:t>
+            </a:r>
+          </a:p>
+        </p:txBody>
+      </p:sp>
+      <p:sp>
+        <p:nvSpPr>
+          <p:cNvPr id="8" name="Cím 1">
+            <a:extLst>
+              <a:ext uri="{FF2B5EF4-FFF2-40B4-BE49-F238E27FC236}">
+                <a16:creationId xmlns:a16="http://schemas.microsoft.com/office/drawing/2014/main" id="{89C53918-2F79-8184-BF5A-88BB2A7A51C2}"/>
+              </a:ext>
+            </a:extLst>
+          </p:cNvPr>
+          <p:cNvSpPr txBox="1">
+            <a:spLocks/>
+          </p:cNvSpPr>
+          <p:nvPr/>
+        </p:nvSpPr>
+        <p:spPr>
+          <a:xfrm>
+            <a:off x="6778558" y="365124"/>
+            <a:ext cx="3279842" cy="1325563"/>
+          </a:xfrm>
+          <a:prstGeom prst="rect">
+            <a:avLst/>
+          </a:prstGeom>
+        </p:spPr>
+        <p:txBody>
+          <a:bodyPr vert="horz" lIns="91440" tIns="45720" rIns="91440" bIns="45720" rtlCol="0" anchor="ctr">
+            <a:normAutofit/>
+          </a:bodyPr>
+          <a:lstStyle>
+            <a:lvl1pPr algn="l" defTabSz="914400" rtl="0" eaLnBrk="1" latinLnBrk="0" hangingPunct="1">
+              <a:lnSpc>
+                <a:spcPct val="90000"/>
+              </a:lnSpc>
+              <a:spcBef>
+                <a:spcPct val="0"/>
+              </a:spcBef>
+              <a:buNone/>
+              <a:defRPr sz="4400" kern="1200">
+                <a:solidFill>
+                  <a:schemeClr val="tx1"/>
+                </a:solidFill>
+                <a:latin typeface="+mj-lt"/>
+                <a:ea typeface="+mj-ea"/>
+                <a:cs typeface="+mj-cs"/>
+              </a:defRPr>
+            </a:lvl1pPr>
+          </a:lstStyle>
+          <a:p>
+            <a:r>
               <a:rPr lang="hu-HU" dirty="0"/>
-              <a:t>Hardver</a:t>
-            </a:r>
-          </a:p>
-        </p:txBody>
-      </p:sp>
-      <p:sp>
-        <p:nvSpPr>
-          <p:cNvPr id="3" name="Tartalom helye 2">
-            <a:extLst>
-              <a:ext uri="{FF2B5EF4-FFF2-40B4-BE49-F238E27FC236}">
-                <a16:creationId xmlns:a16="http://schemas.microsoft.com/office/drawing/2014/main" id="{7B3B9083-177B-400D-B26D-7F5532D993B3}"/>
-              </a:ext>
-            </a:extLst>
-          </p:cNvPr>
-          <p:cNvSpPr>
-            <a:spLocks noGrp="1"/>
-          </p:cNvSpPr>
-          <p:nvPr>
-            <p:ph idx="1"/>
-          </p:nvPr>
-        </p:nvSpPr>
-        <p:spPr/>
-        <p:txBody>
-          <a:bodyPr/>
-          <a:lstStyle/>
-          <a:p>
-            <a:endParaRPr lang="hu-HU"/>
+              <a:t>Fizikai tárolók</a:t>
+            </a:r>
+          </a:p>
+        </p:txBody>
+      </p:sp>
+      <p:sp>
+        <p:nvSpPr>
+          <p:cNvPr id="9" name="Tartalom helye 2">
+            <a:extLst>
+              <a:ext uri="{FF2B5EF4-FFF2-40B4-BE49-F238E27FC236}">
+                <a16:creationId xmlns:a16="http://schemas.microsoft.com/office/drawing/2014/main" id="{2156CBFB-8B2D-871E-7950-608907C748EC}"/>
+              </a:ext>
+            </a:extLst>
+          </p:cNvPr>
+          <p:cNvSpPr txBox="1">
+            <a:spLocks/>
+          </p:cNvSpPr>
+          <p:nvPr/>
+        </p:nvSpPr>
+        <p:spPr>
+          <a:xfrm>
+            <a:off x="838200" y="1729380"/>
+            <a:ext cx="4998396" cy="4351338"/>
+          </a:xfrm>
+          <a:prstGeom prst="rect">
+            <a:avLst/>
+          </a:prstGeom>
+        </p:spPr>
+        <p:txBody>
+          <a:bodyPr vert="horz" lIns="91440" tIns="45720" rIns="91440" bIns="45720" rtlCol="0">
+            <a:noAutofit/>
+          </a:bodyPr>
+          <a:lstStyle>
+            <a:lvl1pPr marL="228600" indent="-228600" algn="l" defTabSz="914400" rtl="0" eaLnBrk="1" latinLnBrk="0" hangingPunct="1">
+              <a:lnSpc>
+                <a:spcPct val="90000"/>
+              </a:lnSpc>
+              <a:spcBef>
+                <a:spcPts val="1000"/>
+              </a:spcBef>
+              <a:buFont typeface="Arial" panose="020B0604020202020204" pitchFamily="34" charset="0"/>
+              <a:buChar char="•"/>
+              <a:defRPr sz="2800" kern="1200">
+                <a:solidFill>
+                  <a:schemeClr val="tx1"/>
+                </a:solidFill>
+                <a:latin typeface="+mn-lt"/>
+                <a:ea typeface="+mn-ea"/>
+                <a:cs typeface="+mn-cs"/>
+              </a:defRPr>
+            </a:lvl1pPr>
+            <a:lvl2pPr marL="685800" indent="-228600" algn="l" defTabSz="914400" rtl="0" eaLnBrk="1" latinLnBrk="0" hangingPunct="1">
+              <a:lnSpc>
+                <a:spcPct val="90000"/>
+              </a:lnSpc>
+              <a:spcBef>
+                <a:spcPts val="500"/>
+              </a:spcBef>
+              <a:buFont typeface="Arial" panose="020B0604020202020204" pitchFamily="34" charset="0"/>
+              <a:buChar char="•"/>
+              <a:defRPr sz="2400" kern="1200">
+                <a:solidFill>
+                  <a:schemeClr val="tx1"/>
+                </a:solidFill>
+                <a:latin typeface="+mn-lt"/>
+                <a:ea typeface="+mn-ea"/>
+                <a:cs typeface="+mn-cs"/>
+              </a:defRPr>
+            </a:lvl2pPr>
+            <a:lvl3pPr marL="1143000" indent="-228600" algn="l" defTabSz="914400" rtl="0" eaLnBrk="1" latinLnBrk="0" hangingPunct="1">
+              <a:lnSpc>
+                <a:spcPct val="90000"/>
+              </a:lnSpc>
+              <a:spcBef>
+                <a:spcPts val="500"/>
+              </a:spcBef>
+              <a:buFont typeface="Arial" panose="020B0604020202020204" pitchFamily="34" charset="0"/>
+              <a:buChar char="•"/>
+              <a:defRPr sz="2000" kern="1200">
+                <a:solidFill>
+                  <a:schemeClr val="tx1"/>
+                </a:solidFill>
+                <a:latin typeface="+mn-lt"/>
+                <a:ea typeface="+mn-ea"/>
+                <a:cs typeface="+mn-cs"/>
+              </a:defRPr>
+            </a:lvl3pPr>
+            <a:lvl4pPr marL="1600200" indent="-228600" algn="l" defTabSz="914400" rtl="0" eaLnBrk="1" latinLnBrk="0" hangingPunct="1">
+              <a:lnSpc>
+                <a:spcPct val="90000"/>
+              </a:lnSpc>
+              <a:spcBef>
+                <a:spcPts val="500"/>
+              </a:spcBef>
+              <a:buFont typeface="Arial" panose="020B0604020202020204" pitchFamily="34" charset="0"/>
+              <a:buChar char="•"/>
+              <a:defRPr sz="1800" kern="1200">
+                <a:solidFill>
+                  <a:schemeClr val="tx1"/>
+                </a:solidFill>
+                <a:latin typeface="+mn-lt"/>
+                <a:ea typeface="+mn-ea"/>
+                <a:cs typeface="+mn-cs"/>
+              </a:defRPr>
+            </a:lvl4pPr>
+            <a:lvl5pPr marL="2057400" indent="-228600" algn="l" defTabSz="914400" rtl="0" eaLnBrk="1" latinLnBrk="0" hangingPunct="1">
+              <a:lnSpc>
+                <a:spcPct val="90000"/>
+              </a:lnSpc>
+              <a:spcBef>
+                <a:spcPts val="500"/>
+              </a:spcBef>
+              <a:buFont typeface="Arial" panose="020B0604020202020204" pitchFamily="34" charset="0"/>
+              <a:buChar char="•"/>
+              <a:defRPr sz="1800" kern="1200">
+                <a:solidFill>
+                  <a:schemeClr val="tx1"/>
+                </a:solidFill>
+                <a:latin typeface="+mn-lt"/>
+                <a:ea typeface="+mn-ea"/>
+                <a:cs typeface="+mn-cs"/>
+              </a:defRPr>
+            </a:lvl5pPr>
+            <a:lvl6pPr marL="2514600" indent="-228600" algn="l" defTabSz="914400" rtl="0" eaLnBrk="1" latinLnBrk="0" hangingPunct="1">
+              <a:lnSpc>
+                <a:spcPct val="90000"/>
+              </a:lnSpc>
+              <a:spcBef>
+                <a:spcPts val="500"/>
+              </a:spcBef>
+              <a:buFont typeface="Arial" panose="020B0604020202020204" pitchFamily="34" charset="0"/>
+              <a:buChar char="•"/>
+              <a:defRPr sz="1800" kern="1200">
+                <a:solidFill>
+                  <a:schemeClr val="tx1"/>
+                </a:solidFill>
+                <a:latin typeface="+mn-lt"/>
+                <a:ea typeface="+mn-ea"/>
+                <a:cs typeface="+mn-cs"/>
+              </a:defRPr>
+            </a:lvl6pPr>
+            <a:lvl7pPr marL="2971800" indent="-228600" algn="l" defTabSz="914400" rtl="0" eaLnBrk="1" latinLnBrk="0" hangingPunct="1">
+              <a:lnSpc>
+                <a:spcPct val="90000"/>
+              </a:lnSpc>
+              <a:spcBef>
+                <a:spcPts val="500"/>
+              </a:spcBef>
+              <a:buFont typeface="Arial" panose="020B0604020202020204" pitchFamily="34" charset="0"/>
+              <a:buChar char="•"/>
+              <a:defRPr sz="1800" kern="1200">
+                <a:solidFill>
+                  <a:schemeClr val="tx1"/>
+                </a:solidFill>
+                <a:latin typeface="+mn-lt"/>
+                <a:ea typeface="+mn-ea"/>
+                <a:cs typeface="+mn-cs"/>
+              </a:defRPr>
+            </a:lvl7pPr>
+            <a:lvl8pPr marL="3429000" indent="-228600" algn="l" defTabSz="914400" rtl="0" eaLnBrk="1" latinLnBrk="0" hangingPunct="1">
+              <a:lnSpc>
+                <a:spcPct val="90000"/>
+              </a:lnSpc>
+              <a:spcBef>
+                <a:spcPts val="500"/>
+              </a:spcBef>
+              <a:buFont typeface="Arial" panose="020B0604020202020204" pitchFamily="34" charset="0"/>
+              <a:buChar char="•"/>
+              <a:defRPr sz="1800" kern="1200">
+                <a:solidFill>
+                  <a:schemeClr val="tx1"/>
+                </a:solidFill>
+                <a:latin typeface="+mn-lt"/>
+                <a:ea typeface="+mn-ea"/>
+                <a:cs typeface="+mn-cs"/>
+              </a:defRPr>
+            </a:lvl8pPr>
+            <a:lvl9pPr marL="3886200" indent="-228600" algn="l" defTabSz="914400" rtl="0" eaLnBrk="1" latinLnBrk="0" hangingPunct="1">
+              <a:lnSpc>
+                <a:spcPct val="90000"/>
+              </a:lnSpc>
+              <a:spcBef>
+                <a:spcPts val="500"/>
+              </a:spcBef>
+              <a:buFont typeface="Arial" panose="020B0604020202020204" pitchFamily="34" charset="0"/>
+              <a:buChar char="•"/>
+              <a:defRPr sz="1800" kern="1200">
+                <a:solidFill>
+                  <a:schemeClr val="tx1"/>
+                </a:solidFill>
+                <a:latin typeface="+mn-lt"/>
+                <a:ea typeface="+mn-ea"/>
+                <a:cs typeface="+mn-cs"/>
+              </a:defRPr>
+            </a:lvl9pPr>
+          </a:lstStyle>
+          <a:p>
+            <a:r>
+              <a:rPr lang="hu-HU" sz="2000" dirty="0" err="1">
+                <a:solidFill>
+                  <a:schemeClr val="bg1"/>
+                </a:solidFill>
+              </a:rPr>
+              <a:t>Arduino</a:t>
+            </a:r>
+            <a:r>
+              <a:rPr lang="hu-HU" sz="2000" dirty="0">
+                <a:solidFill>
+                  <a:schemeClr val="bg1"/>
+                </a:solidFill>
+              </a:rPr>
+              <a:t> </a:t>
+            </a:r>
+            <a:r>
+              <a:rPr lang="hu-HU" sz="2000" dirty="0" err="1">
+                <a:solidFill>
+                  <a:schemeClr val="bg1"/>
+                </a:solidFill>
+              </a:rPr>
+              <a:t>Uno</a:t>
+            </a:r>
+            <a:r>
+              <a:rPr lang="hu-HU" sz="2000" dirty="0">
+                <a:solidFill>
+                  <a:schemeClr val="bg1"/>
+                </a:solidFill>
+              </a:rPr>
+              <a:t> – központi vezérlőegység</a:t>
+            </a:r>
+          </a:p>
+          <a:p>
+            <a:r>
+              <a:rPr lang="hu-HU" sz="2000" dirty="0">
+                <a:solidFill>
+                  <a:schemeClr val="bg1"/>
+                </a:solidFill>
+              </a:rPr>
+              <a:t>RFID olvasó – tanulói azonosításhoz</a:t>
+            </a:r>
+          </a:p>
+          <a:p>
+            <a:r>
+              <a:rPr lang="hu-HU" sz="2000" dirty="0" err="1">
+                <a:solidFill>
+                  <a:schemeClr val="bg1"/>
+                </a:solidFill>
+              </a:rPr>
+              <a:t>Szolenoid</a:t>
+            </a:r>
+            <a:r>
+              <a:rPr lang="hu-HU" sz="2000" dirty="0">
+                <a:solidFill>
+                  <a:schemeClr val="bg1"/>
+                </a:solidFill>
+              </a:rPr>
+              <a:t> </a:t>
+            </a:r>
+            <a:r>
+              <a:rPr lang="hu-HU" sz="2000" dirty="0" err="1">
+                <a:solidFill>
+                  <a:schemeClr val="bg1"/>
+                </a:solidFill>
+              </a:rPr>
+              <a:t>zárak</a:t>
+            </a:r>
+            <a:r>
+              <a:rPr lang="hu-HU" sz="2000" dirty="0">
+                <a:solidFill>
+                  <a:schemeClr val="bg1"/>
+                </a:solidFill>
+              </a:rPr>
+              <a:t> – a telefonrekeszek fizikai nyitásához/zárásához</a:t>
+            </a:r>
+          </a:p>
+          <a:p>
+            <a:r>
+              <a:rPr lang="hu-HU" sz="2000" dirty="0">
+                <a:solidFill>
+                  <a:schemeClr val="bg1"/>
+                </a:solidFill>
+              </a:rPr>
+              <a:t>Tápegység – biztosítja a működéshez szükséges feszültséget</a:t>
+            </a:r>
+          </a:p>
+          <a:p>
+            <a:r>
+              <a:rPr lang="hu-HU" sz="2000" dirty="0">
+                <a:solidFill>
+                  <a:schemeClr val="bg1"/>
+                </a:solidFill>
+              </a:rPr>
+              <a:t>Ethernet modul/</a:t>
+            </a:r>
+            <a:r>
+              <a:rPr lang="hu-HU" sz="2000" dirty="0" err="1">
+                <a:solidFill>
+                  <a:schemeClr val="bg1"/>
+                </a:solidFill>
+              </a:rPr>
+              <a:t>shield</a:t>
+            </a:r>
+            <a:r>
+              <a:rPr lang="hu-HU" sz="2000" dirty="0">
+                <a:solidFill>
+                  <a:schemeClr val="bg1"/>
+                </a:solidFill>
+              </a:rPr>
+              <a:t> – hálózati kommunikációhoz</a:t>
+            </a:r>
+          </a:p>
+          <a:p>
+            <a:r>
+              <a:rPr lang="hu-HU" sz="2000" dirty="0">
+                <a:solidFill>
+                  <a:schemeClr val="bg1"/>
+                </a:solidFill>
+              </a:rPr>
+              <a:t>RFID kártyák/biléták – tanulói hozzáféréshez</a:t>
+            </a:r>
           </a:p>
         </p:txBody>
       </p:sp>
@@ -5006,6 +6458,14 @@
 <file path=ppt/slides/slide5.xml><?xml version="1.0" encoding="utf-8"?>
 <p:sld xmlns:a="http://schemas.openxmlformats.org/drawingml/2006/main" xmlns:r="http://schemas.openxmlformats.org/officeDocument/2006/relationships" xmlns:p="http://schemas.openxmlformats.org/presentationml/2006/main">
   <p:cSld>
+    <p:bg>
+      <p:bgPr>
+        <a:solidFill>
+          <a:srgbClr val="EFF6FF"/>
+        </a:solidFill>
+        <a:effectLst/>
+      </p:bgPr>
+    </p:bg>
     <p:spTree>
       <p:nvGrpSpPr>
         <p:cNvPr id="1" name=""/>
@@ -5036,13 +6496,25 @@
             <p:ph type="title"/>
           </p:nvPr>
         </p:nvSpPr>
-        <p:spPr/>
+        <p:spPr>
+          <a:xfrm>
+            <a:off x="4783576" y="423491"/>
+            <a:ext cx="2119009" cy="1325563"/>
+          </a:xfrm>
+          <a:solidFill>
+            <a:srgbClr val="EFF6FF"/>
+          </a:solidFill>
+        </p:spPr>
         <p:txBody>
           <a:bodyPr/>
           <a:lstStyle/>
           <a:p>
             <a:r>
-              <a:rPr lang="hu-HU" dirty="0"/>
+              <a:rPr lang="hu-HU" dirty="0">
+                <a:solidFill>
+                  <a:srgbClr val="145CFC"/>
+                </a:solidFill>
+              </a:rPr>
               <a:t>Szoftver</a:t>
             </a:r>
           </a:p>
@@ -5064,9 +6536,19 @@
             <p:ph idx="1"/>
           </p:nvPr>
         </p:nvSpPr>
-        <p:spPr/>
-        <p:txBody>
-          <a:bodyPr/>
+        <p:spPr>
+          <a:xfrm>
+            <a:off x="3910923" y="2273096"/>
+            <a:ext cx="4370151" cy="4079065"/>
+          </a:xfrm>
+          <a:solidFill>
+            <a:srgbClr val="EFF6FF"/>
+          </a:solidFill>
+        </p:spPr>
+        <p:txBody>
+          <a:bodyPr>
+            <a:normAutofit/>
+          </a:bodyPr>
           <a:lstStyle/>
           <a:p>
             <a:r>
@@ -5075,10 +6557,71 @@
             </a:r>
           </a:p>
           <a:p>
+            <a:pPr lvl="1"/>
+            <a:r>
+              <a:rPr lang="hu-HU" dirty="0" err="1"/>
+              <a:t>Swagger</a:t>
+            </a:r>
             <a:r>
               <a:rPr lang="hu-HU" dirty="0"/>
-              <a:t>Frontend – Next.js</a:t>
-            </a:r>
+              <a:t> (</a:t>
+            </a:r>
+            <a:r>
+              <a:rPr lang="hu-HU" dirty="0" err="1"/>
+              <a:t>OpenAPI</a:t>
+            </a:r>
+            <a:r>
+              <a:rPr lang="hu-HU" dirty="0"/>
+              <a:t>)</a:t>
+            </a:r>
+          </a:p>
+          <a:p>
+            <a:pPr lvl="1"/>
+            <a:r>
+              <a:rPr lang="hu-HU" dirty="0"/>
+              <a:t>NextAuth.js</a:t>
+            </a:r>
+          </a:p>
+          <a:p>
+            <a:r>
+              <a:rPr lang="hu-HU" dirty="0"/>
+              <a:t>Frontend – Next.js (</a:t>
+            </a:r>
+            <a:r>
+              <a:rPr lang="hu-HU" dirty="0" err="1"/>
+              <a:t>React</a:t>
+            </a:r>
+            <a:r>
+              <a:rPr lang="hu-HU" dirty="0"/>
+              <a:t>)</a:t>
+            </a:r>
+          </a:p>
+          <a:p>
+            <a:pPr lvl="1"/>
+            <a:r>
+              <a:rPr lang="hu-HU" dirty="0" err="1"/>
+              <a:t>Tailwind</a:t>
+            </a:r>
+            <a:r>
+              <a:rPr lang="hu-HU" dirty="0"/>
+              <a:t> CSS</a:t>
+            </a:r>
+          </a:p>
+          <a:p>
+            <a:pPr lvl="1"/>
+            <a:r>
+              <a:rPr lang="hu-HU" dirty="0" err="1"/>
+              <a:t>Shadcn</a:t>
+            </a:r>
+            <a:r>
+              <a:rPr lang="hu-HU" dirty="0"/>
+              <a:t>/</a:t>
+            </a:r>
+            <a:r>
+              <a:rPr lang="hu-HU" dirty="0" err="1"/>
+              <a:t>ui</a:t>
+            </a:r>
+            <a:endParaRPr lang="hu-HU" dirty="0"/>
           </a:p>
           <a:p>
             <a:r>
@@ -5090,6 +6633,23 @@
               <a:t>PostgreSQL</a:t>
             </a:r>
             <a:endParaRPr lang="hu-HU" dirty="0"/>
+          </a:p>
+          <a:p>
+            <a:pPr lvl="1"/>
+            <a:r>
+              <a:rPr lang="hu-HU" dirty="0"/>
+              <a:t>Neon</a:t>
+            </a:r>
+          </a:p>
+          <a:p>
+            <a:r>
+              <a:rPr lang="hu-HU" dirty="0" err="1"/>
+              <a:t>Arduino</a:t>
+            </a:r>
+            <a:r>
+              <a:rPr lang="hu-HU" dirty="0"/>
+              <a:t> IDE</a:t>
+            </a:r>
           </a:p>
         </p:txBody>
       </p:sp>
@@ -5167,12 +6727,76 @@
             <p:ph idx="1"/>
           </p:nvPr>
         </p:nvSpPr>
-        <p:spPr/>
+        <p:spPr>
+          <a:xfrm>
+            <a:off x="838200" y="1825625"/>
+            <a:ext cx="4113179" cy="4351338"/>
+          </a:xfrm>
+        </p:spPr>
         <p:txBody>
           <a:bodyPr/>
           <a:lstStyle/>
           <a:p>
-            <a:endParaRPr lang="hu-HU"/>
+            <a:r>
+              <a:rPr lang="hu-HU" dirty="0"/>
+              <a:t>Next.js (Node.js)</a:t>
+            </a:r>
+          </a:p>
+          <a:p>
+            <a:r>
+              <a:rPr lang="hu-HU" dirty="0"/>
+              <a:t>HTTP/HTTPS API végpontok</a:t>
+            </a:r>
+          </a:p>
+          <a:p>
+            <a:r>
+              <a:rPr lang="hu-HU" dirty="0" err="1"/>
+              <a:t>dotenv</a:t>
+            </a:r>
+            <a:r>
+              <a:rPr lang="hu-HU" dirty="0"/>
+              <a:t> (.</a:t>
+            </a:r>
+            <a:r>
+              <a:rPr lang="hu-HU" dirty="0" err="1"/>
+              <a:t>env</a:t>
+            </a:r>
+            <a:r>
+              <a:rPr lang="hu-HU" dirty="0"/>
+              <a:t>)</a:t>
+            </a:r>
+          </a:p>
+          <a:p>
+            <a:r>
+              <a:rPr lang="hu-HU" dirty="0" err="1"/>
+              <a:t>Autentikáció</a:t>
+            </a:r>
+            <a:endParaRPr lang="hu-HU" dirty="0"/>
+          </a:p>
+          <a:p>
+            <a:pPr lvl="1"/>
+            <a:r>
+              <a:rPr lang="hu-HU" dirty="0"/>
+              <a:t>NextAuth.js</a:t>
+            </a:r>
+          </a:p>
+          <a:p>
+            <a:pPr lvl="1"/>
+            <a:r>
+              <a:rPr lang="hu-HU" dirty="0" err="1"/>
+              <a:t>Bcrypt</a:t>
+            </a:r>
+            <a:endParaRPr lang="hu-HU" dirty="0"/>
+          </a:p>
+          <a:p>
+            <a:r>
+              <a:rPr lang="hu-HU" dirty="0" err="1"/>
+              <a:t>Arduino</a:t>
+            </a:r>
+            <a:r>
+              <a:rPr lang="hu-HU" dirty="0"/>
+              <a:t> IDE</a:t>
+            </a:r>
           </a:p>
         </p:txBody>
       </p:sp>
@@ -5198,7 +6822,7 @@
         </p:blipFill>
         <p:spPr>
           <a:xfrm>
-            <a:off x="4847881" y="363805"/>
+            <a:off x="6404307" y="1027906"/>
             <a:ext cx="2133481" cy="4351338"/>
           </a:xfrm>
           <a:prstGeom prst="rect">

--- a/Dokumentacio/Eloadas.pptx
+++ b/Dokumentacio/Eloadas.pptx
@@ -18,7 +18,7 @@
     <p:sldId id="266" r:id="rId12"/>
     <p:sldId id="267" r:id="rId13"/>
     <p:sldId id="268" r:id="rId14"/>
-    <p:sldId id="269" r:id="rId15"/>
+    <p:sldId id="273" r:id="rId15"/>
     <p:sldId id="270" r:id="rId16"/>
     <p:sldId id="271" r:id="rId17"/>
     <p:sldId id="272" r:id="rId18"/>
@@ -3634,6 +3634,14 @@
 <file path=ppt/slides/slide10.xml><?xml version="1.0" encoding="utf-8"?>
 <p:sld xmlns:a="http://schemas.openxmlformats.org/drawingml/2006/main" xmlns:r="http://schemas.openxmlformats.org/officeDocument/2006/relationships" xmlns:p="http://schemas.openxmlformats.org/presentationml/2006/main">
   <p:cSld>
+    <p:bg>
+      <p:bgPr>
+        <a:solidFill>
+          <a:srgbClr val="EFF6FF"/>
+        </a:solidFill>
+        <a:effectLst/>
+      </p:bgPr>
+    </p:bg>
     <p:spTree>
       <p:nvGrpSpPr>
         <p:cNvPr id="1" name=""/>
@@ -3670,34 +3678,13 @@
           <a:lstStyle/>
           <a:p>
             <a:r>
-              <a:rPr lang="hu-HU" dirty="0"/>
+              <a:rPr lang="hu-HU" dirty="0">
+                <a:solidFill>
+                  <a:srgbClr val="145CFC"/>
+                </a:solidFill>
+              </a:rPr>
               <a:t>Reszponzív webdizájn</a:t>
             </a:r>
-          </a:p>
-        </p:txBody>
-      </p:sp>
-      <p:sp>
-        <p:nvSpPr>
-          <p:cNvPr id="3" name="Tartalom helye 2">
-            <a:extLst>
-              <a:ext uri="{FF2B5EF4-FFF2-40B4-BE49-F238E27FC236}">
-                <a16:creationId xmlns:a16="http://schemas.microsoft.com/office/drawing/2014/main" id="{7AE3CA75-6D8B-49F2-93EE-25DD45BC309F}"/>
-              </a:ext>
-            </a:extLst>
-          </p:cNvPr>
-          <p:cNvSpPr>
-            <a:spLocks noGrp="1"/>
-          </p:cNvSpPr>
-          <p:nvPr>
-            <p:ph idx="1"/>
-          </p:nvPr>
-        </p:nvSpPr>
-        <p:spPr/>
-        <p:txBody>
-          <a:bodyPr/>
-          <a:lstStyle/>
-          <a:p>
-            <a:endParaRPr lang="hu-HU"/>
           </a:p>
         </p:txBody>
       </p:sp>
@@ -3723,8 +3710,8 @@
         </p:blipFill>
         <p:spPr>
           <a:xfrm>
-            <a:off x="192505" y="4726634"/>
-            <a:ext cx="3753853" cy="1790847"/>
+            <a:off x="940941" y="2813492"/>
+            <a:ext cx="7479542" cy="3568258"/>
           </a:xfrm>
           <a:prstGeom prst="rect">
             <a:avLst/>
@@ -3753,7 +3740,7 @@
         </p:blipFill>
         <p:spPr>
           <a:xfrm>
-            <a:off x="4513707" y="1690688"/>
+            <a:off x="8866632" y="1214438"/>
             <a:ext cx="2384427" cy="5167312"/>
           </a:xfrm>
           <a:prstGeom prst="rect">
@@ -3761,6 +3748,84 @@
           </a:prstGeom>
         </p:spPr>
       </p:pic>
+      <p:sp>
+        <p:nvSpPr>
+          <p:cNvPr id="8" name="Szövegdoboz 7">
+            <a:extLst>
+              <a:ext uri="{FF2B5EF4-FFF2-40B4-BE49-F238E27FC236}">
+                <a16:creationId xmlns:a16="http://schemas.microsoft.com/office/drawing/2014/main" id="{9C3F4FBD-F532-31F1-49BD-F9A29CA15AEA}"/>
+              </a:ext>
+            </a:extLst>
+          </p:cNvPr>
+          <p:cNvSpPr txBox="1"/>
+          <p:nvPr/>
+        </p:nvSpPr>
+        <p:spPr>
+          <a:xfrm>
+            <a:off x="8762336" y="843240"/>
+            <a:ext cx="1296509" cy="369332"/>
+          </a:xfrm>
+          <a:prstGeom prst="rect">
+            <a:avLst/>
+          </a:prstGeom>
+          <a:noFill/>
+        </p:spPr>
+        <p:txBody>
+          <a:bodyPr wrap="none" rtlCol="0">
+            <a:spAutoFit/>
+          </a:bodyPr>
+          <a:lstStyle/>
+          <a:p>
+            <a:r>
+              <a:rPr lang="hu-HU" dirty="0">
+                <a:solidFill>
+                  <a:srgbClr val="145CFC"/>
+                </a:solidFill>
+              </a:rPr>
+              <a:t>Mobil nézet</a:t>
+            </a:r>
+          </a:p>
+        </p:txBody>
+      </p:sp>
+      <p:sp>
+        <p:nvSpPr>
+          <p:cNvPr id="9" name="Szövegdoboz 8">
+            <a:extLst>
+              <a:ext uri="{FF2B5EF4-FFF2-40B4-BE49-F238E27FC236}">
+                <a16:creationId xmlns:a16="http://schemas.microsoft.com/office/drawing/2014/main" id="{5ACFF73A-A218-B200-5EB2-D33E10559A88}"/>
+              </a:ext>
+            </a:extLst>
+          </p:cNvPr>
+          <p:cNvSpPr txBox="1"/>
+          <p:nvPr/>
+        </p:nvSpPr>
+        <p:spPr>
+          <a:xfrm>
+            <a:off x="940941" y="2444160"/>
+            <a:ext cx="1352550" cy="369332"/>
+          </a:xfrm>
+          <a:prstGeom prst="rect">
+            <a:avLst/>
+          </a:prstGeom>
+          <a:noFill/>
+        </p:spPr>
+        <p:txBody>
+          <a:bodyPr wrap="none" rtlCol="0">
+            <a:spAutoFit/>
+          </a:bodyPr>
+          <a:lstStyle/>
+          <a:p>
+            <a:r>
+              <a:rPr lang="hu-HU" dirty="0">
+                <a:solidFill>
+                  <a:srgbClr val="145CFC"/>
+                </a:solidFill>
+              </a:rPr>
+              <a:t>Asztali nézet</a:t>
+            </a:r>
+          </a:p>
+        </p:txBody>
+      </p:sp>
     </p:spTree>
     <p:extLst>
       <p:ext uri="{BB962C8B-B14F-4D97-AF65-F5344CB8AC3E}">
@@ -3860,6 +3925,14 @@
 <file path=ppt/slides/slide12.xml><?xml version="1.0" encoding="utf-8"?>
 <p:sld xmlns:a="http://schemas.openxmlformats.org/drawingml/2006/main" xmlns:r="http://schemas.openxmlformats.org/officeDocument/2006/relationships" xmlns:p="http://schemas.openxmlformats.org/presentationml/2006/main">
   <p:cSld>
+    <p:bg>
+      <p:bgPr>
+        <a:solidFill>
+          <a:srgbClr val="EFF6FF"/>
+        </a:solidFill>
+        <a:effectLst/>
+      </p:bgPr>
+    </p:bg>
     <p:spTree>
       <p:nvGrpSpPr>
         <p:cNvPr id="1" name=""/>
@@ -3896,7 +3969,11 @@
           <a:lstStyle/>
           <a:p>
             <a:r>
-              <a:rPr lang="hu-HU" dirty="0"/>
+              <a:rPr lang="hu-HU" dirty="0">
+                <a:solidFill>
+                  <a:srgbClr val="145CFC"/>
+                </a:solidFill>
+              </a:rPr>
               <a:t>Csapatmunka</a:t>
             </a:r>
           </a:p>
@@ -4065,6 +4142,14 @@
 <file path=ppt/slides/slide13.xml><?xml version="1.0" encoding="utf-8"?>
 <p:sld xmlns:a="http://schemas.openxmlformats.org/drawingml/2006/main" xmlns:r="http://schemas.openxmlformats.org/officeDocument/2006/relationships" xmlns:p="http://schemas.openxmlformats.org/presentationml/2006/main">
   <p:cSld>
+    <p:bg>
+      <p:bgPr>
+        <a:solidFill>
+          <a:srgbClr val="EFF6FF"/>
+        </a:solidFill>
+        <a:effectLst/>
+      </p:bgPr>
+    </p:bg>
     <p:spTree>
       <p:nvGrpSpPr>
         <p:cNvPr id="1" name=""/>
@@ -4101,36 +4186,375 @@
           <a:lstStyle/>
           <a:p>
             <a:r>
+              <a:rPr lang="hu-HU" dirty="0">
+                <a:solidFill>
+                  <a:srgbClr val="145CFC"/>
+                </a:solidFill>
+              </a:rPr>
+              <a:t>Backend munkamegosztás </a:t>
+            </a:r>
+          </a:p>
+        </p:txBody>
+      </p:sp>
+      <p:sp>
+        <p:nvSpPr>
+          <p:cNvPr id="3" name="Tartalom helye 2">
+            <a:extLst>
+              <a:ext uri="{FF2B5EF4-FFF2-40B4-BE49-F238E27FC236}">
+                <a16:creationId xmlns:a16="http://schemas.microsoft.com/office/drawing/2014/main" id="{DB3814E7-4D8C-45DE-B24B-AB98B0EC2F1D}"/>
+              </a:ext>
+            </a:extLst>
+          </p:cNvPr>
+          <p:cNvSpPr>
+            <a:spLocks noGrp="1"/>
+          </p:cNvSpPr>
+          <p:nvPr>
+            <p:ph idx="1"/>
+          </p:nvPr>
+        </p:nvSpPr>
+        <p:spPr>
+          <a:xfrm>
+            <a:off x="523874" y="2590800"/>
+            <a:ext cx="3267076" cy="3805238"/>
+          </a:xfrm>
+        </p:spPr>
+        <p:txBody>
+          <a:bodyPr/>
+          <a:lstStyle/>
+          <a:p>
+            <a:r>
+              <a:rPr lang="hu-HU" dirty="0" err="1"/>
+              <a:t>Autentikáció</a:t>
+            </a:r>
+            <a:endParaRPr lang="hu-HU" dirty="0"/>
+          </a:p>
+          <a:p>
+            <a:r>
               <a:rPr lang="hu-HU" dirty="0"/>
-              <a:t>Backend munkamegosztás </a:t>
-            </a:r>
-          </a:p>
-        </p:txBody>
-      </p:sp>
-      <p:sp>
-        <p:nvSpPr>
-          <p:cNvPr id="3" name="Tartalom helye 2">
-            <a:extLst>
-              <a:ext uri="{FF2B5EF4-FFF2-40B4-BE49-F238E27FC236}">
-                <a16:creationId xmlns:a16="http://schemas.microsoft.com/office/drawing/2014/main" id="{DB3814E7-4D8C-45DE-B24B-AB98B0EC2F1D}"/>
-              </a:ext>
-            </a:extLst>
-          </p:cNvPr>
-          <p:cNvSpPr>
-            <a:spLocks noGrp="1"/>
-          </p:cNvSpPr>
-          <p:nvPr>
-            <p:ph idx="1"/>
-          </p:nvPr>
-        </p:nvSpPr>
-        <p:spPr/>
-        <p:txBody>
-          <a:bodyPr/>
-          <a:lstStyle/>
+              <a:t>Jelszó módosítása</a:t>
+            </a:r>
+          </a:p>
           <a:p>
             <a:r>
               <a:rPr lang="hu-HU" dirty="0"/>
+              <a:t>Tanulók kezelése</a:t>
+            </a:r>
+          </a:p>
+        </p:txBody>
+      </p:sp>
+      <p:sp>
+        <p:nvSpPr>
+          <p:cNvPr id="5" name="Szövegdoboz 4">
+            <a:extLst>
+              <a:ext uri="{FF2B5EF4-FFF2-40B4-BE49-F238E27FC236}">
+                <a16:creationId xmlns:a16="http://schemas.microsoft.com/office/drawing/2014/main" id="{2047EFC3-E48C-D903-1797-C71F435D256B}"/>
+              </a:ext>
+            </a:extLst>
+          </p:cNvPr>
+          <p:cNvSpPr txBox="1"/>
+          <p:nvPr/>
+        </p:nvSpPr>
+        <p:spPr>
+          <a:xfrm>
+            <a:off x="1314450" y="2095500"/>
+            <a:ext cx="2026067" cy="369332"/>
+          </a:xfrm>
+          <a:prstGeom prst="rect">
+            <a:avLst/>
+          </a:prstGeom>
+          <a:noFill/>
+        </p:spPr>
+        <p:txBody>
+          <a:bodyPr wrap="none" rtlCol="0">
+            <a:spAutoFit/>
+          </a:bodyPr>
+          <a:lstStyle/>
+          <a:p>
+            <a:r>
+              <a:rPr lang="hu-HU" dirty="0">
+                <a:solidFill>
+                  <a:srgbClr val="145CFC"/>
+                </a:solidFill>
+              </a:rPr>
+              <a:t>Szalkai-Szabó Ádám</a:t>
+            </a:r>
+          </a:p>
+        </p:txBody>
+      </p:sp>
+      <p:sp>
+        <p:nvSpPr>
+          <p:cNvPr id="7" name="Szövegdoboz 6">
+            <a:extLst>
+              <a:ext uri="{FF2B5EF4-FFF2-40B4-BE49-F238E27FC236}">
+                <a16:creationId xmlns:a16="http://schemas.microsoft.com/office/drawing/2014/main" id="{DB577261-066F-5966-8F4E-6AA34028D229}"/>
+              </a:ext>
+            </a:extLst>
+          </p:cNvPr>
+          <p:cNvSpPr txBox="1"/>
+          <p:nvPr/>
+        </p:nvSpPr>
+        <p:spPr>
+          <a:xfrm>
+            <a:off x="7124700" y="2105025"/>
+            <a:ext cx="1290738" cy="369332"/>
+          </a:xfrm>
+          <a:prstGeom prst="rect">
+            <a:avLst/>
+          </a:prstGeom>
+          <a:noFill/>
+        </p:spPr>
+        <p:txBody>
+          <a:bodyPr wrap="none" rtlCol="0">
+            <a:spAutoFit/>
+          </a:bodyPr>
+          <a:lstStyle/>
+          <a:p>
+            <a:r>
+              <a:rPr lang="hu-HU" dirty="0">
+                <a:solidFill>
+                  <a:srgbClr val="145CFC"/>
+                </a:solidFill>
+              </a:rPr>
               <a:t>Nagy Gábor</a:t>
+            </a:r>
+          </a:p>
+        </p:txBody>
+      </p:sp>
+      <p:sp>
+        <p:nvSpPr>
+          <p:cNvPr id="8" name="Tartalom helye 2">
+            <a:extLst>
+              <a:ext uri="{FF2B5EF4-FFF2-40B4-BE49-F238E27FC236}">
+                <a16:creationId xmlns:a16="http://schemas.microsoft.com/office/drawing/2014/main" id="{225A84E4-DAB1-5BC0-DAE2-BF32C4F49362}"/>
+              </a:ext>
+            </a:extLst>
+          </p:cNvPr>
+          <p:cNvSpPr txBox="1">
+            <a:spLocks/>
+          </p:cNvSpPr>
+          <p:nvPr/>
+        </p:nvSpPr>
+        <p:spPr>
+          <a:xfrm>
+            <a:off x="7124700" y="2678110"/>
+            <a:ext cx="3400426" cy="3805239"/>
+          </a:xfrm>
+          <a:prstGeom prst="rect">
+            <a:avLst/>
+          </a:prstGeom>
+        </p:spPr>
+        <p:txBody>
+          <a:bodyPr vert="horz" lIns="91440" tIns="45720" rIns="91440" bIns="45720" rtlCol="0">
+            <a:normAutofit fontScale="85000" lnSpcReduction="10000"/>
+          </a:bodyPr>
+          <a:lstStyle>
+            <a:lvl1pPr marL="228600" indent="-228600" algn="l" defTabSz="914400" rtl="0" eaLnBrk="1" latinLnBrk="0" hangingPunct="1">
+              <a:lnSpc>
+                <a:spcPct val="90000"/>
+              </a:lnSpc>
+              <a:spcBef>
+                <a:spcPts val="1000"/>
+              </a:spcBef>
+              <a:buFont typeface="Arial" panose="020B0604020202020204" pitchFamily="34" charset="0"/>
+              <a:buChar char="•"/>
+              <a:defRPr sz="2800" kern="1200">
+                <a:solidFill>
+                  <a:schemeClr val="tx1"/>
+                </a:solidFill>
+                <a:latin typeface="+mn-lt"/>
+                <a:ea typeface="+mn-ea"/>
+                <a:cs typeface="+mn-cs"/>
+              </a:defRPr>
+            </a:lvl1pPr>
+            <a:lvl2pPr marL="685800" indent="-228600" algn="l" defTabSz="914400" rtl="0" eaLnBrk="1" latinLnBrk="0" hangingPunct="1">
+              <a:lnSpc>
+                <a:spcPct val="90000"/>
+              </a:lnSpc>
+              <a:spcBef>
+                <a:spcPts val="500"/>
+              </a:spcBef>
+              <a:buFont typeface="Arial" panose="020B0604020202020204" pitchFamily="34" charset="0"/>
+              <a:buChar char="•"/>
+              <a:defRPr sz="2400" kern="1200">
+                <a:solidFill>
+                  <a:schemeClr val="tx1"/>
+                </a:solidFill>
+                <a:latin typeface="+mn-lt"/>
+                <a:ea typeface="+mn-ea"/>
+                <a:cs typeface="+mn-cs"/>
+              </a:defRPr>
+            </a:lvl2pPr>
+            <a:lvl3pPr marL="1143000" indent="-228600" algn="l" defTabSz="914400" rtl="0" eaLnBrk="1" latinLnBrk="0" hangingPunct="1">
+              <a:lnSpc>
+                <a:spcPct val="90000"/>
+              </a:lnSpc>
+              <a:spcBef>
+                <a:spcPts val="500"/>
+              </a:spcBef>
+              <a:buFont typeface="Arial" panose="020B0604020202020204" pitchFamily="34" charset="0"/>
+              <a:buChar char="•"/>
+              <a:defRPr sz="2000" kern="1200">
+                <a:solidFill>
+                  <a:schemeClr val="tx1"/>
+                </a:solidFill>
+                <a:latin typeface="+mn-lt"/>
+                <a:ea typeface="+mn-ea"/>
+                <a:cs typeface="+mn-cs"/>
+              </a:defRPr>
+            </a:lvl3pPr>
+            <a:lvl4pPr marL="1600200" indent="-228600" algn="l" defTabSz="914400" rtl="0" eaLnBrk="1" latinLnBrk="0" hangingPunct="1">
+              <a:lnSpc>
+                <a:spcPct val="90000"/>
+              </a:lnSpc>
+              <a:spcBef>
+                <a:spcPts val="500"/>
+              </a:spcBef>
+              <a:buFont typeface="Arial" panose="020B0604020202020204" pitchFamily="34" charset="0"/>
+              <a:buChar char="•"/>
+              <a:defRPr sz="1800" kern="1200">
+                <a:solidFill>
+                  <a:schemeClr val="tx1"/>
+                </a:solidFill>
+                <a:latin typeface="+mn-lt"/>
+                <a:ea typeface="+mn-ea"/>
+                <a:cs typeface="+mn-cs"/>
+              </a:defRPr>
+            </a:lvl4pPr>
+            <a:lvl5pPr marL="2057400" indent="-228600" algn="l" defTabSz="914400" rtl="0" eaLnBrk="1" latinLnBrk="0" hangingPunct="1">
+              <a:lnSpc>
+                <a:spcPct val="90000"/>
+              </a:lnSpc>
+              <a:spcBef>
+                <a:spcPts val="500"/>
+              </a:spcBef>
+              <a:buFont typeface="Arial" panose="020B0604020202020204" pitchFamily="34" charset="0"/>
+              <a:buChar char="•"/>
+              <a:defRPr sz="1800" kern="1200">
+                <a:solidFill>
+                  <a:schemeClr val="tx1"/>
+                </a:solidFill>
+                <a:latin typeface="+mn-lt"/>
+                <a:ea typeface="+mn-ea"/>
+                <a:cs typeface="+mn-cs"/>
+              </a:defRPr>
+            </a:lvl5pPr>
+            <a:lvl6pPr marL="2514600" indent="-228600" algn="l" defTabSz="914400" rtl="0" eaLnBrk="1" latinLnBrk="0" hangingPunct="1">
+              <a:lnSpc>
+                <a:spcPct val="90000"/>
+              </a:lnSpc>
+              <a:spcBef>
+                <a:spcPts val="500"/>
+              </a:spcBef>
+              <a:buFont typeface="Arial" panose="020B0604020202020204" pitchFamily="34" charset="0"/>
+              <a:buChar char="•"/>
+              <a:defRPr sz="1800" kern="1200">
+                <a:solidFill>
+                  <a:schemeClr val="tx1"/>
+                </a:solidFill>
+                <a:latin typeface="+mn-lt"/>
+                <a:ea typeface="+mn-ea"/>
+                <a:cs typeface="+mn-cs"/>
+              </a:defRPr>
+            </a:lvl6pPr>
+            <a:lvl7pPr marL="2971800" indent="-228600" algn="l" defTabSz="914400" rtl="0" eaLnBrk="1" latinLnBrk="0" hangingPunct="1">
+              <a:lnSpc>
+                <a:spcPct val="90000"/>
+              </a:lnSpc>
+              <a:spcBef>
+                <a:spcPts val="500"/>
+              </a:spcBef>
+              <a:buFont typeface="Arial" panose="020B0604020202020204" pitchFamily="34" charset="0"/>
+              <a:buChar char="•"/>
+              <a:defRPr sz="1800" kern="1200">
+                <a:solidFill>
+                  <a:schemeClr val="tx1"/>
+                </a:solidFill>
+                <a:latin typeface="+mn-lt"/>
+                <a:ea typeface="+mn-ea"/>
+                <a:cs typeface="+mn-cs"/>
+              </a:defRPr>
+            </a:lvl7pPr>
+            <a:lvl8pPr marL="3429000" indent="-228600" algn="l" defTabSz="914400" rtl="0" eaLnBrk="1" latinLnBrk="0" hangingPunct="1">
+              <a:lnSpc>
+                <a:spcPct val="90000"/>
+              </a:lnSpc>
+              <a:spcBef>
+                <a:spcPts val="500"/>
+              </a:spcBef>
+              <a:buFont typeface="Arial" panose="020B0604020202020204" pitchFamily="34" charset="0"/>
+              <a:buChar char="•"/>
+              <a:defRPr sz="1800" kern="1200">
+                <a:solidFill>
+                  <a:schemeClr val="tx1"/>
+                </a:solidFill>
+                <a:latin typeface="+mn-lt"/>
+                <a:ea typeface="+mn-ea"/>
+                <a:cs typeface="+mn-cs"/>
+              </a:defRPr>
+            </a:lvl8pPr>
+            <a:lvl9pPr marL="3886200" indent="-228600" algn="l" defTabSz="914400" rtl="0" eaLnBrk="1" latinLnBrk="0" hangingPunct="1">
+              <a:lnSpc>
+                <a:spcPct val="90000"/>
+              </a:lnSpc>
+              <a:spcBef>
+                <a:spcPts val="500"/>
+              </a:spcBef>
+              <a:buFont typeface="Arial" panose="020B0604020202020204" pitchFamily="34" charset="0"/>
+              <a:buChar char="•"/>
+              <a:defRPr sz="1800" kern="1200">
+                <a:solidFill>
+                  <a:schemeClr val="tx1"/>
+                </a:solidFill>
+                <a:latin typeface="+mn-lt"/>
+                <a:ea typeface="+mn-ea"/>
+                <a:cs typeface="+mn-cs"/>
+              </a:defRPr>
+            </a:lvl9pPr>
+          </a:lstStyle>
+          <a:p>
+            <a:r>
+              <a:rPr lang="hu-HU" dirty="0"/>
+              <a:t>Konfigurációs végpontok</a:t>
+            </a:r>
+          </a:p>
+          <a:p>
+            <a:r>
+              <a:rPr lang="hu-HU" dirty="0"/>
+              <a:t>Órarend kezelése</a:t>
+            </a:r>
+          </a:p>
+          <a:p>
+            <a:r>
+              <a:rPr lang="hu-HU" dirty="0"/>
+              <a:t>Szekrények kezelése</a:t>
+            </a:r>
+          </a:p>
+          <a:p>
+            <a:r>
+              <a:rPr lang="hu-HU" dirty="0"/>
+              <a:t>Rendszer információ és státusz</a:t>
+            </a:r>
+          </a:p>
+          <a:p>
+            <a:r>
+              <a:rPr lang="hu-HU" dirty="0"/>
+              <a:t>Alkalmazottak kezelése</a:t>
+            </a:r>
+          </a:p>
+          <a:p>
+            <a:r>
+              <a:rPr lang="hu-HU" dirty="0"/>
+              <a:t>Tanév és szünetek kezelése</a:t>
+            </a:r>
+          </a:p>
+          <a:p>
+            <a:r>
+              <a:rPr lang="hu-HU" dirty="0" err="1"/>
+              <a:t>Arduino</a:t>
+            </a:r>
+            <a:r>
+              <a:rPr lang="hu-HU" dirty="0"/>
+              <a:t> kód</a:t>
             </a:r>
           </a:p>
         </p:txBody>
@@ -4151,9 +4575,23 @@
 <file path=ppt/slides/slide14.xml><?xml version="1.0" encoding="utf-8"?>
 <p:sld xmlns:a="http://schemas.openxmlformats.org/drawingml/2006/main" xmlns:r="http://schemas.openxmlformats.org/officeDocument/2006/relationships" xmlns:p="http://schemas.openxmlformats.org/presentationml/2006/main">
   <p:cSld>
+    <p:bg>
+      <p:bgPr>
+        <a:solidFill>
+          <a:srgbClr val="EFF6FF"/>
+        </a:solidFill>
+        <a:effectLst/>
+      </p:bgPr>
+    </p:bg>
     <p:spTree>
       <p:nvGrpSpPr>
-        <p:cNvPr id="1" name=""/>
+        <p:cNvPr id="1" name="">
+          <a:extLst>
+            <a:ext uri="{FF2B5EF4-FFF2-40B4-BE49-F238E27FC236}">
+              <a16:creationId xmlns:a16="http://schemas.microsoft.com/office/drawing/2014/main" id="{2D070EB6-1878-42C8-821D-D37D127C56D8}"/>
+            </a:ext>
+          </a:extLst>
+        </p:cNvPr>
         <p:cNvGrpSpPr/>
         <p:nvPr/>
       </p:nvGrpSpPr>
@@ -4170,7 +4608,7 @@
           <p:cNvPr id="2" name="Cím 1">
             <a:extLst>
               <a:ext uri="{FF2B5EF4-FFF2-40B4-BE49-F238E27FC236}">
-                <a16:creationId xmlns:a16="http://schemas.microsoft.com/office/drawing/2014/main" id="{435CB8A7-A01C-4CCC-A5DF-7B1ABAD5BEF3}"/>
+                <a16:creationId xmlns:a16="http://schemas.microsoft.com/office/drawing/2014/main" id="{2E6B60A8-DB0D-D469-C5FD-32D4ECE79F5A}"/>
               </a:ext>
             </a:extLst>
           </p:cNvPr>
@@ -4187,8 +4625,12 @@
           <a:lstStyle/>
           <a:p>
             <a:r>
-              <a:rPr lang="hu-HU" dirty="0"/>
-              <a:t>Frontend munkamegosztása </a:t>
+              <a:rPr lang="hu-HU" dirty="0">
+                <a:solidFill>
+                  <a:srgbClr val="145CFC"/>
+                </a:solidFill>
+              </a:rPr>
+              <a:t>Frontend munkamegosztás </a:t>
             </a:r>
           </a:p>
         </p:txBody>
@@ -4198,7 +4640,7 @@
           <p:cNvPr id="3" name="Tartalom helye 2">
             <a:extLst>
               <a:ext uri="{FF2B5EF4-FFF2-40B4-BE49-F238E27FC236}">
-                <a16:creationId xmlns:a16="http://schemas.microsoft.com/office/drawing/2014/main" id="{B75D9967-DE23-4D1F-9F3A-E4FBFE9FE732}"/>
+                <a16:creationId xmlns:a16="http://schemas.microsoft.com/office/drawing/2014/main" id="{D9AD5AE5-8F71-F89E-E7F5-B1B119DD5500}"/>
               </a:ext>
             </a:extLst>
           </p:cNvPr>
@@ -4211,8 +4653,8 @@
         </p:nvSpPr>
         <p:spPr>
           <a:xfrm>
-            <a:off x="838200" y="1825625"/>
-            <a:ext cx="5257800" cy="4351338"/>
+            <a:off x="523874" y="2590800"/>
+            <a:ext cx="3267076" cy="3805238"/>
           </a:xfrm>
         </p:spPr>
         <p:txBody>
@@ -4220,7 +4662,98 @@
           <a:lstStyle/>
           <a:p>
             <a:r>
+              <a:rPr lang="hu-HU" dirty="0" err="1"/>
+              <a:t>Autentikáció</a:t>
+            </a:r>
+            <a:endParaRPr lang="hu-HU" dirty="0"/>
+          </a:p>
+          <a:p>
+            <a:r>
               <a:rPr lang="hu-HU" dirty="0"/>
+              <a:t>Jelszó módosítása</a:t>
+            </a:r>
+          </a:p>
+          <a:p>
+            <a:r>
+              <a:rPr lang="hu-HU" dirty="0"/>
+              <a:t>Tanulók kezelése</a:t>
+            </a:r>
+          </a:p>
+        </p:txBody>
+      </p:sp>
+      <p:sp>
+        <p:nvSpPr>
+          <p:cNvPr id="5" name="Szövegdoboz 4">
+            <a:extLst>
+              <a:ext uri="{FF2B5EF4-FFF2-40B4-BE49-F238E27FC236}">
+                <a16:creationId xmlns:a16="http://schemas.microsoft.com/office/drawing/2014/main" id="{B0869E26-C98B-A59D-6606-61CE0E2C3C4D}"/>
+              </a:ext>
+            </a:extLst>
+          </p:cNvPr>
+          <p:cNvSpPr txBox="1"/>
+          <p:nvPr/>
+        </p:nvSpPr>
+        <p:spPr>
+          <a:xfrm>
+            <a:off x="1314450" y="2095500"/>
+            <a:ext cx="2026067" cy="369332"/>
+          </a:xfrm>
+          <a:prstGeom prst="rect">
+            <a:avLst/>
+          </a:prstGeom>
+          <a:noFill/>
+        </p:spPr>
+        <p:txBody>
+          <a:bodyPr wrap="none" rtlCol="0">
+            <a:spAutoFit/>
+          </a:bodyPr>
+          <a:lstStyle/>
+          <a:p>
+            <a:r>
+              <a:rPr lang="hu-HU" dirty="0">
+                <a:solidFill>
+                  <a:srgbClr val="145CFC"/>
+                </a:solidFill>
+              </a:rPr>
+              <a:t>Szalkai-Szabó Ádám</a:t>
+            </a:r>
+          </a:p>
+        </p:txBody>
+      </p:sp>
+      <p:sp>
+        <p:nvSpPr>
+          <p:cNvPr id="7" name="Szövegdoboz 6">
+            <a:extLst>
+              <a:ext uri="{FF2B5EF4-FFF2-40B4-BE49-F238E27FC236}">
+                <a16:creationId xmlns:a16="http://schemas.microsoft.com/office/drawing/2014/main" id="{E5E4F415-4ED8-6D04-6777-A7E00A93FA5B}"/>
+              </a:ext>
+            </a:extLst>
+          </p:cNvPr>
+          <p:cNvSpPr txBox="1"/>
+          <p:nvPr/>
+        </p:nvSpPr>
+        <p:spPr>
+          <a:xfrm>
+            <a:off x="7124700" y="2105025"/>
+            <a:ext cx="1290738" cy="369332"/>
+          </a:xfrm>
+          <a:prstGeom prst="rect">
+            <a:avLst/>
+          </a:prstGeom>
+          <a:noFill/>
+        </p:spPr>
+        <p:txBody>
+          <a:bodyPr wrap="none" rtlCol="0">
+            <a:spAutoFit/>
+          </a:bodyPr>
+          <a:lstStyle/>
+          <a:p>
+            <a:r>
+              <a:rPr lang="hu-HU" dirty="0">
+                <a:solidFill>
+                  <a:srgbClr val="145CFC"/>
+                </a:solidFill>
+              </a:rPr>
               <a:t>Nagy Gábor</a:t>
             </a:r>
           </a:p>
@@ -4228,10 +4761,10 @@
       </p:sp>
       <p:sp>
         <p:nvSpPr>
-          <p:cNvPr id="4" name="Tartalom helye 2">
-            <a:extLst>
-              <a:ext uri="{FF2B5EF4-FFF2-40B4-BE49-F238E27FC236}">
-                <a16:creationId xmlns:a16="http://schemas.microsoft.com/office/drawing/2014/main" id="{C9A08288-F467-4734-B82A-1528CCEE1C95}"/>
+          <p:cNvPr id="8" name="Tartalom helye 2">
+            <a:extLst>
+              <a:ext uri="{FF2B5EF4-FFF2-40B4-BE49-F238E27FC236}">
+                <a16:creationId xmlns:a16="http://schemas.microsoft.com/office/drawing/2014/main" id="{36DA35FC-374D-7363-B45F-6D69A9137C9B}"/>
               </a:ext>
             </a:extLst>
           </p:cNvPr>
@@ -4242,8 +4775,8 @@
         </p:nvSpPr>
         <p:spPr>
           <a:xfrm>
-            <a:off x="6096000" y="1825625"/>
-            <a:ext cx="5257800" cy="4436395"/>
+            <a:off x="7124700" y="2678110"/>
+            <a:ext cx="3400426" cy="3805239"/>
           </a:xfrm>
           <a:prstGeom prst="rect">
             <a:avLst/>
@@ -4251,7 +4784,7 @@
         </p:spPr>
         <p:txBody>
           <a:bodyPr vert="horz" lIns="91440" tIns="45720" rIns="91440" bIns="45720" rtlCol="0">
-            <a:normAutofit/>
+            <a:normAutofit fontScale="85000" lnSpcReduction="10000"/>
           </a:bodyPr>
           <a:lstStyle>
             <a:lvl1pPr marL="228600" indent="-228600" algn="l" defTabSz="914400" rtl="0" eaLnBrk="1" latinLnBrk="0" hangingPunct="1">
@@ -4420,7 +4953,47 @@
           <a:p>
             <a:r>
               <a:rPr lang="hu-HU" dirty="0"/>
-              <a:t>Szalkai-Szabó Ádám</a:t>
+              <a:t>Konfigurációs végpontok</a:t>
+            </a:r>
+          </a:p>
+          <a:p>
+            <a:r>
+              <a:rPr lang="hu-HU" dirty="0"/>
+              <a:t>Órarend kezelés</a:t>
+            </a:r>
+          </a:p>
+          <a:p>
+            <a:r>
+              <a:rPr lang="hu-HU" dirty="0"/>
+              <a:t>Szekrények kezelése</a:t>
+            </a:r>
+          </a:p>
+          <a:p>
+            <a:r>
+              <a:rPr lang="hu-HU" dirty="0"/>
+              <a:t>Rendszer információ és státusz</a:t>
+            </a:r>
+          </a:p>
+          <a:p>
+            <a:r>
+              <a:rPr lang="hu-HU" dirty="0"/>
+              <a:t>Alkalmazottak kezelése</a:t>
+            </a:r>
+          </a:p>
+          <a:p>
+            <a:r>
+              <a:rPr lang="hu-HU" dirty="0"/>
+              <a:t>Tanév és szünetek kezelése</a:t>
+            </a:r>
+          </a:p>
+          <a:p>
+            <a:r>
+              <a:rPr lang="hu-HU" dirty="0" err="1"/>
+              <a:t>Arduino</a:t>
+            </a:r>
+            <a:r>
+              <a:rPr lang="hu-HU" dirty="0"/>
+              <a:t> kód</a:t>
             </a:r>
           </a:p>
         </p:txBody>
@@ -4428,7 +5001,7 @@
     </p:spTree>
     <p:extLst>
       <p:ext uri="{BB962C8B-B14F-4D97-AF65-F5344CB8AC3E}">
-        <p14:creationId xmlns:p14="http://schemas.microsoft.com/office/powerpoint/2010/main" val="2896747914"/>
+        <p14:creationId xmlns:p14="http://schemas.microsoft.com/office/powerpoint/2010/main" val="198044648"/>
       </p:ext>
     </p:extLst>
   </p:cSld>
@@ -4441,6 +5014,14 @@
 <file path=ppt/slides/slide15.xml><?xml version="1.0" encoding="utf-8"?>
 <p:sld xmlns:a="http://schemas.openxmlformats.org/drawingml/2006/main" xmlns:r="http://schemas.openxmlformats.org/officeDocument/2006/relationships" xmlns:p="http://schemas.openxmlformats.org/presentationml/2006/main">
   <p:cSld>
+    <p:bg>
+      <p:bgPr>
+        <a:solidFill>
+          <a:srgbClr val="EFF6FF"/>
+        </a:solidFill>
+        <a:effectLst/>
+      </p:bgPr>
+    </p:bg>
     <p:spTree>
       <p:nvGrpSpPr>
         <p:cNvPr id="1" name=""/>
@@ -4477,37 +5058,187 @@
           <a:lstStyle/>
           <a:p>
             <a:r>
+              <a:rPr lang="hu-HU" dirty="0">
+                <a:solidFill>
+                  <a:srgbClr val="145CFC"/>
+                </a:solidFill>
+              </a:rPr>
+              <a:t>Publikáció</a:t>
+            </a:r>
+          </a:p>
+        </p:txBody>
+      </p:sp>
+      <p:sp>
+        <p:nvSpPr>
+          <p:cNvPr id="3" name="Tartalom helye 2">
+            <a:extLst>
+              <a:ext uri="{FF2B5EF4-FFF2-40B4-BE49-F238E27FC236}">
+                <a16:creationId xmlns:a16="http://schemas.microsoft.com/office/drawing/2014/main" id="{FEA76AF7-B9D2-457C-853F-D4A4717123BC}"/>
+              </a:ext>
+            </a:extLst>
+          </p:cNvPr>
+          <p:cNvSpPr>
+            <a:spLocks noGrp="1"/>
+          </p:cNvSpPr>
+          <p:nvPr>
+            <p:ph idx="1"/>
+          </p:nvPr>
+        </p:nvSpPr>
+        <p:spPr>
+          <a:xfrm>
+            <a:off x="838200" y="1825625"/>
+            <a:ext cx="5476875" cy="4351338"/>
+          </a:xfrm>
+        </p:spPr>
+        <p:txBody>
+          <a:bodyPr/>
+          <a:lstStyle/>
+          <a:p>
+            <a:r>
               <a:rPr lang="hu-HU" dirty="0"/>
-              <a:t>Publikáció</a:t>
-            </a:r>
-          </a:p>
-        </p:txBody>
-      </p:sp>
-      <p:sp>
-        <p:nvSpPr>
-          <p:cNvPr id="3" name="Tartalom helye 2">
-            <a:extLst>
-              <a:ext uri="{FF2B5EF4-FFF2-40B4-BE49-F238E27FC236}">
-                <a16:creationId xmlns:a16="http://schemas.microsoft.com/office/drawing/2014/main" id="{FEA76AF7-B9D2-457C-853F-D4A4717123BC}"/>
-              </a:ext>
-            </a:extLst>
-          </p:cNvPr>
-          <p:cNvSpPr>
-            <a:spLocks noGrp="1"/>
-          </p:cNvSpPr>
-          <p:nvPr>
-            <p:ph idx="1"/>
-          </p:nvPr>
-        </p:nvSpPr>
-        <p:spPr/>
-        <p:txBody>
-          <a:bodyPr/>
-          <a:lstStyle/>
-          <a:p>
-            <a:endParaRPr lang="hu-HU"/>
-          </a:p>
-        </p:txBody>
-      </p:sp>
+              <a:t>Szoftver (</a:t>
+            </a:r>
+            <a:r>
+              <a:rPr lang="hu-HU" dirty="0" err="1"/>
+              <a:t>github</a:t>
+            </a:r>
+            <a:r>
+              <a:rPr lang="hu-HU" dirty="0"/>
+              <a:t>) – </a:t>
+            </a:r>
+            <a:r>
+              <a:rPr lang="hu-HU" dirty="0" err="1"/>
+              <a:t>Vercel</a:t>
+            </a:r>
+            <a:endParaRPr lang="hu-HU" dirty="0"/>
+          </a:p>
+          <a:p>
+            <a:r>
+              <a:rPr lang="hu-HU" dirty="0"/>
+              <a:t>Áthidaló (proxy) szerver – Helyi hálózat</a:t>
+            </a:r>
+          </a:p>
+          <a:p>
+            <a:r>
+              <a:rPr lang="hu-HU" dirty="0"/>
+              <a:t>Tároló kezelés - </a:t>
+            </a:r>
+            <a:r>
+              <a:rPr lang="hu-HU" dirty="0" err="1"/>
+              <a:t>Arduino</a:t>
+            </a:r>
+            <a:endParaRPr lang="hu-HU" dirty="0"/>
+          </a:p>
+        </p:txBody>
+      </p:sp>
+      <p:pic>
+        <p:nvPicPr>
+          <p:cNvPr id="5" name="Kép 4" descr="A képen fekete, sötétség látható&#10;&#10;Előfordulhat, hogy a mesterséges intelligencia által létrehozott tartalom helytelen.">
+            <a:extLst>
+              <a:ext uri="{FF2B5EF4-FFF2-40B4-BE49-F238E27FC236}">
+                <a16:creationId xmlns:a16="http://schemas.microsoft.com/office/drawing/2014/main" id="{06875FE4-64A6-DA60-5A29-299AFA2D2C51}"/>
+              </a:ext>
+            </a:extLst>
+          </p:cNvPr>
+          <p:cNvPicPr>
+            <a:picLocks noChangeAspect="1"/>
+          </p:cNvPicPr>
+          <p:nvPr/>
+        </p:nvPicPr>
+        <p:blipFill>
+          <a:blip r:embed="rId2">
+            <a:extLst>
+              <a:ext uri="{28A0092B-C50C-407E-A947-70E740481C1C}">
+                <a14:useLocalDpi xmlns:a14="http://schemas.microsoft.com/office/drawing/2010/main" val="0"/>
+              </a:ext>
+            </a:extLst>
+          </a:blip>
+          <a:stretch>
+            <a:fillRect/>
+          </a:stretch>
+        </p:blipFill>
+        <p:spPr>
+          <a:xfrm>
+            <a:off x="377688" y="4654458"/>
+            <a:ext cx="5214730" cy="1193684"/>
+          </a:xfrm>
+          <a:prstGeom prst="rect">
+            <a:avLst/>
+          </a:prstGeom>
+        </p:spPr>
+      </p:pic>
+      <p:pic>
+        <p:nvPicPr>
+          <p:cNvPr id="7" name="Kép 6" descr="A képen Közúti jelzőtábla, szimbólum, tábla látható&#10;&#10;Előfordulhat, hogy a mesterséges intelligencia által létrehozott tartalom helytelen.">
+            <a:extLst>
+              <a:ext uri="{FF2B5EF4-FFF2-40B4-BE49-F238E27FC236}">
+                <a16:creationId xmlns:a16="http://schemas.microsoft.com/office/drawing/2014/main" id="{058FACC9-DCA1-104E-6523-63B6E5CD5F38}"/>
+              </a:ext>
+            </a:extLst>
+          </p:cNvPr>
+          <p:cNvPicPr>
+            <a:picLocks noChangeAspect="1"/>
+          </p:cNvPicPr>
+          <p:nvPr/>
+        </p:nvPicPr>
+        <p:blipFill>
+          <a:blip r:embed="rId3">
+            <a:extLst>
+              <a:ext uri="{28A0092B-C50C-407E-A947-70E740481C1C}">
+                <a14:useLocalDpi xmlns:a14="http://schemas.microsoft.com/office/drawing/2010/main" val="0"/>
+              </a:ext>
+            </a:extLst>
+          </a:blip>
+          <a:stretch>
+            <a:fillRect/>
+          </a:stretch>
+        </p:blipFill>
+        <p:spPr>
+          <a:xfrm>
+            <a:off x="6478604" y="396633"/>
+            <a:ext cx="3604661" cy="3604661"/>
+          </a:xfrm>
+          <a:prstGeom prst="rect">
+            <a:avLst/>
+          </a:prstGeom>
+        </p:spPr>
+      </p:pic>
+      <p:pic>
+        <p:nvPicPr>
+          <p:cNvPr id="9" name="Kép 8" descr="A képen szöveg, képernyőkép, áramkör, tervezés látható&#10;&#10;Előfordulhat, hogy a mesterséges intelligencia által létrehozott tartalom helytelen.">
+            <a:extLst>
+              <a:ext uri="{FF2B5EF4-FFF2-40B4-BE49-F238E27FC236}">
+                <a16:creationId xmlns:a16="http://schemas.microsoft.com/office/drawing/2014/main" id="{B98C9364-6B78-632A-8482-8DEC4234A71E}"/>
+              </a:ext>
+            </a:extLst>
+          </p:cNvPr>
+          <p:cNvPicPr>
+            <a:picLocks noChangeAspect="1"/>
+          </p:cNvPicPr>
+          <p:nvPr/>
+        </p:nvPicPr>
+        <p:blipFill>
+          <a:blip r:embed="rId4">
+            <a:extLst>
+              <a:ext uri="{28A0092B-C50C-407E-A947-70E740481C1C}">
+                <a14:useLocalDpi xmlns:a14="http://schemas.microsoft.com/office/drawing/2010/main" val="0"/>
+              </a:ext>
+            </a:extLst>
+          </a:blip>
+          <a:stretch>
+            <a:fillRect/>
+          </a:stretch>
+        </p:blipFill>
+        <p:spPr>
+          <a:xfrm>
+            <a:off x="7782390" y="4460615"/>
+            <a:ext cx="3046031" cy="2233756"/>
+          </a:xfrm>
+          <a:prstGeom prst="rect">
+            <a:avLst/>
+          </a:prstGeom>
+        </p:spPr>
+      </p:pic>
     </p:spTree>
     <p:extLst>
       <p:ext uri="{BB962C8B-B14F-4D97-AF65-F5344CB8AC3E}">
@@ -4524,6 +5255,14 @@
 <file path=ppt/slides/slide16.xml><?xml version="1.0" encoding="utf-8"?>
 <p:sld xmlns:a="http://schemas.openxmlformats.org/drawingml/2006/main" xmlns:r="http://schemas.openxmlformats.org/officeDocument/2006/relationships" xmlns:p="http://schemas.openxmlformats.org/presentationml/2006/main">
   <p:cSld>
+    <p:bg>
+      <p:bgPr>
+        <a:solidFill>
+          <a:srgbClr val="EFF6FF"/>
+        </a:solidFill>
+        <a:effectLst/>
+      </p:bgPr>
+    </p:bg>
     <p:spTree>
       <p:nvGrpSpPr>
         <p:cNvPr id="1" name=""/>
@@ -4560,7 +5299,11 @@
           <a:lstStyle/>
           <a:p>
             <a:r>
-              <a:rPr lang="hu-HU" dirty="0"/>
+              <a:rPr lang="hu-HU" dirty="0">
+                <a:solidFill>
+                  <a:srgbClr val="145CFC"/>
+                </a:solidFill>
+              </a:rPr>
               <a:t>Fejlesztési lehetőségek</a:t>
             </a:r>
           </a:p>
@@ -4582,7 +5325,12 @@
             <p:ph idx="1"/>
           </p:nvPr>
         </p:nvSpPr>
-        <p:spPr/>
+        <p:spPr>
+          <a:xfrm>
+            <a:off x="838200" y="1825625"/>
+            <a:ext cx="4676775" cy="4351338"/>
+          </a:xfrm>
+        </p:spPr>
         <p:txBody>
           <a:bodyPr/>
           <a:lstStyle/>
@@ -4601,11 +5349,13 @@
           <a:p>
             <a:r>
               <a:rPr lang="hu-HU" dirty="0"/>
-              <a:t>A,B </a:t>
-            </a:r>
-            <a:r>
-              <a:rPr lang="hu-HU"/>
-              <a:t>hét megoldása</a:t>
+              <a:t>A,B hét megoldása</a:t>
+            </a:r>
+          </a:p>
+          <a:p>
+            <a:r>
+              <a:rPr lang="hu-HU" dirty="0"/>
+              <a:t>Tevékenység naplózása</a:t>
             </a:r>
           </a:p>
           <a:p>
@@ -4629,6 +5379,14 @@
 <file path=ppt/slides/slide17.xml><?xml version="1.0" encoding="utf-8"?>
 <p:sld xmlns:a="http://schemas.openxmlformats.org/drawingml/2006/main" xmlns:r="http://schemas.openxmlformats.org/officeDocument/2006/relationships" xmlns:p="http://schemas.openxmlformats.org/presentationml/2006/main">
   <p:cSld>
+    <p:bg>
+      <p:bgPr>
+        <a:solidFill>
+          <a:srgbClr val="EFF6FF"/>
+        </a:solidFill>
+        <a:effectLst/>
+      </p:bgPr>
+    </p:bg>
     <p:spTree>
       <p:nvGrpSpPr>
         <p:cNvPr id="1" name=""/>
@@ -4673,6 +5431,9 @@
           <a:p>
             <a:r>
               <a:rPr lang="hu-HU" sz="8800" b="1" dirty="0" err="1">
+                <a:solidFill>
+                  <a:srgbClr val="145CFC"/>
+                </a:solidFill>
                 <a:latin typeface="Arial" panose="020B0604020202020204" pitchFamily="34" charset="0"/>
                 <a:cs typeface="Arial" panose="020B0604020202020204" pitchFamily="34" charset="0"/>
               </a:rPr>
@@ -6669,6 +7430,14 @@
 <file path=ppt/slides/slide6.xml><?xml version="1.0" encoding="utf-8"?>
 <p:sld xmlns:a="http://schemas.openxmlformats.org/drawingml/2006/main" xmlns:r="http://schemas.openxmlformats.org/officeDocument/2006/relationships" xmlns:p="http://schemas.openxmlformats.org/presentationml/2006/main">
   <p:cSld>
+    <p:bg>
+      <p:bgPr>
+        <a:solidFill>
+          <a:srgbClr val="EFF6FF"/>
+        </a:solidFill>
+        <a:effectLst/>
+      </p:bgPr>
+    </p:bg>
     <p:spTree>
       <p:nvGrpSpPr>
         <p:cNvPr id="1" name=""/>
@@ -6705,7 +7474,11 @@
           <a:lstStyle/>
           <a:p>
             <a:r>
-              <a:rPr lang="hu-HU" dirty="0"/>
+              <a:rPr lang="hu-HU" dirty="0">
+                <a:solidFill>
+                  <a:srgbClr val="145CFC"/>
+                </a:solidFill>
+              </a:rPr>
               <a:t>Backend</a:t>
             </a:r>
           </a:p>
@@ -6822,7 +7595,7 @@
         </p:blipFill>
         <p:spPr>
           <a:xfrm>
-            <a:off x="6404307" y="1027906"/>
+            <a:off x="7410335" y="365125"/>
             <a:ext cx="2133481" cy="4351338"/>
           </a:xfrm>
           <a:prstGeom prst="rect">
@@ -6852,8 +7625,146 @@
         </p:blipFill>
         <p:spPr>
           <a:xfrm>
-            <a:off x="8666619" y="653261"/>
-            <a:ext cx="2324424" cy="3772426"/>
+            <a:off x="10137609" y="3437741"/>
+            <a:ext cx="1882456" cy="3055134"/>
+          </a:xfrm>
+          <a:prstGeom prst="rect">
+            <a:avLst/>
+          </a:prstGeom>
+        </p:spPr>
+      </p:pic>
+      <p:pic>
+        <p:nvPicPr>
+          <p:cNvPr id="7" name="Kép 6">
+            <a:extLst>
+              <a:ext uri="{FF2B5EF4-FFF2-40B4-BE49-F238E27FC236}">
+                <a16:creationId xmlns:a16="http://schemas.microsoft.com/office/drawing/2014/main" id="{6BB587CF-72F2-C3D4-1DB4-276E7BAC6BD3}"/>
+              </a:ext>
+            </a:extLst>
+          </p:cNvPr>
+          <p:cNvPicPr>
+            <a:picLocks noChangeAspect="1"/>
+          </p:cNvPicPr>
+          <p:nvPr/>
+        </p:nvPicPr>
+        <p:blipFill>
+          <a:blip r:embed="rId4"/>
+          <a:stretch>
+            <a:fillRect/>
+          </a:stretch>
+        </p:blipFill>
+        <p:spPr>
+          <a:xfrm>
+            <a:off x="4683061" y="3429000"/>
+            <a:ext cx="2133481" cy="3055134"/>
+          </a:xfrm>
+          <a:prstGeom prst="rect">
+            <a:avLst/>
+          </a:prstGeom>
+        </p:spPr>
+      </p:pic>
+      <p:pic>
+        <p:nvPicPr>
+          <p:cNvPr id="8" name="Kép 7" descr="A képen fekete, sötétség látható&#10;&#10;Előfordulhat, hogy a mesterséges intelligencia által létrehozott tartalom helytelen.">
+            <a:extLst>
+              <a:ext uri="{FF2B5EF4-FFF2-40B4-BE49-F238E27FC236}">
+                <a16:creationId xmlns:a16="http://schemas.microsoft.com/office/drawing/2014/main" id="{A13D878C-AF72-2EB9-9232-0E02EA55402A}"/>
+              </a:ext>
+            </a:extLst>
+          </p:cNvPr>
+          <p:cNvPicPr>
+            <a:picLocks noChangeAspect="1"/>
+          </p:cNvPicPr>
+          <p:nvPr/>
+        </p:nvPicPr>
+        <p:blipFill>
+          <a:blip r:embed="rId5">
+            <a:extLst>
+              <a:ext uri="{28A0092B-C50C-407E-A947-70E740481C1C}">
+                <a14:useLocalDpi xmlns:a14="http://schemas.microsoft.com/office/drawing/2010/main" val="0"/>
+              </a:ext>
+            </a:extLst>
+          </a:blip>
+          <a:stretch>
+            <a:fillRect/>
+          </a:stretch>
+        </p:blipFill>
+        <p:spPr>
+          <a:xfrm>
+            <a:off x="4170323" y="632776"/>
+            <a:ext cx="3158955" cy="1903394"/>
+          </a:xfrm>
+          <a:prstGeom prst="rect">
+            <a:avLst/>
+          </a:prstGeom>
+        </p:spPr>
+      </p:pic>
+      <p:pic>
+        <p:nvPicPr>
+          <p:cNvPr id="10" name="Kép 9" descr="A képen Grafika, clipart, rajzfilm látható&#10;&#10;Előfordulhat, hogy a mesterséges intelligencia által létrehozott tartalom helytelen.">
+            <a:extLst>
+              <a:ext uri="{FF2B5EF4-FFF2-40B4-BE49-F238E27FC236}">
+                <a16:creationId xmlns:a16="http://schemas.microsoft.com/office/drawing/2014/main" id="{A7BAD85F-E710-C59A-3A50-CB5CA37F58C1}"/>
+              </a:ext>
+            </a:extLst>
+          </p:cNvPr>
+          <p:cNvPicPr>
+            <a:picLocks noChangeAspect="1"/>
+          </p:cNvPicPr>
+          <p:nvPr/>
+        </p:nvPicPr>
+        <p:blipFill>
+          <a:blip r:embed="rId6">
+            <a:extLst>
+              <a:ext uri="{28A0092B-C50C-407E-A947-70E740481C1C}">
+                <a14:useLocalDpi xmlns:a14="http://schemas.microsoft.com/office/drawing/2010/main" val="0"/>
+              </a:ext>
+            </a:extLst>
+          </a:blip>
+          <a:stretch>
+            <a:fillRect/>
+          </a:stretch>
+        </p:blipFill>
+        <p:spPr>
+          <a:xfrm>
+            <a:off x="7410335" y="5033229"/>
+            <a:ext cx="1314255" cy="1450905"/>
+          </a:xfrm>
+          <a:prstGeom prst="rect">
+            <a:avLst/>
+          </a:prstGeom>
+        </p:spPr>
+      </p:pic>
+      <p:pic>
+        <p:nvPicPr>
+          <p:cNvPr id="15" name="Kép 14" descr="A képen Betűtípus, szöveg, Grafika, szimbólum látható&#10;&#10;Előfordulhat, hogy a mesterséges intelligencia által létrehozott tartalom helytelen.">
+            <a:extLst>
+              <a:ext uri="{FF2B5EF4-FFF2-40B4-BE49-F238E27FC236}">
+                <a16:creationId xmlns:a16="http://schemas.microsoft.com/office/drawing/2014/main" id="{48A37185-E625-7BF2-D888-60BD47F758D1}"/>
+              </a:ext>
+            </a:extLst>
+          </p:cNvPr>
+          <p:cNvPicPr>
+            <a:picLocks noChangeAspect="1"/>
+          </p:cNvPicPr>
+          <p:nvPr/>
+        </p:nvPicPr>
+        <p:blipFill>
+          <a:blip r:embed="rId7">
+            <a:extLst>
+              <a:ext uri="{28A0092B-C50C-407E-A947-70E740481C1C}">
+                <a14:useLocalDpi xmlns:a14="http://schemas.microsoft.com/office/drawing/2010/main" val="0"/>
+              </a:ext>
+            </a:extLst>
+          </a:blip>
+          <a:stretch>
+            <a:fillRect/>
+          </a:stretch>
+        </p:blipFill>
+        <p:spPr>
+          <a:xfrm>
+            <a:off x="9957723" y="1210607"/>
+            <a:ext cx="1946897" cy="1325563"/>
           </a:xfrm>
           <a:prstGeom prst="rect">
             <a:avLst/>
@@ -6876,6 +7787,14 @@
 <file path=ppt/slides/slide7.xml><?xml version="1.0" encoding="utf-8"?>
 <p:sld xmlns:a="http://schemas.openxmlformats.org/drawingml/2006/main" xmlns:r="http://schemas.openxmlformats.org/officeDocument/2006/relationships" xmlns:p="http://schemas.openxmlformats.org/presentationml/2006/main">
   <p:cSld>
+    <p:bg>
+      <p:bgPr>
+        <a:solidFill>
+          <a:srgbClr val="EFF6FF"/>
+        </a:solidFill>
+        <a:effectLst/>
+      </p:bgPr>
+    </p:bg>
     <p:spTree>
       <p:nvGrpSpPr>
         <p:cNvPr id="1" name=""/>
@@ -6912,37 +7831,279 @@
           <a:lstStyle/>
           <a:p>
             <a:r>
+              <a:rPr lang="hu-HU" dirty="0">
+                <a:solidFill>
+                  <a:srgbClr val="145CFC"/>
+                </a:solidFill>
+              </a:rPr>
+              <a:t>Frontend</a:t>
+            </a:r>
+          </a:p>
+        </p:txBody>
+      </p:sp>
+      <p:sp>
+        <p:nvSpPr>
+          <p:cNvPr id="3" name="Tartalom helye 2">
+            <a:extLst>
+              <a:ext uri="{FF2B5EF4-FFF2-40B4-BE49-F238E27FC236}">
+                <a16:creationId xmlns:a16="http://schemas.microsoft.com/office/drawing/2014/main" id="{C259866D-9170-4AC0-A355-40308FF26231}"/>
+              </a:ext>
+            </a:extLst>
+          </p:cNvPr>
+          <p:cNvSpPr>
+            <a:spLocks noGrp="1"/>
+          </p:cNvSpPr>
+          <p:nvPr>
+            <p:ph idx="1"/>
+          </p:nvPr>
+        </p:nvSpPr>
+        <p:spPr>
+          <a:xfrm>
+            <a:off x="838200" y="1825625"/>
+            <a:ext cx="3983966" cy="4351338"/>
+          </a:xfrm>
+        </p:spPr>
+        <p:txBody>
+          <a:bodyPr/>
+          <a:lstStyle/>
+          <a:p>
+            <a:r>
               <a:rPr lang="hu-HU" dirty="0"/>
-              <a:t>Frontend</a:t>
-            </a:r>
-          </a:p>
-        </p:txBody>
-      </p:sp>
-      <p:sp>
-        <p:nvSpPr>
-          <p:cNvPr id="3" name="Tartalom helye 2">
-            <a:extLst>
-              <a:ext uri="{FF2B5EF4-FFF2-40B4-BE49-F238E27FC236}">
-                <a16:creationId xmlns:a16="http://schemas.microsoft.com/office/drawing/2014/main" id="{C259866D-9170-4AC0-A355-40308FF26231}"/>
-              </a:ext>
-            </a:extLst>
-          </p:cNvPr>
-          <p:cNvSpPr>
-            <a:spLocks noGrp="1"/>
-          </p:cNvSpPr>
-          <p:nvPr>
-            <p:ph idx="1"/>
-          </p:nvPr>
-        </p:nvSpPr>
-        <p:spPr/>
-        <p:txBody>
-          <a:bodyPr/>
-          <a:lstStyle/>
-          <a:p>
-            <a:endParaRPr lang="hu-HU"/>
-          </a:p>
-        </p:txBody>
-      </p:sp>
+              <a:t>Next.js (</a:t>
+            </a:r>
+            <a:r>
+              <a:rPr lang="hu-HU" dirty="0" err="1"/>
+              <a:t>React</a:t>
+            </a:r>
+            <a:r>
+              <a:rPr lang="hu-HU" dirty="0"/>
+              <a:t> alapú)</a:t>
+            </a:r>
+          </a:p>
+          <a:p>
+            <a:r>
+              <a:rPr lang="hu-HU" dirty="0" err="1"/>
+              <a:t>Tailwind</a:t>
+            </a:r>
+            <a:r>
+              <a:rPr lang="hu-HU" dirty="0"/>
+              <a:t> CSS</a:t>
+            </a:r>
+          </a:p>
+          <a:p>
+            <a:r>
+              <a:rPr lang="hu-HU" dirty="0" err="1"/>
+              <a:t>React</a:t>
+            </a:r>
+            <a:r>
+              <a:rPr lang="hu-HU" dirty="0"/>
+              <a:t> </a:t>
+            </a:r>
+            <a:r>
+              <a:rPr lang="hu-HU" dirty="0" err="1"/>
+              <a:t>Hook</a:t>
+            </a:r>
+            <a:r>
+              <a:rPr lang="hu-HU" dirty="0"/>
+              <a:t> </a:t>
+            </a:r>
+            <a:r>
+              <a:rPr lang="hu-HU" dirty="0" err="1"/>
+              <a:t>Form</a:t>
+            </a:r>
+            <a:endParaRPr lang="hu-HU" dirty="0"/>
+          </a:p>
+          <a:p>
+            <a:r>
+              <a:rPr lang="hu-HU" dirty="0" err="1"/>
+              <a:t>Shadcn</a:t>
+            </a:r>
+            <a:r>
+              <a:rPr lang="hu-HU" dirty="0"/>
+              <a:t>/</a:t>
+            </a:r>
+            <a:r>
+              <a:rPr lang="hu-HU" dirty="0" err="1"/>
+              <a:t>ui</a:t>
+            </a:r>
+            <a:endParaRPr lang="hu-HU" dirty="0"/>
+          </a:p>
+        </p:txBody>
+      </p:sp>
+      <p:pic>
+        <p:nvPicPr>
+          <p:cNvPr id="7" name="Kép 6">
+            <a:extLst>
+              <a:ext uri="{FF2B5EF4-FFF2-40B4-BE49-F238E27FC236}">
+                <a16:creationId xmlns:a16="http://schemas.microsoft.com/office/drawing/2014/main" id="{F4340878-5338-C6D9-7832-3723B97DFCB9}"/>
+              </a:ext>
+            </a:extLst>
+          </p:cNvPr>
+          <p:cNvPicPr>
+            <a:picLocks noChangeAspect="1"/>
+          </p:cNvPicPr>
+          <p:nvPr/>
+        </p:nvPicPr>
+        <p:blipFill>
+          <a:blip r:embed="rId2"/>
+          <a:stretch>
+            <a:fillRect/>
+          </a:stretch>
+        </p:blipFill>
+        <p:spPr>
+          <a:xfrm>
+            <a:off x="9043862" y="504648"/>
+            <a:ext cx="2022768" cy="5672315"/>
+          </a:xfrm>
+          <a:prstGeom prst="rect">
+            <a:avLst/>
+          </a:prstGeom>
+        </p:spPr>
+      </p:pic>
+      <p:pic>
+        <p:nvPicPr>
+          <p:cNvPr id="11" name="Kép 10" descr="A képen fekete, sötétség látható&#10;&#10;Előfordulhat, hogy a mesterséges intelligencia által létrehozott tartalom helytelen.">
+            <a:extLst>
+              <a:ext uri="{FF2B5EF4-FFF2-40B4-BE49-F238E27FC236}">
+                <a16:creationId xmlns:a16="http://schemas.microsoft.com/office/drawing/2014/main" id="{57B8155C-9F2D-C6C1-90DE-BCAF2F2479C5}"/>
+              </a:ext>
+            </a:extLst>
+          </p:cNvPr>
+          <p:cNvPicPr>
+            <a:picLocks noChangeAspect="1"/>
+          </p:cNvPicPr>
+          <p:nvPr/>
+        </p:nvPicPr>
+        <p:blipFill>
+          <a:blip r:embed="rId3">
+            <a:extLst>
+              <a:ext uri="{28A0092B-C50C-407E-A947-70E740481C1C}">
+                <a14:useLocalDpi xmlns:a14="http://schemas.microsoft.com/office/drawing/2010/main" val="0"/>
+              </a:ext>
+            </a:extLst>
+          </a:blip>
+          <a:stretch>
+            <a:fillRect/>
+          </a:stretch>
+        </p:blipFill>
+        <p:spPr>
+          <a:xfrm>
+            <a:off x="1645755" y="4651513"/>
+            <a:ext cx="593862" cy="593862"/>
+          </a:xfrm>
+          <a:prstGeom prst="rect">
+            <a:avLst/>
+          </a:prstGeom>
+        </p:spPr>
+      </p:pic>
+      <p:pic>
+        <p:nvPicPr>
+          <p:cNvPr id="15" name="Kép 14" descr="A képen fekete, sötétség látható&#10;&#10;Előfordulhat, hogy a mesterséges intelligencia által létrehozott tartalom helytelen.">
+            <a:extLst>
+              <a:ext uri="{FF2B5EF4-FFF2-40B4-BE49-F238E27FC236}">
+                <a16:creationId xmlns:a16="http://schemas.microsoft.com/office/drawing/2014/main" id="{C8AEFEC6-F97E-B590-0B83-45861CF5F63F}"/>
+              </a:ext>
+            </a:extLst>
+          </p:cNvPr>
+          <p:cNvPicPr>
+            <a:picLocks noChangeAspect="1"/>
+          </p:cNvPicPr>
+          <p:nvPr/>
+        </p:nvPicPr>
+        <p:blipFill>
+          <a:blip r:embed="rId4">
+            <a:extLst>
+              <a:ext uri="{28A0092B-C50C-407E-A947-70E740481C1C}">
+                <a14:useLocalDpi xmlns:a14="http://schemas.microsoft.com/office/drawing/2010/main" val="0"/>
+              </a:ext>
+            </a:extLst>
+          </a:blip>
+          <a:stretch>
+            <a:fillRect/>
+          </a:stretch>
+        </p:blipFill>
+        <p:spPr>
+          <a:xfrm>
+            <a:off x="4822166" y="4408506"/>
+            <a:ext cx="3158955" cy="1903394"/>
+          </a:xfrm>
+          <a:prstGeom prst="rect">
+            <a:avLst/>
+          </a:prstGeom>
+        </p:spPr>
+      </p:pic>
+      <p:pic>
+        <p:nvPicPr>
+          <p:cNvPr id="17" name="Kép 16" descr="A képen Grafika, kör, Színesség, művészet látható&#10;&#10;Előfordulhat, hogy a mesterséges intelligencia által létrehozott tartalom helytelen.">
+            <a:extLst>
+              <a:ext uri="{FF2B5EF4-FFF2-40B4-BE49-F238E27FC236}">
+                <a16:creationId xmlns:a16="http://schemas.microsoft.com/office/drawing/2014/main" id="{0D15B893-BFE4-9FFA-85FB-4A7DFBF96E9A}"/>
+              </a:ext>
+            </a:extLst>
+          </p:cNvPr>
+          <p:cNvPicPr>
+            <a:picLocks noChangeAspect="1"/>
+          </p:cNvPicPr>
+          <p:nvPr/>
+        </p:nvPicPr>
+        <p:blipFill>
+          <a:blip r:embed="rId5">
+            <a:extLst>
+              <a:ext uri="{28A0092B-C50C-407E-A947-70E740481C1C}">
+                <a14:useLocalDpi xmlns:a14="http://schemas.microsoft.com/office/drawing/2010/main" val="0"/>
+              </a:ext>
+            </a:extLst>
+          </a:blip>
+          <a:stretch>
+            <a:fillRect/>
+          </a:stretch>
+        </p:blipFill>
+        <p:spPr>
+          <a:xfrm>
+            <a:off x="5305839" y="2693247"/>
+            <a:ext cx="1580322" cy="1580322"/>
+          </a:xfrm>
+          <a:prstGeom prst="rect">
+            <a:avLst/>
+          </a:prstGeom>
+        </p:spPr>
+      </p:pic>
+      <p:pic>
+        <p:nvPicPr>
+          <p:cNvPr id="19" name="Kép 18" descr="A képen Grafika, kreativitás, tervezés látható&#10;&#10;Előfordulhat, hogy a mesterséges intelligencia által létrehozott tartalom helytelen.">
+            <a:extLst>
+              <a:ext uri="{FF2B5EF4-FFF2-40B4-BE49-F238E27FC236}">
+                <a16:creationId xmlns:a16="http://schemas.microsoft.com/office/drawing/2014/main" id="{1D177354-7D5D-6BB8-CC31-202161E60B96}"/>
+              </a:ext>
+            </a:extLst>
+          </p:cNvPr>
+          <p:cNvPicPr>
+            <a:picLocks noChangeAspect="1"/>
+          </p:cNvPicPr>
+          <p:nvPr/>
+        </p:nvPicPr>
+        <p:blipFill>
+          <a:blip r:embed="rId6">
+            <a:extLst>
+              <a:ext uri="{28A0092B-C50C-407E-A947-70E740481C1C}">
+                <a14:useLocalDpi xmlns:a14="http://schemas.microsoft.com/office/drawing/2010/main" val="0"/>
+              </a:ext>
+            </a:extLst>
+          </a:blip>
+          <a:stretch>
+            <a:fillRect/>
+          </a:stretch>
+        </p:blipFill>
+        <p:spPr>
+          <a:xfrm>
+            <a:off x="5884906" y="607196"/>
+            <a:ext cx="2538537" cy="1552738"/>
+          </a:xfrm>
+          <a:prstGeom prst="rect">
+            <a:avLst/>
+          </a:prstGeom>
+        </p:spPr>
+      </p:pic>
     </p:spTree>
     <p:extLst>
       <p:ext uri="{BB962C8B-B14F-4D97-AF65-F5344CB8AC3E}">
@@ -6959,6 +8120,14 @@
 <file path=ppt/slides/slide8.xml><?xml version="1.0" encoding="utf-8"?>
 <p:sld xmlns:a="http://schemas.openxmlformats.org/drawingml/2006/main" xmlns:r="http://schemas.openxmlformats.org/officeDocument/2006/relationships" xmlns:p="http://schemas.openxmlformats.org/presentationml/2006/main">
   <p:cSld>
+    <p:bg>
+      <p:bgPr>
+        <a:solidFill>
+          <a:srgbClr val="EFF6FF"/>
+        </a:solidFill>
+        <a:effectLst/>
+      </p:bgPr>
+    </p:bg>
     <p:spTree>
       <p:nvGrpSpPr>
         <p:cNvPr id="1" name=""/>
@@ -7000,7 +8169,11 @@
           <a:lstStyle/>
           <a:p>
             <a:r>
-              <a:rPr lang="hu-HU" dirty="0"/>
+              <a:rPr lang="hu-HU" dirty="0">
+                <a:solidFill>
+                  <a:srgbClr val="145CFC"/>
+                </a:solidFill>
+              </a:rPr>
               <a:t>Adatbázis</a:t>
             </a:r>
           </a:p>
@@ -7128,7 +8301,7 @@
         </p:blipFill>
         <p:spPr bwMode="auto">
           <a:xfrm>
-            <a:off x="6591300" y="188662"/>
+            <a:off x="6372225" y="3824263"/>
             <a:ext cx="4762500" cy="2019300"/>
           </a:xfrm>
           <a:prstGeom prst="rect">
@@ -7144,6 +8317,42 @@
               </a14:hiddenFill>
             </a:ext>
           </a:extLst>
+        </p:spPr>
+      </p:pic>
+      <p:pic>
+        <p:nvPicPr>
+          <p:cNvPr id="5" name="Kép 4" descr="A képen Grafika, szimbólum, clipart, tervezés látható&#10;&#10;Előfordulhat, hogy a mesterséges intelligencia által létrehozott tartalom helytelen.">
+            <a:extLst>
+              <a:ext uri="{FF2B5EF4-FFF2-40B4-BE49-F238E27FC236}">
+                <a16:creationId xmlns:a16="http://schemas.microsoft.com/office/drawing/2014/main" id="{FA77F281-0C2F-A3A2-A889-DAFEEC6883BC}"/>
+              </a:ext>
+            </a:extLst>
+          </p:cNvPr>
+          <p:cNvPicPr>
+            <a:picLocks noChangeAspect="1"/>
+          </p:cNvPicPr>
+          <p:nvPr/>
+        </p:nvPicPr>
+        <p:blipFill>
+          <a:blip r:embed="rId3">
+            <a:extLst>
+              <a:ext uri="{28A0092B-C50C-407E-A947-70E740481C1C}">
+                <a14:useLocalDpi xmlns:a14="http://schemas.microsoft.com/office/drawing/2010/main" val="0"/>
+              </a:ext>
+            </a:extLst>
+          </a:blip>
+          <a:stretch>
+            <a:fillRect/>
+          </a:stretch>
+        </p:blipFill>
+        <p:spPr>
+          <a:xfrm>
+            <a:off x="9221579" y="0"/>
+            <a:ext cx="3311942" cy="2207961"/>
+          </a:xfrm>
+          <a:prstGeom prst="rect">
+            <a:avLst/>
+          </a:prstGeom>
         </p:spPr>
       </p:pic>
     </p:spTree>
@@ -7206,8 +8415,8 @@
         </p:blipFill>
         <p:spPr>
           <a:xfrm>
-            <a:off x="162738" y="205040"/>
-            <a:ext cx="11866524" cy="6447920"/>
+            <a:off x="-1" y="-1"/>
+            <a:ext cx="12192001" cy="6858001"/>
           </a:xfrm>
         </p:spPr>
       </p:pic>

--- a/Dokumentacio/Eloadas.pptx
+++ b/Dokumentacio/Eloadas.pptx
@@ -4061,7 +4061,7 @@
         </p:blipFill>
         <p:spPr bwMode="auto">
           <a:xfrm>
-            <a:off x="6615665" y="-390942"/>
+            <a:off x="8372058" y="-524293"/>
             <a:ext cx="3819942" cy="3819942"/>
           </a:xfrm>
           <a:prstGeom prst="rect">
@@ -4108,8 +4108,8 @@
         </p:blipFill>
         <p:spPr bwMode="auto">
           <a:xfrm>
-            <a:off x="6615665" y="3063875"/>
-            <a:ext cx="3429000" cy="3429000"/>
+            <a:off x="7514190" y="3562351"/>
+            <a:ext cx="2559050" cy="2559050"/>
           </a:xfrm>
           <a:prstGeom prst="rect">
             <a:avLst/>
@@ -5159,7 +5159,7 @@
         </p:blipFill>
         <p:spPr>
           <a:xfrm>
-            <a:off x="377688" y="4654458"/>
+            <a:off x="3178038" y="4748656"/>
             <a:ext cx="5214730" cy="1193684"/>
           </a:xfrm>
           <a:prstGeom prst="rect">
@@ -5195,8 +5195,8 @@
         </p:blipFill>
         <p:spPr>
           <a:xfrm>
-            <a:off x="6478604" y="396633"/>
-            <a:ext cx="3604661" cy="3604661"/>
+            <a:off x="6558788" y="163629"/>
+            <a:ext cx="2746617" cy="2746617"/>
           </a:xfrm>
           <a:prstGeom prst="rect">
             <a:avLst/>
@@ -5231,7 +5231,7 @@
         </p:blipFill>
         <p:spPr>
           <a:xfrm>
-            <a:off x="7782390" y="4460615"/>
+            <a:off x="8768281" y="3111742"/>
             <a:ext cx="3046031" cy="2233756"/>
           </a:xfrm>
           <a:prstGeom prst="rect">
@@ -5465,6 +5465,14 @@
 <file path=ppt/slides/slide2.xml><?xml version="1.0" encoding="utf-8"?>
 <p:sld xmlns:a="http://schemas.openxmlformats.org/drawingml/2006/main" xmlns:r="http://schemas.openxmlformats.org/officeDocument/2006/relationships" xmlns:p="http://schemas.openxmlformats.org/presentationml/2006/main">
   <p:cSld>
+    <p:bg>
+      <p:bgPr>
+        <a:solidFill>
+          <a:srgbClr val="EFF6FF"/>
+        </a:solidFill>
+        <a:effectLst/>
+      </p:bgPr>
+    </p:bg>
     <p:spTree>
       <p:nvGrpSpPr>
         <p:cNvPr id="1" name=""/>
@@ -5481,55 +5489,6 @@
       </p:grpSpPr>
       <p:sp>
         <p:nvSpPr>
-          <p:cNvPr id="6" name="Téglalap 5">
-            <a:extLst>
-              <a:ext uri="{FF2B5EF4-FFF2-40B4-BE49-F238E27FC236}">
-                <a16:creationId xmlns:a16="http://schemas.microsoft.com/office/drawing/2014/main" id="{BC279235-BB80-2621-AB21-348D3C6063F6}"/>
-              </a:ext>
-            </a:extLst>
-          </p:cNvPr>
-          <p:cNvSpPr/>
-          <p:nvPr/>
-        </p:nvSpPr>
-        <p:spPr>
-          <a:xfrm>
-            <a:off x="-1" y="0"/>
-            <a:ext cx="12192001" cy="3429000"/>
-          </a:xfrm>
-          <a:prstGeom prst="rect">
-            <a:avLst/>
-          </a:prstGeom>
-          <a:solidFill>
-            <a:srgbClr val="1758F2"/>
-          </a:solidFill>
-        </p:spPr>
-        <p:style>
-          <a:lnRef idx="2">
-            <a:schemeClr val="accent1">
-              <a:shade val="15000"/>
-            </a:schemeClr>
-          </a:lnRef>
-          <a:fillRef idx="1">
-            <a:schemeClr val="accent1"/>
-          </a:fillRef>
-          <a:effectRef idx="0">
-            <a:schemeClr val="accent1"/>
-          </a:effectRef>
-          <a:fontRef idx="minor">
-            <a:schemeClr val="lt1"/>
-          </a:fontRef>
-        </p:style>
-        <p:txBody>
-          <a:bodyPr rtlCol="0" anchor="ctr"/>
-          <a:lstStyle/>
-          <a:p>
-            <a:pPr algn="ctr"/>
-            <a:endParaRPr lang="hu-HU" dirty="0"/>
-          </a:p>
-        </p:txBody>
-      </p:sp>
-      <p:sp>
-        <p:nvSpPr>
           <p:cNvPr id="2" name="Cím 1">
             <a:extLst>
               <a:ext uri="{FF2B5EF4-FFF2-40B4-BE49-F238E27FC236}">
@@ -5550,7 +5509,7 @@
             <a:ext cx="10515600" cy="1325563"/>
           </a:xfrm>
           <a:solidFill>
-            <a:srgbClr val="1758F2"/>
+            <a:srgbClr val="EFF6FF"/>
           </a:solidFill>
         </p:spPr>
         <p:txBody>
@@ -5560,7 +5519,7 @@
             <a:r>
               <a:rPr lang="hu-HU" dirty="0">
                 <a:solidFill>
-                  <a:schemeClr val="bg1"/>
+                  <a:srgbClr val="145CFC"/>
                 </a:solidFill>
               </a:rPr>
               <a:t>A probléma</a:t>
@@ -5592,27 +5551,43 @@
         </p:spPr>
         <p:txBody>
           <a:bodyPr>
-            <a:normAutofit fontScale="85000" lnSpcReduction="10000"/>
+            <a:normAutofit/>
           </a:bodyPr>
           <a:lstStyle/>
           <a:p>
             <a:r>
-              <a:rPr lang="hu-HU" dirty="0"/>
+              <a:rPr lang="hu-HU" sz="2100" dirty="0"/>
               <a:t>A </a:t>
             </a:r>
             <a:r>
-              <a:rPr lang="hu-HU" b="1" dirty="0"/>
-              <a:t>TELOCK</a:t>
-            </a:r>
-            <a:r>
-              <a:rPr lang="hu-HU" dirty="0"/>
+              <a:rPr lang="hu-HU" sz="2100" dirty="0" err="1">
+                <a:solidFill>
+                  <a:srgbClr val="145CFC"/>
+                </a:solidFill>
+              </a:rPr>
+              <a:t>telock</a:t>
+            </a:r>
+            <a:r>
+              <a:rPr lang="hu-HU" sz="2100" dirty="0"/>
               <a:t> egy iskolák számára fejlesztett rendszer, amely webes vezérlőpultból és fizikai tárolókból áll, hogy szabályozza a tanulók mobiltelefon-használatát.</a:t>
             </a:r>
           </a:p>
           <a:p>
             <a:r>
-              <a:rPr lang="hu-HU" dirty="0"/>
-              <a:t>A rendszer lehetővé teszi a telefonok biztonságos elzárását és az iskolai dolgozók általi ellenőrzését, ezzel támogatva a 2024-es kormányrendelet betartását.</a:t>
+              <a:rPr lang="hu-HU" sz="2100" dirty="0"/>
+              <a:t>A rendszer lehetővé teszi a telefonok biztonságos elzárását és az iskolai dolgozók általi ellenőrzését, ezzel támogatva a </a:t>
+            </a:r>
+            <a:r>
+              <a:rPr lang="hu-HU" sz="2100" dirty="0">
+                <a:solidFill>
+                  <a:srgbClr val="2D6EFC"/>
+                </a:solidFill>
+              </a:rPr>
+              <a:t>2024-es kormányrendelet </a:t>
+            </a:r>
+            <a:r>
+              <a:rPr lang="hu-HU" sz="2100" dirty="0"/>
+              <a:t>betartását.</a:t>
             </a:r>
           </a:p>
           <a:p>
@@ -5668,7 +5643,11 @@
           </a:lstStyle>
           <a:p>
             <a:r>
-              <a:rPr lang="hu-HU" dirty="0"/>
+              <a:rPr lang="hu-HU" dirty="0">
+                <a:solidFill>
+                  <a:srgbClr val="145CFC"/>
+                </a:solidFill>
+              </a:rPr>
               <a:t>A megoldás</a:t>
             </a:r>
           </a:p>
@@ -5696,6 +5675,9 @@
           <a:prstGeom prst="rect">
             <a:avLst/>
           </a:prstGeom>
+          <a:solidFill>
+            <a:srgbClr val="EFF6FF"/>
+          </a:solidFill>
         </p:spPr>
         <p:txBody>
           <a:bodyPr vert="horz" lIns="91440" tIns="45720" rIns="91440" bIns="45720" rtlCol="0">
@@ -5867,32 +5849,44 @@
           </a:lstStyle>
           <a:p>
             <a:r>
+              <a:rPr lang="hu-HU" dirty="0"/>
+              <a:t>A tanulók órák alatti mobiltelefon-használata rontja a koncentrációt és a tanulmányi teljesítményt.</a:t>
+            </a:r>
+          </a:p>
+          <a:p>
+            <a:r>
               <a:rPr lang="hu-HU" dirty="0">
                 <a:solidFill>
+                  <a:srgbClr val="2D6EFC"/>
+                </a:solidFill>
+              </a:rPr>
+              <a:t>2024 szeptember 1-től </a:t>
+            </a:r>
+            <a:r>
+              <a:rPr lang="hu-HU" dirty="0"/>
+              <a:t>kormányrendelet írja elő, hogy a diákoknak tanítási idő alatt le kell adniuk a mobiltelefonjaikat.</a:t>
+            </a:r>
+          </a:p>
+          <a:p>
+            <a:r>
+              <a:rPr lang="hu-HU" dirty="0"/>
+              <a:t>Az iskoláknak szükségük van egy biztonságos, ellenőrizhető megoldásra a </a:t>
+            </a:r>
+            <a:r>
+              <a:rPr lang="hu-HU" dirty="0">
+                <a:solidFill>
+                  <a:srgbClr val="2D6EFC"/>
+                </a:solidFill>
+              </a:rPr>
+              <a:t>telefonok tárolására és kezelésére</a:t>
+            </a:r>
+            <a:r>
+              <a:rPr lang="hu-HU" dirty="0">
+                <a:solidFill>
                   <a:schemeClr val="bg1"/>
                 </a:solidFill>
               </a:rPr>
-              <a:t>A tanulók órák alatti mobiltelefon-használata rontja a koncentrációt és a tanulmányi teljesítményt.</a:t>
-            </a:r>
-          </a:p>
-          <a:p>
-            <a:r>
-              <a:rPr lang="hu-HU" dirty="0">
-                <a:solidFill>
-                  <a:schemeClr val="bg1"/>
-                </a:solidFill>
-              </a:rPr>
-              <a:t>2024 szeptember 1-től kormányrendelet írja elő, hogy a diákoknak tanítási idő alatt le kell adniuk a mobiltelefonjaikat.</a:t>
-            </a:r>
-          </a:p>
-          <a:p>
-            <a:r>
-              <a:rPr lang="hu-HU" dirty="0">
-                <a:solidFill>
-                  <a:schemeClr val="bg1"/>
-                </a:solidFill>
-              </a:rPr>
-              <a:t>Az iskoláknak szükségük van egy biztonságos, ellenőrizhető megoldásra a telefonok tárolására és kezelésére.</a:t>
+              <a:t>.</a:t>
             </a:r>
           </a:p>
         </p:txBody>
@@ -7692,7 +7686,7 @@
         <p:spPr>
           <a:xfrm>
             <a:off x="4170323" y="632776"/>
-            <a:ext cx="3158955" cy="1903394"/>
+            <a:ext cx="2826105" cy="1903394"/>
           </a:xfrm>
           <a:prstGeom prst="rect">
             <a:avLst/>
@@ -7727,7 +7721,7 @@
         </p:blipFill>
         <p:spPr>
           <a:xfrm>
-            <a:off x="7410335" y="5033229"/>
+            <a:off x="7819948" y="5033229"/>
             <a:ext cx="1314255" cy="1450905"/>
           </a:xfrm>
           <a:prstGeom prst="rect">
@@ -7763,7 +7757,7 @@
         </p:blipFill>
         <p:spPr>
           <a:xfrm>
-            <a:off x="9957723" y="1210607"/>
+            <a:off x="9957723" y="1027906"/>
             <a:ext cx="1946897" cy="1325563"/>
           </a:xfrm>
           <a:prstGeom prst="rect">
@@ -7988,8 +7982,8 @@
         </p:blipFill>
         <p:spPr>
           <a:xfrm>
-            <a:off x="1645755" y="4651513"/>
-            <a:ext cx="593862" cy="593862"/>
+            <a:off x="6453913" y="251537"/>
+            <a:ext cx="1552737" cy="1552737"/>
           </a:xfrm>
           <a:prstGeom prst="rect">
             <a:avLst/>
@@ -8024,7 +8018,7 @@
         </p:blipFill>
         <p:spPr>
           <a:xfrm>
-            <a:off x="4822166" y="4408506"/>
+            <a:off x="1356723" y="4408506"/>
             <a:ext cx="3158955" cy="1903394"/>
           </a:xfrm>
           <a:prstGeom prst="rect">
@@ -8060,7 +8054,7 @@
         </p:blipFill>
         <p:spPr>
           <a:xfrm>
-            <a:off x="5305839" y="2693247"/>
+            <a:off x="4515678" y="2193862"/>
             <a:ext cx="1580322" cy="1580322"/>
           </a:xfrm>
           <a:prstGeom prst="rect">
@@ -8096,7 +8090,7 @@
         </p:blipFill>
         <p:spPr>
           <a:xfrm>
-            <a:off x="5884906" y="607196"/>
+            <a:off x="5663964" y="4277358"/>
             <a:ext cx="2538537" cy="1552738"/>
           </a:xfrm>
           <a:prstGeom prst="rect">
@@ -8347,8 +8341,8 @@
         </p:blipFill>
         <p:spPr>
           <a:xfrm>
-            <a:off x="9221579" y="0"/>
-            <a:ext cx="3311942" cy="2207961"/>
+            <a:off x="8880058" y="266700"/>
+            <a:ext cx="3245267" cy="2207961"/>
           </a:xfrm>
           <a:prstGeom prst="rect">
             <a:avLst/>

--- a/Dokumentacio/Eloadas.pptx
+++ b/Dokumentacio/Eloadas.pptx
@@ -288,6 +288,11 @@
       </a:defRPr>
     </a:lvl9pPr>
   </p:defaultTextStyle>
+  <p:extLst>
+    <p:ext uri="{EFAFB233-063F-42B5-8137-9DF3F51BA10A}">
+      <p15:sldGuideLst xmlns:p15="http://schemas.microsoft.com/office/powerpoint/2012/main"/>
+    </p:ext>
+  </p:extLst>
 </p:presentation>
 </file>
 
@@ -2255,8 +2260,8 @@
         </p:nvSpPr>
         <p:spPr>
           <a:xfrm>
-            <a:off x="1143225" y="685800"/>
-            <a:ext cx="4572300" cy="3429000"/>
+            <a:off x="381000" y="685800"/>
+            <a:ext cx="6096000" cy="3429000"/>
           </a:xfrm>
           <a:custGeom>
             <a:avLst/>
@@ -14499,7 +14504,7 @@
               <a:buChar char="●"/>
             </a:pPr>
             <a:r>
-              <a:rPr lang="hu-HU" sz="2400">
+              <a:rPr lang="hu-HU" sz="2400" dirty="0" err="1">
                 <a:solidFill>
                   <a:schemeClr val="dk1"/>
                 </a:solidFill>
@@ -14510,7 +14515,7 @@
               </a:rPr>
               <a:t>Insomnia</a:t>
             </a:r>
-            <a:endParaRPr sz="2400">
+            <a:endParaRPr sz="2400" dirty="0">
               <a:solidFill>
                 <a:schemeClr val="dk1"/>
               </a:solidFill>
@@ -14539,7 +14544,7 @@
               <a:buChar char="●"/>
             </a:pPr>
             <a:r>
-              <a:rPr lang="hu-HU" sz="2400">
+              <a:rPr lang="hu-HU" sz="2400" dirty="0">
                 <a:solidFill>
                   <a:schemeClr val="dk1"/>
                 </a:solidFill>
@@ -14550,7 +14555,7 @@
               </a:rPr>
               <a:t>Minden API végpont ellenőrzése</a:t>
             </a:r>
-            <a:endParaRPr sz="2400">
+            <a:endParaRPr sz="2400" dirty="0">
               <a:solidFill>
                 <a:schemeClr val="dk1"/>
               </a:solidFill>
@@ -14579,7 +14584,7 @@
               <a:buChar char="●"/>
             </a:pPr>
             <a:r>
-              <a:rPr lang="hu-HU" sz="2400">
+              <a:rPr lang="hu-HU" sz="2400" dirty="0">
                 <a:solidFill>
                   <a:schemeClr val="dk1"/>
                 </a:solidFill>
@@ -14590,7 +14595,7 @@
               </a:rPr>
               <a:t>Tesztelés valós adatokkal</a:t>
             </a:r>
-            <a:endParaRPr sz="2400">
+            <a:endParaRPr sz="2400" dirty="0">
               <a:solidFill>
                 <a:schemeClr val="dk1"/>
               </a:solidFill>
@@ -14613,7 +14618,7 @@
               </a:spcAft>
               <a:buNone/>
             </a:pPr>
-            <a:endParaRPr sz="2800">
+            <a:endParaRPr sz="2800" dirty="0">
               <a:solidFill>
                 <a:schemeClr val="dk1"/>
               </a:solidFill>
@@ -14682,6 +14687,66 @@
           </a:p>
         </p:txBody>
       </p:sp>
+      <p:pic>
+        <p:nvPicPr>
+          <p:cNvPr id="2" name="Kép 1">
+            <a:extLst>
+              <a:ext uri="{FF2B5EF4-FFF2-40B4-BE49-F238E27FC236}">
+                <a16:creationId xmlns:a16="http://schemas.microsoft.com/office/drawing/2014/main" id="{AEF0CB88-BAC3-4647-B0BD-95A989718581}"/>
+              </a:ext>
+            </a:extLst>
+          </p:cNvPr>
+          <p:cNvPicPr>
+            <a:picLocks noChangeAspect="1"/>
+          </p:cNvPicPr>
+          <p:nvPr/>
+        </p:nvPicPr>
+        <p:blipFill>
+          <a:blip r:embed="rId3"/>
+          <a:stretch>
+            <a:fillRect/>
+          </a:stretch>
+        </p:blipFill>
+        <p:spPr>
+          <a:xfrm>
+            <a:off x="8238565" y="1885130"/>
+            <a:ext cx="3115235" cy="4433219"/>
+          </a:xfrm>
+          <a:prstGeom prst="rect">
+            <a:avLst/>
+          </a:prstGeom>
+        </p:spPr>
+      </p:pic>
+      <p:pic>
+        <p:nvPicPr>
+          <p:cNvPr id="3" name="Kép 2">
+            <a:extLst>
+              <a:ext uri="{FF2B5EF4-FFF2-40B4-BE49-F238E27FC236}">
+                <a16:creationId xmlns:a16="http://schemas.microsoft.com/office/drawing/2014/main" id="{C2D2C716-C85B-409C-91A1-5617DEA26629}"/>
+              </a:ext>
+            </a:extLst>
+          </p:cNvPr>
+          <p:cNvPicPr>
+            <a:picLocks noChangeAspect="1"/>
+          </p:cNvPicPr>
+          <p:nvPr/>
+        </p:nvPicPr>
+        <p:blipFill>
+          <a:blip r:embed="rId4"/>
+          <a:stretch>
+            <a:fillRect/>
+          </a:stretch>
+        </p:blipFill>
+        <p:spPr>
+          <a:xfrm>
+            <a:off x="5172633" y="3348006"/>
+            <a:ext cx="2778440" cy="2970343"/>
+          </a:xfrm>
+          <a:prstGeom prst="rect">
+            <a:avLst/>
+          </a:prstGeom>
+        </p:spPr>
+      </p:pic>
     </p:spTree>
   </p:cSld>
   <p:clrMapOvr>

--- a/Dokumentacio/Eloadas.pptx
+++ b/Dokumentacio/Eloadas.pptx
@@ -1012,8 +1012,8 @@
         </p:nvSpPr>
         <p:spPr>
           <a:xfrm>
-            <a:off x="1143225" y="685800"/>
-            <a:ext cx="4572225" cy="3429000"/>
+            <a:off x="381000" y="685800"/>
+            <a:ext cx="6096000" cy="3429000"/>
           </a:xfrm>
           <a:custGeom>
             <a:avLst/>
@@ -9025,7 +9025,7 @@
         </p:blipFill>
         <p:spPr>
           <a:xfrm>
-            <a:off x="-1" y="-1"/>
+            <a:off x="0" y="0"/>
             <a:ext cx="12192000" cy="6858000"/>
           </a:xfrm>
           <a:prstGeom prst="rect">
@@ -9170,7 +9170,7 @@
               <a:buChar char="●"/>
             </a:pPr>
             <a:r>
-              <a:rPr lang="hu-HU">
+              <a:rPr lang="hu-HU" dirty="0" err="1">
                 <a:solidFill>
                   <a:schemeClr val="dk1"/>
                 </a:solidFill>
@@ -9179,9 +9179,33 @@
                 <a:cs typeface="Roboto Light"/>
                 <a:sym typeface="Roboto Light"/>
               </a:rPr>
-              <a:t>Arduino Uno</a:t>
+              <a:t>Arduino</a:t>
             </a:r>
-            <a:endParaRPr>
+            <a:r>
+              <a:rPr lang="hu-HU" dirty="0">
+                <a:solidFill>
+                  <a:schemeClr val="dk1"/>
+                </a:solidFill>
+                <a:latin typeface="Roboto Light"/>
+                <a:ea typeface="Roboto Light"/>
+                <a:cs typeface="Roboto Light"/>
+                <a:sym typeface="Roboto Light"/>
+              </a:rPr>
+              <a:t> </a:t>
+            </a:r>
+            <a:r>
+              <a:rPr lang="hu-HU" dirty="0" err="1">
+                <a:solidFill>
+                  <a:schemeClr val="dk1"/>
+                </a:solidFill>
+                <a:latin typeface="Roboto Light"/>
+                <a:ea typeface="Roboto Light"/>
+                <a:cs typeface="Roboto Light"/>
+                <a:sym typeface="Roboto Light"/>
+              </a:rPr>
+              <a:t>Uno</a:t>
+            </a:r>
+            <a:endParaRPr dirty="0">
               <a:solidFill>
                 <a:schemeClr val="dk1"/>
               </a:solidFill>
@@ -9207,7 +9231,7 @@
               <a:buChar char="●"/>
             </a:pPr>
             <a:r>
-              <a:rPr lang="hu-HU">
+              <a:rPr lang="hu-HU" dirty="0">
                 <a:solidFill>
                   <a:schemeClr val="dk1"/>
                 </a:solidFill>
@@ -9218,7 +9242,7 @@
               </a:rPr>
               <a:t>RFID olvasó + kártyák/biléták  </a:t>
             </a:r>
-            <a:endParaRPr>
+            <a:endParaRPr dirty="0">
               <a:solidFill>
                 <a:schemeClr val="dk1"/>
               </a:solidFill>
@@ -9244,7 +9268,7 @@
               <a:buChar char="●"/>
             </a:pPr>
             <a:r>
-              <a:rPr lang="hu-HU">
+              <a:rPr lang="hu-HU" dirty="0" err="1">
                 <a:solidFill>
                   <a:schemeClr val="dk1"/>
                 </a:solidFill>
@@ -9253,9 +9277,45 @@
                 <a:cs typeface="Roboto Light"/>
                 <a:sym typeface="Roboto Light"/>
               </a:rPr>
-              <a:t>Szolenoid zárak  </a:t>
+              <a:t>Szolenoid</a:t>
             </a:r>
-            <a:endParaRPr>
+            <a:r>
+              <a:rPr lang="hu-HU" dirty="0">
+                <a:solidFill>
+                  <a:schemeClr val="dk1"/>
+                </a:solidFill>
+                <a:latin typeface="Roboto Light"/>
+                <a:ea typeface="Roboto Light"/>
+                <a:cs typeface="Roboto Light"/>
+                <a:sym typeface="Roboto Light"/>
+              </a:rPr>
+              <a:t> </a:t>
+            </a:r>
+            <a:r>
+              <a:rPr lang="hu-HU" dirty="0" err="1">
+                <a:solidFill>
+                  <a:schemeClr val="dk1"/>
+                </a:solidFill>
+                <a:latin typeface="Roboto Light"/>
+                <a:ea typeface="Roboto Light"/>
+                <a:cs typeface="Roboto Light"/>
+                <a:sym typeface="Roboto Light"/>
+              </a:rPr>
+              <a:t>zárak</a:t>
+            </a:r>
+            <a:r>
+              <a:rPr lang="hu-HU" dirty="0">
+                <a:solidFill>
+                  <a:schemeClr val="dk1"/>
+                </a:solidFill>
+                <a:latin typeface="Roboto Light"/>
+                <a:ea typeface="Roboto Light"/>
+                <a:cs typeface="Roboto Light"/>
+                <a:sym typeface="Roboto Light"/>
+              </a:rPr>
+              <a:t>  </a:t>
+            </a:r>
+            <a:endParaRPr dirty="0">
               <a:solidFill>
                 <a:schemeClr val="dk1"/>
               </a:solidFill>
@@ -9281,7 +9341,7 @@
               <a:buChar char="●"/>
             </a:pPr>
             <a:r>
-              <a:rPr lang="hu-HU">
+              <a:rPr lang="hu-HU" dirty="0">
                 <a:solidFill>
                   <a:schemeClr val="dk1"/>
                 </a:solidFill>
@@ -9292,7 +9352,7 @@
               </a:rPr>
               <a:t>Tápegység </a:t>
             </a:r>
-            <a:endParaRPr>
+            <a:endParaRPr dirty="0">
               <a:solidFill>
                 <a:schemeClr val="dk1"/>
               </a:solidFill>
@@ -9318,7 +9378,7 @@
               <a:buChar char="●"/>
             </a:pPr>
             <a:r>
-              <a:rPr lang="hu-HU">
+              <a:rPr lang="hu-HU" dirty="0">
                 <a:solidFill>
                   <a:schemeClr val="dk1"/>
                 </a:solidFill>
@@ -9329,7 +9389,7 @@
               </a:rPr>
               <a:t>Relék </a:t>
             </a:r>
-            <a:endParaRPr>
+            <a:endParaRPr dirty="0">
               <a:solidFill>
                 <a:schemeClr val="dk1"/>
               </a:solidFill>
@@ -9355,7 +9415,7 @@
               <a:buChar char="●"/>
             </a:pPr>
             <a:r>
-              <a:rPr lang="hu-HU">
+              <a:rPr lang="hu-HU" dirty="0">
                 <a:solidFill>
                   <a:schemeClr val="dk1"/>
                 </a:solidFill>
@@ -9364,9 +9424,37 @@
                 <a:cs typeface="Roboto Light"/>
                 <a:sym typeface="Roboto Light"/>
               </a:rPr>
-              <a:t>Ethernet modul  3</a:t>
+              <a:t>Ethernet modul  </a:t>
             </a:r>
-            <a:endParaRPr>
+          </a:p>
+          <a:p>
+            <a:pPr marL="457200" lvl="0" indent="-342900" algn="l" rtl="0">
+              <a:lnSpc>
+                <a:spcPct val="115000"/>
+              </a:lnSpc>
+              <a:spcBef>
+                <a:spcPts val="0"/>
+              </a:spcBef>
+              <a:spcAft>
+                <a:spcPts val="0"/>
+              </a:spcAft>
+              <a:buSzPts val="1800"/>
+              <a:buFont typeface="Roboto Light"/>
+              <a:buChar char="●"/>
+            </a:pPr>
+            <a:r>
+              <a:rPr lang="hu-HU" dirty="0">
+                <a:solidFill>
+                  <a:schemeClr val="dk1"/>
+                </a:solidFill>
+                <a:latin typeface="Roboto Light"/>
+                <a:ea typeface="Roboto Light"/>
+                <a:cs typeface="Roboto Light"/>
+                <a:sym typeface="Roboto Light"/>
+              </a:rPr>
+              <a:t>3D nyomtatott telefontárolók</a:t>
+            </a:r>
+            <a:endParaRPr dirty="0">
               <a:solidFill>
                 <a:schemeClr val="dk1"/>
               </a:solidFill>
@@ -9377,33 +9465,19 @@
             </a:endParaRPr>
           </a:p>
           <a:p>
-            <a:pPr marL="457200" lvl="0" indent="-342900" algn="l" rtl="0">
+            <a:pPr marL="0" lvl="0" indent="0" algn="l" rtl="0">
               <a:lnSpc>
                 <a:spcPct val="115000"/>
               </a:lnSpc>
               <a:spcBef>
-                <a:spcPts val="0"/>
-              </a:spcBef>
-              <a:spcAft>
-                <a:spcPts val="0"/>
-              </a:spcAft>
-              <a:buSzPts val="1800"/>
-              <a:buFont typeface="Roboto Light"/>
-              <a:buChar char="●"/>
-            </a:pPr>
-            <a:r>
-              <a:rPr lang="hu-HU">
-                <a:solidFill>
-                  <a:schemeClr val="dk1"/>
-                </a:solidFill>
-                <a:latin typeface="Roboto Light"/>
-                <a:ea typeface="Roboto Light"/>
-                <a:cs typeface="Roboto Light"/>
-                <a:sym typeface="Roboto Light"/>
-              </a:rPr>
-              <a:t>D nyomtatott telefontárolók</a:t>
-            </a:r>
-            <a:endParaRPr>
+                <a:spcPts val="1600"/>
+              </a:spcBef>
+              <a:spcAft>
+                <a:spcPts val="0"/>
+              </a:spcAft>
+              <a:buNone/>
+            </a:pPr>
+            <a:endParaRPr dirty="0">
               <a:solidFill>
                 <a:schemeClr val="dk1"/>
               </a:solidFill>
@@ -9414,29 +9488,6 @@
             </a:endParaRPr>
           </a:p>
           <a:p>
-            <a:pPr marL="0" lvl="0" indent="0" algn="l" rtl="0">
-              <a:lnSpc>
-                <a:spcPct val="115000"/>
-              </a:lnSpc>
-              <a:spcBef>
-                <a:spcPts val="1600"/>
-              </a:spcBef>
-              <a:spcAft>
-                <a:spcPts val="0"/>
-              </a:spcAft>
-              <a:buNone/>
-            </a:pPr>
-            <a:endParaRPr>
-              <a:solidFill>
-                <a:schemeClr val="dk1"/>
-              </a:solidFill>
-              <a:latin typeface="Roboto Light"/>
-              <a:ea typeface="Roboto Light"/>
-              <a:cs typeface="Roboto Light"/>
-              <a:sym typeface="Roboto Light"/>
-            </a:endParaRPr>
-          </a:p>
-          <a:p>
             <a:pPr marL="457200" lvl="0" indent="0" algn="l" rtl="0">
               <a:lnSpc>
                 <a:spcPct val="100000"/>
@@ -9449,7 +9500,7 @@
               </a:spcAft>
               <a:buNone/>
             </a:pPr>
-            <a:endParaRPr/>
+            <a:endParaRPr dirty="0"/>
           </a:p>
           <a:p>
             <a:pPr marL="457200" lvl="0" indent="0" algn="l" rtl="0">
@@ -9464,7 +9515,7 @@
               </a:spcAft>
               <a:buNone/>
             </a:pPr>
-            <a:endParaRPr/>
+            <a:endParaRPr dirty="0"/>
           </a:p>
         </p:txBody>
       </p:sp>
@@ -11919,7 +11970,7 @@
         </p:blipFill>
         <p:spPr>
           <a:xfrm>
-            <a:off x="5529352" y="4796050"/>
+            <a:off x="6156884" y="4796050"/>
             <a:ext cx="1325597" cy="1325574"/>
           </a:xfrm>
           <a:prstGeom prst="rect">
@@ -12062,8 +12113,8 @@
         </p:blipFill>
         <p:spPr>
           <a:xfrm>
-            <a:off x="7194650" y="3059550"/>
-            <a:ext cx="4159150" cy="3062075"/>
+            <a:off x="7692389" y="3487837"/>
+            <a:ext cx="3553833" cy="2616425"/>
           </a:xfrm>
           <a:prstGeom prst="rect">
             <a:avLst/>
@@ -15101,7 +15152,7 @@
         </p:blipFill>
         <p:spPr>
           <a:xfrm>
-            <a:off x="4815604" y="4948100"/>
+            <a:off x="4528734" y="4948100"/>
             <a:ext cx="1989970" cy="1199025"/>
           </a:xfrm>
           <a:prstGeom prst="rect">

--- a/Dokumentacio/Eloadas.pptx
+++ b/Dokumentacio/Eloadas.pptx
@@ -15293,7 +15293,7 @@
               <a:buChar char="●"/>
             </a:pPr>
             <a:r>
-              <a:rPr lang="hu-HU">
+              <a:rPr lang="hu-HU" dirty="0">
                 <a:solidFill>
                   <a:schemeClr val="dk1"/>
                 </a:solidFill>
@@ -15304,7 +15304,7 @@
               </a:rPr>
               <a:t>Reszponzív design</a:t>
             </a:r>
-            <a:endParaRPr>
+            <a:endParaRPr dirty="0">
               <a:solidFill>
                 <a:schemeClr val="dk1"/>
               </a:solidFill>
@@ -15330,7 +15330,7 @@
               <a:buChar char="●"/>
             </a:pPr>
             <a:r>
-              <a:rPr lang="hu-HU">
+              <a:rPr lang="hu-HU" dirty="0">
                 <a:solidFill>
                   <a:schemeClr val="dk1"/>
                 </a:solidFill>
@@ -15341,7 +15341,7 @@
               </a:rPr>
               <a:t>Mobil- és asztali nézet</a:t>
             </a:r>
-            <a:endParaRPr>
+            <a:endParaRPr dirty="0">
               <a:solidFill>
                 <a:schemeClr val="dk1"/>
               </a:solidFill>
@@ -15367,7 +15367,7 @@
               <a:buChar char="●"/>
             </a:pPr>
             <a:r>
-              <a:rPr lang="hu-HU">
+              <a:rPr lang="hu-HU" dirty="0">
                 <a:solidFill>
                   <a:schemeClr val="dk1"/>
                 </a:solidFill>
@@ -15378,7 +15378,7 @@
               </a:rPr>
               <a:t>Tesztelés valós adatokkal</a:t>
             </a:r>
-            <a:endParaRPr>
+            <a:endParaRPr dirty="0">
               <a:solidFill>
                 <a:schemeClr val="dk1"/>
               </a:solidFill>
@@ -15404,7 +15404,7 @@
               <a:buChar char="●"/>
             </a:pPr>
             <a:r>
-              <a:rPr lang="hu-HU">
+              <a:rPr lang="hu-HU" dirty="0">
                 <a:solidFill>
                   <a:schemeClr val="dk1"/>
                 </a:solidFill>
@@ -15415,7 +15415,7 @@
               </a:rPr>
               <a:t>Egységes élmény</a:t>
             </a:r>
-            <a:endParaRPr>
+            <a:endParaRPr dirty="0">
               <a:solidFill>
                 <a:schemeClr val="dk1"/>
               </a:solidFill>
@@ -15438,7 +15438,7 @@
               </a:spcAft>
               <a:buNone/>
             </a:pPr>
-            <a:endParaRPr/>
+            <a:endParaRPr dirty="0"/>
           </a:p>
           <a:p>
             <a:pPr marL="457200" lvl="0" indent="0" algn="l" rtl="0">
@@ -15453,7 +15453,7 @@
               </a:spcAft>
               <a:buNone/>
             </a:pPr>
-            <a:endParaRPr/>
+            <a:endParaRPr dirty="0"/>
           </a:p>
         </p:txBody>
       </p:sp>
@@ -15824,6 +15824,123 @@
               <a:buChar char="●"/>
             </a:pPr>
             <a:r>
+              <a:rPr lang="hu-HU" sz="2400" dirty="0" err="1">
+                <a:solidFill>
+                  <a:schemeClr val="dk1"/>
+                </a:solidFill>
+                <a:latin typeface="Roboto Light"/>
+                <a:ea typeface="Roboto Light"/>
+                <a:cs typeface="Roboto Light"/>
+                <a:sym typeface="Roboto Light"/>
+              </a:rPr>
+              <a:t>Playwright</a:t>
+            </a:r>
+            <a:r>
+              <a:rPr lang="hu-HU" sz="2400" dirty="0">
+                <a:solidFill>
+                  <a:schemeClr val="dk1"/>
+                </a:solidFill>
+                <a:latin typeface="Roboto Light"/>
+                <a:ea typeface="Roboto Light"/>
+                <a:cs typeface="Roboto Light"/>
+                <a:sym typeface="Roboto Light"/>
+              </a:rPr>
+              <a:t> használata</a:t>
+            </a:r>
+            <a:endParaRPr sz="2400" dirty="0">
+              <a:solidFill>
+                <a:schemeClr val="dk1"/>
+              </a:solidFill>
+              <a:latin typeface="Roboto Light"/>
+              <a:ea typeface="Roboto Light"/>
+              <a:cs typeface="Roboto Light"/>
+              <a:sym typeface="Roboto Light"/>
+            </a:endParaRPr>
+          </a:p>
+          <a:p>
+            <a:pPr marL="457200" lvl="0" indent="-381000" algn="l" rtl="0">
+              <a:lnSpc>
+                <a:spcPct val="115000"/>
+              </a:lnSpc>
+              <a:spcBef>
+                <a:spcPts val="0"/>
+              </a:spcBef>
+              <a:spcAft>
+                <a:spcPts val="0"/>
+              </a:spcAft>
+              <a:buClr>
+                <a:schemeClr val="dk1"/>
+              </a:buClr>
+              <a:buSzPts val="2400"/>
+              <a:buFont typeface="Roboto Light"/>
+              <a:buChar char="●"/>
+            </a:pPr>
+            <a:r>
+              <a:rPr lang="hu-HU" sz="2400" dirty="0">
+                <a:solidFill>
+                  <a:schemeClr val="dk1"/>
+                </a:solidFill>
+                <a:latin typeface="Roboto Light"/>
+                <a:ea typeface="Roboto Light"/>
+                <a:cs typeface="Roboto Light"/>
+                <a:sym typeface="Roboto Light"/>
+              </a:rPr>
+              <a:t>Fő funkciók tesztelése</a:t>
+            </a:r>
+            <a:endParaRPr sz="2400" dirty="0">
+              <a:solidFill>
+                <a:schemeClr val="dk1"/>
+              </a:solidFill>
+              <a:latin typeface="Roboto Light"/>
+              <a:ea typeface="Roboto Light"/>
+              <a:cs typeface="Roboto Light"/>
+              <a:sym typeface="Roboto Light"/>
+            </a:endParaRPr>
+          </a:p>
+          <a:p>
+            <a:pPr marL="457200" lvl="0" indent="-381000" algn="l" rtl="0">
+              <a:lnSpc>
+                <a:spcPct val="115000"/>
+              </a:lnSpc>
+              <a:spcBef>
+                <a:spcPts val="0"/>
+              </a:spcBef>
+              <a:spcAft>
+                <a:spcPts val="0"/>
+              </a:spcAft>
+              <a:buClr>
+                <a:schemeClr val="dk1"/>
+              </a:buClr>
+              <a:buSzPts val="2400"/>
+              <a:buFont typeface="Roboto Light"/>
+              <a:buChar char="●"/>
+            </a:pPr>
+            <a:r>
+              <a:rPr lang="hu-HU" sz="2400" dirty="0">
+                <a:solidFill>
+                  <a:schemeClr val="dk1"/>
+                </a:solidFill>
+                <a:latin typeface="Roboto Light"/>
+                <a:ea typeface="Roboto Light"/>
+                <a:cs typeface="Roboto Light"/>
+                <a:sym typeface="Roboto Light"/>
+              </a:rPr>
+              <a:t>Megjelenés ellenőrzése</a:t>
+            </a:r>
+          </a:p>
+          <a:p>
+            <a:pPr marL="457200" indent="-381000">
+              <a:lnSpc>
+                <a:spcPct val="115000"/>
+              </a:lnSpc>
+              <a:buClr>
+                <a:schemeClr val="dk1"/>
+              </a:buClr>
+              <a:buSzPts val="2400"/>
+              <a:buFont typeface="Roboto Light"/>
+              <a:buChar char="●"/>
+            </a:pPr>
+            <a:r>
               <a:rPr lang="hu-HU" sz="2400">
                 <a:solidFill>
                   <a:schemeClr val="dk1"/>
@@ -15833,7 +15950,7 @@
                 <a:cs typeface="Roboto Light"/>
                 <a:sym typeface="Roboto Light"/>
               </a:rPr>
-              <a:t>Playwright használata</a:t>
+              <a:t>Tesztelés valós adatokkal</a:t>
             </a:r>
             <a:endParaRPr sz="2400">
               <a:solidFill>
@@ -15846,86 +15963,6 @@
             </a:endParaRPr>
           </a:p>
           <a:p>
-            <a:pPr marL="457200" lvl="0" indent="-381000" algn="l" rtl="0">
-              <a:lnSpc>
-                <a:spcPct val="115000"/>
-              </a:lnSpc>
-              <a:spcBef>
-                <a:spcPts val="0"/>
-              </a:spcBef>
-              <a:spcAft>
-                <a:spcPts val="0"/>
-              </a:spcAft>
-              <a:buClr>
-                <a:schemeClr val="dk1"/>
-              </a:buClr>
-              <a:buSzPts val="2400"/>
-              <a:buFont typeface="Roboto Light"/>
-              <a:buChar char="●"/>
-            </a:pPr>
-            <a:r>
-              <a:rPr lang="hu-HU" sz="2400">
-                <a:solidFill>
-                  <a:schemeClr val="dk1"/>
-                </a:solidFill>
-                <a:latin typeface="Roboto Light"/>
-                <a:ea typeface="Roboto Light"/>
-                <a:cs typeface="Roboto Light"/>
-                <a:sym typeface="Roboto Light"/>
-              </a:rPr>
-              <a:t>Fő funkciók tesztelése</a:t>
-            </a:r>
-            <a:endParaRPr sz="2400">
-              <a:solidFill>
-                <a:schemeClr val="dk1"/>
-              </a:solidFill>
-              <a:latin typeface="Roboto Light"/>
-              <a:ea typeface="Roboto Light"/>
-              <a:cs typeface="Roboto Light"/>
-              <a:sym typeface="Roboto Light"/>
-            </a:endParaRPr>
-          </a:p>
-          <a:p>
-            <a:pPr marL="457200" lvl="0" indent="-381000" algn="l" rtl="0">
-              <a:lnSpc>
-                <a:spcPct val="115000"/>
-              </a:lnSpc>
-              <a:spcBef>
-                <a:spcPts val="0"/>
-              </a:spcBef>
-              <a:spcAft>
-                <a:spcPts val="0"/>
-              </a:spcAft>
-              <a:buClr>
-                <a:schemeClr val="dk1"/>
-              </a:buClr>
-              <a:buSzPts val="2400"/>
-              <a:buFont typeface="Roboto Light"/>
-              <a:buChar char="●"/>
-            </a:pPr>
-            <a:r>
-              <a:rPr lang="hu-HU" sz="2400">
-                <a:solidFill>
-                  <a:schemeClr val="dk1"/>
-                </a:solidFill>
-                <a:latin typeface="Roboto Light"/>
-                <a:ea typeface="Roboto Light"/>
-                <a:cs typeface="Roboto Light"/>
-                <a:sym typeface="Roboto Light"/>
-              </a:rPr>
-              <a:t>Megjelenés ellenőrzése</a:t>
-            </a:r>
-            <a:endParaRPr sz="2400">
-              <a:solidFill>
-                <a:schemeClr val="dk1"/>
-              </a:solidFill>
-              <a:latin typeface="Roboto Light"/>
-              <a:ea typeface="Roboto Light"/>
-              <a:cs typeface="Roboto Light"/>
-              <a:sym typeface="Roboto Light"/>
-            </a:endParaRPr>
-          </a:p>
-          <a:p>
             <a:pPr marL="457200" marR="0" lvl="0" indent="0" algn="l" rtl="0">
               <a:lnSpc>
                 <a:spcPct val="90000"/>
@@ -15938,7 +15975,7 @@
               </a:spcAft>
               <a:buNone/>
             </a:pPr>
-            <a:endParaRPr sz="2800">
+            <a:endParaRPr sz="2800" dirty="0">
               <a:solidFill>
                 <a:schemeClr val="dk1"/>
               </a:solidFill>

--- a/Dokumentacio/Eloadas.pptx
+++ b/Dokumentacio/Eloadas.pptx
@@ -804,8 +804,8 @@
         </p:nvSpPr>
         <p:spPr>
           <a:xfrm>
-            <a:off x="1143225" y="685800"/>
-            <a:ext cx="4572225" cy="3429000"/>
+            <a:off x="381000" y="685800"/>
+            <a:ext cx="6096000" cy="3429000"/>
           </a:xfrm>
           <a:custGeom>
             <a:avLst/>
@@ -1324,8 +1324,8 @@
         </p:nvSpPr>
         <p:spPr>
           <a:xfrm>
-            <a:off x="1143225" y="685800"/>
-            <a:ext cx="4572300" cy="3429000"/>
+            <a:off x="381000" y="685800"/>
+            <a:ext cx="6096000" cy="3429000"/>
           </a:xfrm>
           <a:custGeom>
             <a:avLst/>
@@ -1428,8 +1428,8 @@
         </p:nvSpPr>
         <p:spPr>
           <a:xfrm>
-            <a:off x="1143225" y="685800"/>
-            <a:ext cx="4572300" cy="3429000"/>
+            <a:off x="381000" y="685800"/>
+            <a:ext cx="6096000" cy="3429000"/>
           </a:xfrm>
           <a:custGeom>
             <a:avLst/>
@@ -1948,8 +1948,8 @@
         </p:nvSpPr>
         <p:spPr>
           <a:xfrm>
-            <a:off x="1143225" y="685800"/>
-            <a:ext cx="4572225" cy="3429000"/>
+            <a:off x="381000" y="685800"/>
+            <a:ext cx="6096000" cy="3429000"/>
           </a:xfrm>
           <a:custGeom>
             <a:avLst/>
@@ -2052,8 +2052,8 @@
         </p:nvSpPr>
         <p:spPr>
           <a:xfrm>
-            <a:off x="1143225" y="685800"/>
-            <a:ext cx="4572225" cy="3429000"/>
+            <a:off x="381000" y="685800"/>
+            <a:ext cx="6096000" cy="3429000"/>
           </a:xfrm>
           <a:custGeom>
             <a:avLst/>
@@ -8262,7 +8262,7 @@
               <a:buNone/>
             </a:pPr>
             <a:r>
-              <a:rPr lang="hu-HU" sz="1700">
+              <a:rPr lang="hu-HU" sz="1700" dirty="0">
                 <a:solidFill>
                   <a:schemeClr val="dk1"/>
                 </a:solidFill>
@@ -8273,7 +8273,7 @@
               </a:rPr>
               <a:t>Kiskunfélegyházi Szent Benedek PG Két Tanítási Nyelvű Technikum és Kollégium</a:t>
             </a:r>
-            <a:endParaRPr sz="1700">
+            <a:endParaRPr sz="1700" dirty="0">
               <a:solidFill>
                 <a:schemeClr val="dk1"/>
               </a:solidFill>
@@ -8293,7 +8293,7 @@
         </p:nvSpPr>
         <p:spPr>
           <a:xfrm>
-            <a:off x="7180450" y="4571250"/>
+            <a:off x="7180450" y="4616075"/>
             <a:ext cx="4879500" cy="1297500"/>
           </a:xfrm>
           <a:prstGeom prst="rect">
@@ -8320,7 +8320,7 @@
               <a:buNone/>
             </a:pPr>
             <a:r>
-              <a:rPr lang="hu-HU" sz="1700">
+              <a:rPr lang="hu-HU" sz="1700" dirty="0">
                 <a:solidFill>
                   <a:schemeClr val="dk1"/>
                 </a:solidFill>
@@ -8331,7 +8331,7 @@
               </a:rPr>
               <a:t>Kiskunfélegyháza, Kossuth Lajos u. 24</a:t>
             </a:r>
-            <a:endParaRPr sz="1700">
+            <a:endParaRPr sz="1700" dirty="0">
               <a:solidFill>
                 <a:schemeClr val="dk1"/>
               </a:solidFill>
@@ -8352,7 +8352,7 @@
               <a:buNone/>
             </a:pPr>
             <a:r>
-              <a:rPr lang="hu-HU" sz="1700">
+              <a:rPr lang="hu-HU" sz="1700" dirty="0">
                 <a:solidFill>
                   <a:schemeClr val="dk1"/>
                 </a:solidFill>
@@ -8363,7 +8363,7 @@
               </a:rPr>
               <a:t>OM: 203365 </a:t>
             </a:r>
-            <a:endParaRPr sz="1700">
+            <a:endParaRPr sz="1700" dirty="0">
               <a:solidFill>
                 <a:schemeClr val="dk1"/>
               </a:solidFill>
@@ -8384,7 +8384,7 @@
               <a:buNone/>
             </a:pPr>
             <a:r>
-              <a:rPr lang="hu-HU" sz="1700">
+              <a:rPr lang="hu-HU" sz="1700" dirty="0">
                 <a:solidFill>
                   <a:schemeClr val="dk1"/>
                 </a:solidFill>
@@ -8395,7 +8395,7 @@
               </a:rPr>
               <a:t>+36 76462 332 </a:t>
             </a:r>
-            <a:endParaRPr sz="1700">
+            <a:endParaRPr sz="1700" dirty="0">
               <a:solidFill>
                 <a:schemeClr val="dk1"/>
               </a:solidFill>
@@ -8421,7 +8421,7 @@
               <a:buNone/>
             </a:pPr>
             <a:r>
-              <a:rPr lang="hu-HU" sz="1700">
+              <a:rPr lang="hu-HU" sz="1700" dirty="0">
                 <a:solidFill>
                   <a:schemeClr val="dk1"/>
                 </a:solidFill>
@@ -8432,7 +8432,7 @@
               </a:rPr>
               <a:t>titkarsag@szbi-pg.hu</a:t>
             </a:r>
-            <a:endParaRPr sz="1700">
+            <a:endParaRPr sz="1700" dirty="0">
               <a:solidFill>
                 <a:schemeClr val="dk1"/>
               </a:solidFill>
@@ -8452,7 +8452,7 @@
               </a:spcAft>
               <a:buNone/>
             </a:pPr>
-            <a:endParaRPr sz="2400">
+            <a:endParaRPr sz="2400" dirty="0">
               <a:solidFill>
                 <a:schemeClr val="dk2"/>
               </a:solidFill>
@@ -8589,7 +8589,7 @@
               <a:buNone/>
             </a:pPr>
             <a:r>
-              <a:rPr lang="hu-HU">
+              <a:rPr lang="hu-HU" dirty="0">
                 <a:latin typeface="Roboto SemiBold"/>
                 <a:ea typeface="Roboto SemiBold"/>
                 <a:cs typeface="Roboto SemiBold"/>
@@ -8597,7 +8597,7 @@
               </a:rPr>
               <a:t>Adatbázis</a:t>
             </a:r>
-            <a:endParaRPr>
+            <a:endParaRPr dirty="0">
               <a:latin typeface="Roboto SemiBold"/>
               <a:ea typeface="Roboto SemiBold"/>
               <a:cs typeface="Roboto SemiBold"/>
@@ -8645,12 +8645,17 @@
               <a:spcAft>
                 <a:spcPts val="0"/>
               </a:spcAft>
+              <a:buClr>
+                <a:schemeClr val="accent1">
+                  <a:lumMod val="50000"/>
+                </a:schemeClr>
+              </a:buClr>
               <a:buSzPts val="1800"/>
               <a:buFont typeface="Roboto Light"/>
               <a:buChar char="●"/>
             </a:pPr>
             <a:r>
-              <a:rPr lang="hu-HU">
+              <a:rPr lang="hu-HU" dirty="0">
                 <a:solidFill>
                   <a:schemeClr val="dk1"/>
                 </a:solidFill>
@@ -8659,9 +8664,57 @@
                 <a:cs typeface="Roboto Light"/>
                 <a:sym typeface="Roboto Light"/>
               </a:rPr>
-              <a:t>Neon Serverless Postgres  </a:t>
+              <a:t>Neon </a:t>
             </a:r>
-            <a:endParaRPr>
+            <a:r>
+              <a:rPr lang="hu-HU" dirty="0" err="1">
+                <a:solidFill>
+                  <a:schemeClr val="dk1"/>
+                </a:solidFill>
+                <a:latin typeface="Roboto Light"/>
+                <a:ea typeface="Roboto Light"/>
+                <a:cs typeface="Roboto Light"/>
+                <a:sym typeface="Roboto Light"/>
+              </a:rPr>
+              <a:t>Serverless</a:t>
+            </a:r>
+            <a:r>
+              <a:rPr lang="hu-HU" dirty="0">
+                <a:solidFill>
+                  <a:schemeClr val="dk1"/>
+                </a:solidFill>
+                <a:latin typeface="Roboto Light"/>
+                <a:ea typeface="Roboto Light"/>
+                <a:cs typeface="Roboto Light"/>
+                <a:sym typeface="Roboto Light"/>
+              </a:rPr>
+              <a:t> </a:t>
+            </a:r>
+            <a:r>
+              <a:rPr lang="hu-HU" dirty="0" err="1">
+                <a:solidFill>
+                  <a:schemeClr val="dk1"/>
+                </a:solidFill>
+                <a:latin typeface="Roboto Light"/>
+                <a:ea typeface="Roboto Light"/>
+                <a:cs typeface="Roboto Light"/>
+                <a:sym typeface="Roboto Light"/>
+              </a:rPr>
+              <a:t>Postgres</a:t>
+            </a:r>
+            <a:r>
+              <a:rPr lang="hu-HU" dirty="0">
+                <a:solidFill>
+                  <a:schemeClr val="dk1"/>
+                </a:solidFill>
+                <a:latin typeface="Roboto Light"/>
+                <a:ea typeface="Roboto Light"/>
+                <a:cs typeface="Roboto Light"/>
+                <a:sym typeface="Roboto Light"/>
+              </a:rPr>
+              <a:t>  </a:t>
+            </a:r>
+            <a:endParaRPr dirty="0">
               <a:solidFill>
                 <a:schemeClr val="dk1"/>
               </a:solidFill>
@@ -8682,12 +8735,17 @@
               <a:spcAft>
                 <a:spcPts val="0"/>
               </a:spcAft>
+              <a:buClr>
+                <a:schemeClr val="accent1">
+                  <a:lumMod val="50000"/>
+                </a:schemeClr>
+              </a:buClr>
               <a:buSzPts val="1800"/>
               <a:buFont typeface="Roboto Light"/>
               <a:buChar char="●"/>
             </a:pPr>
             <a:r>
-              <a:rPr lang="hu-HU">
+              <a:rPr lang="hu-HU" dirty="0">
                 <a:solidFill>
                   <a:schemeClr val="dk1"/>
                 </a:solidFill>
@@ -8698,7 +8756,7 @@
               </a:rPr>
               <a:t>Kezdő adatok: </a:t>
             </a:r>
-            <a:endParaRPr>
+            <a:endParaRPr dirty="0">
               <a:solidFill>
                 <a:schemeClr val="dk1"/>
               </a:solidFill>
@@ -8709,22 +8767,22 @@
             </a:endParaRPr>
           </a:p>
           <a:p>
-            <a:pPr marL="914400" lvl="1" indent="-355600" algn="l" rtl="0">
+            <a:pPr marL="1016000" lvl="1" indent="-457200">
               <a:lnSpc>
                 <a:spcPct val="115000"/>
               </a:lnSpc>
               <a:spcBef>
                 <a:spcPts val="0"/>
               </a:spcBef>
-              <a:spcAft>
-                <a:spcPts val="0"/>
-              </a:spcAft>
+              <a:buClr>
+                <a:schemeClr val="accent1">
+                  <a:lumMod val="50000"/>
+                </a:schemeClr>
+              </a:buClr>
               <a:buSzPts val="2000"/>
-              <a:buFont typeface="Roboto Light"/>
-              <a:buChar char="○"/>
             </a:pPr>
             <a:r>
-              <a:rPr lang="hu-HU" sz="2100">
+              <a:rPr lang="hu-HU" sz="2100" dirty="0">
                 <a:solidFill>
                   <a:schemeClr val="dk1"/>
                 </a:solidFill>
@@ -8735,7 +8793,7 @@
               </a:rPr>
               <a:t>Iskolák neve </a:t>
             </a:r>
-            <a:endParaRPr sz="2100">
+            <a:endParaRPr sz="2100" dirty="0">
               <a:solidFill>
                 <a:schemeClr val="dk1"/>
               </a:solidFill>
@@ -8746,22 +8804,22 @@
             </a:endParaRPr>
           </a:p>
           <a:p>
-            <a:pPr marL="914400" lvl="1" indent="-355600" algn="l" rtl="0">
+            <a:pPr marL="1016000" lvl="1" indent="-457200">
               <a:lnSpc>
                 <a:spcPct val="115000"/>
               </a:lnSpc>
               <a:spcBef>
                 <a:spcPts val="0"/>
               </a:spcBef>
-              <a:spcAft>
-                <a:spcPts val="0"/>
-              </a:spcAft>
+              <a:buClr>
+                <a:schemeClr val="accent1">
+                  <a:lumMod val="50000"/>
+                </a:schemeClr>
+              </a:buClr>
               <a:buSzPts val="2000"/>
-              <a:buFont typeface="Roboto Light"/>
-              <a:buChar char="○"/>
             </a:pPr>
             <a:r>
-              <a:rPr lang="hu-HU" sz="2100">
+              <a:rPr lang="hu-HU" sz="2100" dirty="0" err="1">
                 <a:solidFill>
                   <a:schemeClr val="dk1"/>
                 </a:solidFill>
@@ -8770,9 +8828,21 @@
                 <a:cs typeface="Roboto Light"/>
                 <a:sym typeface="Roboto Light"/>
               </a:rPr>
-              <a:t>Iskolánként egy rendszergazda fiók </a:t>
+              <a:t>Iskolánként</a:t>
             </a:r>
-            <a:endParaRPr sz="2100">
+            <a:r>
+              <a:rPr lang="hu-HU" sz="2100" dirty="0">
+                <a:solidFill>
+                  <a:schemeClr val="dk1"/>
+                </a:solidFill>
+                <a:latin typeface="Roboto Light"/>
+                <a:ea typeface="Roboto Light"/>
+                <a:cs typeface="Roboto Light"/>
+                <a:sym typeface="Roboto Light"/>
+              </a:rPr>
+              <a:t> egy rendszergazda fiók </a:t>
+            </a:r>
+            <a:endParaRPr sz="2100" dirty="0">
               <a:solidFill>
                 <a:schemeClr val="dk1"/>
               </a:solidFill>
@@ -8783,22 +8853,22 @@
             </a:endParaRPr>
           </a:p>
           <a:p>
-            <a:pPr marL="914400" lvl="1" indent="-355600" algn="l" rtl="0">
+            <a:pPr marL="1016000" lvl="1" indent="-457200">
               <a:lnSpc>
                 <a:spcPct val="115000"/>
               </a:lnSpc>
               <a:spcBef>
                 <a:spcPts val="0"/>
               </a:spcBef>
-              <a:spcAft>
-                <a:spcPts val="0"/>
-              </a:spcAft>
+              <a:buClr>
+                <a:schemeClr val="accent1">
+                  <a:lumMod val="50000"/>
+                </a:schemeClr>
+              </a:buClr>
               <a:buSzPts val="2000"/>
-              <a:buFont typeface="Roboto Light"/>
-              <a:buChar char="○"/>
             </a:pPr>
             <a:r>
-              <a:rPr lang="hu-HU" sz="2100">
+              <a:rPr lang="hu-HU" sz="2100" dirty="0">
                 <a:solidFill>
                   <a:schemeClr val="dk1"/>
                 </a:solidFill>
@@ -8809,7 +8879,7 @@
               </a:rPr>
               <a:t>Tanév kezdete és vége</a:t>
             </a:r>
-            <a:endParaRPr sz="2100">
+            <a:endParaRPr sz="2100" dirty="0">
               <a:solidFill>
                 <a:schemeClr val="dk1"/>
               </a:solidFill>
@@ -8830,12 +8900,17 @@
               <a:spcAft>
                 <a:spcPts val="0"/>
               </a:spcAft>
+              <a:buClr>
+                <a:schemeClr val="accent1">
+                  <a:lumMod val="50000"/>
+                </a:schemeClr>
+              </a:buClr>
               <a:buSzPts val="2200"/>
               <a:buFont typeface="Roboto Light"/>
               <a:buChar char="●"/>
             </a:pPr>
             <a:r>
-              <a:rPr lang="hu-HU">
+              <a:rPr lang="hu-HU" dirty="0">
                 <a:solidFill>
                   <a:schemeClr val="dk1"/>
                 </a:solidFill>
@@ -8846,7 +8921,7 @@
               </a:rPr>
               <a:t>11 tábla</a:t>
             </a:r>
-            <a:endParaRPr sz="2900">
+            <a:endParaRPr sz="2900" dirty="0">
               <a:solidFill>
                 <a:schemeClr val="dk1"/>
               </a:solidFill>
@@ -9109,7 +9184,7 @@
               <a:buNone/>
             </a:pPr>
             <a:r>
-              <a:rPr lang="hu-HU">
+              <a:rPr lang="hu-HU" dirty="0">
                 <a:latin typeface="Roboto SemiBold"/>
                 <a:ea typeface="Roboto SemiBold"/>
                 <a:cs typeface="Roboto SemiBold"/>
@@ -9117,7 +9192,7 @@
               </a:rPr>
               <a:t>Hardver</a:t>
             </a:r>
-            <a:endParaRPr>
+            <a:endParaRPr dirty="0">
               <a:latin typeface="Roboto SemiBold"/>
               <a:ea typeface="Roboto SemiBold"/>
               <a:cs typeface="Roboto SemiBold"/>
@@ -9165,6 +9240,11 @@
               <a:spcAft>
                 <a:spcPts val="0"/>
               </a:spcAft>
+              <a:buClr>
+                <a:schemeClr val="accent1">
+                  <a:lumMod val="50000"/>
+                </a:schemeClr>
+              </a:buClr>
               <a:buSzPts val="1800"/>
               <a:buFont typeface="Roboto Light"/>
               <a:buChar char="●"/>
@@ -9226,6 +9306,11 @@
               <a:spcAft>
                 <a:spcPts val="0"/>
               </a:spcAft>
+              <a:buClr>
+                <a:schemeClr val="accent1">
+                  <a:lumMod val="50000"/>
+                </a:schemeClr>
+              </a:buClr>
               <a:buSzPts val="1800"/>
               <a:buFont typeface="Roboto Light"/>
               <a:buChar char="●"/>
@@ -9263,6 +9348,11 @@
               <a:spcAft>
                 <a:spcPts val="0"/>
               </a:spcAft>
+              <a:buClr>
+                <a:schemeClr val="accent1">
+                  <a:lumMod val="50000"/>
+                </a:schemeClr>
+              </a:buClr>
               <a:buSzPts val="1800"/>
               <a:buFont typeface="Roboto Light"/>
               <a:buChar char="●"/>
@@ -9336,6 +9426,11 @@
               <a:spcAft>
                 <a:spcPts val="0"/>
               </a:spcAft>
+              <a:buClr>
+                <a:schemeClr val="accent1">
+                  <a:lumMod val="50000"/>
+                </a:schemeClr>
+              </a:buClr>
               <a:buSzPts val="1800"/>
               <a:buFont typeface="Roboto Light"/>
               <a:buChar char="●"/>
@@ -9373,6 +9468,11 @@
               <a:spcAft>
                 <a:spcPts val="0"/>
               </a:spcAft>
+              <a:buClr>
+                <a:schemeClr val="accent1">
+                  <a:lumMod val="50000"/>
+                </a:schemeClr>
+              </a:buClr>
               <a:buSzPts val="1800"/>
               <a:buFont typeface="Roboto Light"/>
               <a:buChar char="●"/>
@@ -9410,6 +9510,11 @@
               <a:spcAft>
                 <a:spcPts val="0"/>
               </a:spcAft>
+              <a:buClr>
+                <a:schemeClr val="accent1">
+                  <a:lumMod val="50000"/>
+                </a:schemeClr>
+              </a:buClr>
               <a:buSzPts val="1800"/>
               <a:buFont typeface="Roboto Light"/>
               <a:buChar char="●"/>
@@ -9438,6 +9543,11 @@
               <a:spcAft>
                 <a:spcPts val="0"/>
               </a:spcAft>
+              <a:buClr>
+                <a:schemeClr val="accent1">
+                  <a:lumMod val="50000"/>
+                </a:schemeClr>
+              </a:buClr>
               <a:buSzPts val="1800"/>
               <a:buFont typeface="Roboto Light"/>
               <a:buChar char="●"/>
@@ -9648,7 +9758,7 @@
               <a:buNone/>
             </a:pPr>
             <a:r>
-              <a:rPr lang="hu-HU">
+              <a:rPr lang="hu-HU" dirty="0">
                 <a:latin typeface="Roboto SemiBold"/>
                 <a:ea typeface="Roboto SemiBold"/>
                 <a:cs typeface="Roboto SemiBold"/>
@@ -9656,7 +9766,7 @@
               </a:rPr>
               <a:t>Csapatmunka</a:t>
             </a:r>
-            <a:endParaRPr>
+            <a:endParaRPr dirty="0">
               <a:latin typeface="Roboto SemiBold"/>
               <a:ea typeface="Roboto SemiBold"/>
               <a:cs typeface="Roboto SemiBold"/>
@@ -9704,12 +9814,17 @@
               <a:spcAft>
                 <a:spcPts val="0"/>
               </a:spcAft>
+              <a:buClr>
+                <a:schemeClr val="accent1">
+                  <a:lumMod val="50000"/>
+                </a:schemeClr>
+              </a:buClr>
               <a:buSzPts val="1800"/>
               <a:buFont typeface="Roboto Light"/>
               <a:buChar char="●"/>
             </a:pPr>
             <a:r>
-              <a:rPr lang="hu-HU">
+              <a:rPr lang="hu-HU" dirty="0">
                 <a:solidFill>
                   <a:schemeClr val="dk1"/>
                 </a:solidFill>
@@ -9720,7 +9835,7 @@
               </a:rPr>
               <a:t>GitHub alapú verziókezelés</a:t>
             </a:r>
-            <a:endParaRPr>
+            <a:endParaRPr dirty="0">
               <a:solidFill>
                 <a:schemeClr val="dk1"/>
               </a:solidFill>
@@ -9741,12 +9856,17 @@
               <a:spcAft>
                 <a:spcPts val="0"/>
               </a:spcAft>
+              <a:buClr>
+                <a:schemeClr val="accent1">
+                  <a:lumMod val="50000"/>
+                </a:schemeClr>
+              </a:buClr>
               <a:buSzPts val="1800"/>
               <a:buFont typeface="Roboto Light"/>
               <a:buChar char="●"/>
             </a:pPr>
             <a:r>
-              <a:rPr lang="hu-HU">
+              <a:rPr lang="hu-HU" dirty="0">
                 <a:solidFill>
                   <a:schemeClr val="dk1"/>
                 </a:solidFill>
@@ -9755,9 +9875,21 @@
                 <a:cs typeface="Roboto Light"/>
                 <a:sym typeface="Roboto Light"/>
               </a:rPr>
-              <a:t>Folyamatos kommunikáció Discordon</a:t>
+              <a:t>Folyamatos kommunikáció </a:t>
             </a:r>
-            <a:endParaRPr>
+            <a:r>
+              <a:rPr lang="hu-HU" dirty="0" err="1">
+                <a:solidFill>
+                  <a:schemeClr val="dk1"/>
+                </a:solidFill>
+                <a:latin typeface="Roboto Light"/>
+                <a:ea typeface="Roboto Light"/>
+                <a:cs typeface="Roboto Light"/>
+                <a:sym typeface="Roboto Light"/>
+              </a:rPr>
+              <a:t>Discordon</a:t>
+            </a:r>
+            <a:endParaRPr dirty="0">
               <a:solidFill>
                 <a:schemeClr val="dk1"/>
               </a:solidFill>
@@ -9778,12 +9910,17 @@
               <a:spcAft>
                 <a:spcPts val="0"/>
               </a:spcAft>
+              <a:buClr>
+                <a:schemeClr val="accent1">
+                  <a:lumMod val="50000"/>
+                </a:schemeClr>
+              </a:buClr>
               <a:buSzPts val="1800"/>
               <a:buFont typeface="Roboto Light"/>
               <a:buChar char="●"/>
             </a:pPr>
             <a:r>
-              <a:rPr lang="hu-HU">
+              <a:rPr lang="hu-HU" dirty="0">
                 <a:solidFill>
                   <a:schemeClr val="dk1"/>
                 </a:solidFill>
@@ -9794,7 +9931,7 @@
               </a:rPr>
               <a:t>Tiszta kód elveinek követése</a:t>
             </a:r>
-            <a:endParaRPr>
+            <a:endParaRPr dirty="0">
               <a:solidFill>
                 <a:schemeClr val="dk1"/>
               </a:solidFill>
@@ -9815,12 +9952,17 @@
               <a:spcAft>
                 <a:spcPts val="0"/>
               </a:spcAft>
+              <a:buClr>
+                <a:schemeClr val="accent1">
+                  <a:lumMod val="50000"/>
+                </a:schemeClr>
+              </a:buClr>
               <a:buSzPts val="1800"/>
               <a:buFont typeface="Roboto Light"/>
               <a:buChar char="●"/>
             </a:pPr>
             <a:r>
-              <a:rPr lang="hu-HU">
+              <a:rPr lang="hu-HU" dirty="0">
                 <a:solidFill>
                   <a:schemeClr val="dk1"/>
                 </a:solidFill>
@@ -9831,7 +9973,7 @@
               </a:rPr>
               <a:t>Frontend–backend alapú munkamegosztás</a:t>
             </a:r>
-            <a:endParaRPr>
+            <a:endParaRPr dirty="0">
               <a:solidFill>
                 <a:schemeClr val="dk1"/>
               </a:solidFill>
@@ -9854,7 +9996,7 @@
               </a:spcAft>
               <a:buNone/>
             </a:pPr>
-            <a:endParaRPr>
+            <a:endParaRPr dirty="0">
               <a:latin typeface="Roboto Light"/>
               <a:ea typeface="Roboto Light"/>
               <a:cs typeface="Roboto Light"/>
@@ -10035,7 +10177,10 @@
               <a:buNone/>
             </a:pPr>
             <a:r>
-              <a:rPr lang="hu-HU">
+              <a:rPr lang="hu-HU" dirty="0">
+                <a:solidFill>
+                  <a:schemeClr val="tx1"/>
+                </a:solidFill>
                 <a:latin typeface="Roboto SemiBold"/>
                 <a:ea typeface="Roboto SemiBold"/>
                 <a:cs typeface="Roboto SemiBold"/>
@@ -10043,7 +10188,10 @@
               </a:rPr>
               <a:t>Backend munkamegosztása</a:t>
             </a:r>
-            <a:endParaRPr>
+            <a:endParaRPr dirty="0">
+              <a:solidFill>
+                <a:schemeClr val="tx1"/>
+              </a:solidFill>
               <a:latin typeface="Roboto SemiBold"/>
               <a:ea typeface="Roboto SemiBold"/>
               <a:cs typeface="Roboto SemiBold"/>
@@ -10706,7 +10854,10 @@
               <a:buNone/>
             </a:pPr>
             <a:r>
-              <a:rPr lang="hu-HU">
+              <a:rPr lang="hu-HU" dirty="0">
+                <a:solidFill>
+                  <a:schemeClr val="tx1"/>
+                </a:solidFill>
                 <a:latin typeface="Roboto SemiBold"/>
                 <a:ea typeface="Roboto SemiBold"/>
                 <a:cs typeface="Roboto SemiBold"/>
@@ -10714,7 +10865,10 @@
               </a:rPr>
               <a:t>Frontend munkamegosztása</a:t>
             </a:r>
-            <a:endParaRPr>
+            <a:endParaRPr dirty="0">
+              <a:solidFill>
+                <a:schemeClr val="tx1"/>
+              </a:solidFill>
               <a:latin typeface="Roboto SemiBold"/>
               <a:ea typeface="Roboto SemiBold"/>
               <a:cs typeface="Roboto SemiBold"/>
@@ -10765,7 +10919,7 @@
               <a:buNone/>
             </a:pPr>
             <a:r>
-              <a:rPr lang="hu-HU">
+              <a:rPr lang="hu-HU" dirty="0">
                 <a:solidFill>
                   <a:schemeClr val="dk1"/>
                 </a:solidFill>
@@ -10776,7 +10930,7 @@
               </a:rPr>
               <a:t>Nagy Gábor</a:t>
             </a:r>
-            <a:endParaRPr>
+            <a:endParaRPr dirty="0">
               <a:solidFill>
                 <a:schemeClr val="dk1"/>
               </a:solidFill>
@@ -10787,22 +10941,21 @@
             </a:endParaRPr>
           </a:p>
           <a:p>
-            <a:pPr marL="457200" lvl="0" indent="-342900" algn="l" rtl="0">
+            <a:pPr>
               <a:lnSpc>
                 <a:spcPct val="115000"/>
               </a:lnSpc>
               <a:spcBef>
                 <a:spcPts val="1600"/>
               </a:spcBef>
-              <a:spcAft>
-                <a:spcPts val="0"/>
-              </a:spcAft>
-              <a:buSzPts val="1800"/>
-              <a:buFont typeface="Roboto Light"/>
-              <a:buChar char="●"/>
+              <a:buClr>
+                <a:schemeClr val="accent1">
+                  <a:lumMod val="50000"/>
+                </a:schemeClr>
+              </a:buClr>
             </a:pPr>
             <a:r>
-              <a:rPr lang="hu-HU" sz="1800">
+              <a:rPr lang="hu-HU" sz="1800" dirty="0">
                 <a:solidFill>
                   <a:schemeClr val="dk1"/>
                 </a:solidFill>
@@ -10813,7 +10966,7 @@
               </a:rPr>
               <a:t>Konfigurációs felület</a:t>
             </a:r>
-            <a:endParaRPr sz="1800">
+            <a:endParaRPr sz="1800" dirty="0">
               <a:solidFill>
                 <a:schemeClr val="dk1"/>
               </a:solidFill>
@@ -10836,7 +10989,7 @@
               </a:spcAft>
               <a:buNone/>
             </a:pPr>
-            <a:endParaRPr sz="1800">
+            <a:endParaRPr sz="1800" dirty="0">
               <a:solidFill>
                 <a:schemeClr val="dk1"/>
               </a:solidFill>
@@ -10863,7 +11016,7 @@
               <a:buSzPts val="2800"/>
               <a:buNone/>
             </a:pPr>
-            <a:endParaRPr/>
+            <a:endParaRPr dirty="0"/>
           </a:p>
         </p:txBody>
       </p:sp>
@@ -10966,7 +11119,7 @@
               <a:buNone/>
             </a:pPr>
             <a:r>
-              <a:rPr lang="hu-HU">
+              <a:rPr lang="hu-HU" dirty="0">
                 <a:solidFill>
                   <a:schemeClr val="dk1"/>
                 </a:solidFill>
@@ -10977,7 +11130,7 @@
               </a:rPr>
               <a:t>Szalkai-Szabó Ádám</a:t>
             </a:r>
-            <a:endParaRPr>
+            <a:endParaRPr dirty="0">
               <a:solidFill>
                 <a:schemeClr val="dk1"/>
               </a:solidFill>
@@ -10998,12 +11151,17 @@
               <a:spcAft>
                 <a:spcPts val="0"/>
               </a:spcAft>
+              <a:buClr>
+                <a:schemeClr val="accent1">
+                  <a:lumMod val="50000"/>
+                </a:schemeClr>
+              </a:buClr>
               <a:buSzPts val="1800"/>
               <a:buFont typeface="Roboto Light"/>
               <a:buChar char="●"/>
             </a:pPr>
             <a:r>
-              <a:rPr lang="hu-HU" sz="1800">
+              <a:rPr lang="hu-HU" sz="1800" dirty="0">
                 <a:solidFill>
                   <a:schemeClr val="dk1"/>
                 </a:solidFill>
@@ -11014,7 +11172,7 @@
               </a:rPr>
               <a:t>Főoldal</a:t>
             </a:r>
-            <a:endParaRPr sz="1800">
+            <a:endParaRPr sz="1800" dirty="0">
               <a:solidFill>
                 <a:schemeClr val="dk1"/>
               </a:solidFill>
@@ -11036,14 +11194,16 @@
                 <a:spcPts val="0"/>
               </a:spcAft>
               <a:buClr>
-                <a:schemeClr val="dk1"/>
+                <a:schemeClr val="accent1">
+                  <a:lumMod val="50000"/>
+                </a:schemeClr>
               </a:buClr>
               <a:buSzPts val="1800"/>
               <a:buFont typeface="Roboto Light"/>
               <a:buChar char="●"/>
             </a:pPr>
             <a:r>
-              <a:rPr lang="hu-HU" sz="1800">
+              <a:rPr lang="hu-HU" sz="1800" dirty="0">
                 <a:solidFill>
                   <a:schemeClr val="dk1"/>
                 </a:solidFill>
@@ -11054,7 +11214,7 @@
               </a:rPr>
               <a:t>Naptár</a:t>
             </a:r>
-            <a:endParaRPr sz="1800">
+            <a:endParaRPr sz="1800" dirty="0">
               <a:solidFill>
                 <a:schemeClr val="dk1"/>
               </a:solidFill>
@@ -11076,14 +11236,16 @@
                 <a:spcPts val="0"/>
               </a:spcAft>
               <a:buClr>
-                <a:schemeClr val="dk1"/>
+                <a:schemeClr val="accent1">
+                  <a:lumMod val="50000"/>
+                </a:schemeClr>
               </a:buClr>
               <a:buSzPts val="1800"/>
               <a:buFont typeface="Roboto Light"/>
               <a:buChar char="●"/>
             </a:pPr>
             <a:r>
-              <a:rPr lang="hu-HU" sz="1800">
+              <a:rPr lang="hu-HU" sz="1800" dirty="0">
                 <a:solidFill>
                   <a:schemeClr val="dk1"/>
                 </a:solidFill>
@@ -11094,7 +11256,7 @@
               </a:rPr>
               <a:t>Bejelentkezés oldal</a:t>
             </a:r>
-            <a:endParaRPr sz="1800">
+            <a:endParaRPr sz="1800" dirty="0">
               <a:solidFill>
                 <a:schemeClr val="dk1"/>
               </a:solidFill>
@@ -11116,14 +11278,16 @@
                 <a:spcPts val="0"/>
               </a:spcAft>
               <a:buClr>
-                <a:schemeClr val="dk1"/>
+                <a:schemeClr val="accent1">
+                  <a:lumMod val="50000"/>
+                </a:schemeClr>
               </a:buClr>
               <a:buSzPts val="1800"/>
               <a:buFont typeface="Roboto Light"/>
               <a:buChar char="●"/>
             </a:pPr>
             <a:r>
-              <a:rPr lang="hu-HU" sz="1800">
+              <a:rPr lang="hu-HU" sz="1800" dirty="0">
                 <a:solidFill>
                   <a:schemeClr val="dk1"/>
                 </a:solidFill>
@@ -11134,7 +11298,7 @@
               </a:rPr>
               <a:t>Jelszó módosítása oldal</a:t>
             </a:r>
-            <a:endParaRPr sz="1800">
+            <a:endParaRPr sz="1800" dirty="0">
               <a:solidFill>
                 <a:schemeClr val="dk1"/>
               </a:solidFill>
@@ -11156,14 +11320,16 @@
                 <a:spcPts val="0"/>
               </a:spcAft>
               <a:buClr>
-                <a:schemeClr val="dk1"/>
+                <a:schemeClr val="accent1">
+                  <a:lumMod val="50000"/>
+                </a:schemeClr>
               </a:buClr>
               <a:buSzPts val="1800"/>
               <a:buFont typeface="Roboto Light"/>
               <a:buChar char="●"/>
             </a:pPr>
             <a:r>
-              <a:rPr lang="hu-HU" sz="1800">
+              <a:rPr lang="hu-HU" sz="1800" dirty="0">
                 <a:solidFill>
                   <a:schemeClr val="dk1"/>
                 </a:solidFill>
@@ -11174,7 +11340,7 @@
               </a:rPr>
               <a:t>Alkalmazottak, tanulók oldal</a:t>
             </a:r>
-            <a:endParaRPr sz="1800">
+            <a:endParaRPr sz="1800" dirty="0">
               <a:solidFill>
                 <a:schemeClr val="dk1"/>
               </a:solidFill>
@@ -11196,14 +11362,16 @@
                 <a:spcPts val="0"/>
               </a:spcAft>
               <a:buClr>
-                <a:schemeClr val="dk1"/>
+                <a:schemeClr val="accent1">
+                  <a:lumMod val="50000"/>
+                </a:schemeClr>
               </a:buClr>
               <a:buSzPts val="1800"/>
               <a:buFont typeface="Roboto Light"/>
               <a:buChar char="●"/>
             </a:pPr>
             <a:r>
-              <a:rPr lang="hu-HU" sz="1800">
+              <a:rPr lang="hu-HU" sz="1800" dirty="0">
                 <a:solidFill>
                   <a:schemeClr val="dk1"/>
                 </a:solidFill>
@@ -11214,7 +11382,7 @@
               </a:rPr>
               <a:t>Tanév beállításai oldal</a:t>
             </a:r>
-            <a:endParaRPr sz="1800">
+            <a:endParaRPr sz="1800" dirty="0">
               <a:solidFill>
                 <a:schemeClr val="dk1"/>
               </a:solidFill>
@@ -11236,14 +11404,16 @@
                 <a:spcPts val="0"/>
               </a:spcAft>
               <a:buClr>
-                <a:schemeClr val="dk1"/>
+                <a:schemeClr val="accent1">
+                  <a:lumMod val="50000"/>
+                </a:schemeClr>
               </a:buClr>
               <a:buSzPts val="1800"/>
               <a:buFont typeface="Roboto Light"/>
               <a:buChar char="●"/>
             </a:pPr>
             <a:r>
-              <a:rPr lang="hu-HU" sz="1800">
+              <a:rPr lang="hu-HU" sz="1800" dirty="0">
                 <a:solidFill>
                   <a:schemeClr val="dk1"/>
                 </a:solidFill>
@@ -11254,7 +11424,7 @@
               </a:rPr>
               <a:t>UI komponensek</a:t>
             </a:r>
-            <a:endParaRPr sz="1800">
+            <a:endParaRPr sz="1800" dirty="0">
               <a:solidFill>
                 <a:schemeClr val="dk1"/>
               </a:solidFill>
@@ -11281,7 +11451,7 @@
               <a:buSzPts val="2800"/>
               <a:buNone/>
             </a:pPr>
-            <a:endParaRPr/>
+            <a:endParaRPr dirty="0"/>
           </a:p>
         </p:txBody>
       </p:sp>
@@ -11357,7 +11527,7 @@
               <a:buNone/>
             </a:pPr>
             <a:r>
-              <a:rPr lang="hu-HU">
+              <a:rPr lang="hu-HU" dirty="0" err="1">
                 <a:latin typeface="Roboto SemiBold"/>
                 <a:ea typeface="Roboto SemiBold"/>
                 <a:cs typeface="Roboto SemiBold"/>
@@ -11365,7 +11535,7 @@
               </a:rPr>
               <a:t>Hosztingolás</a:t>
             </a:r>
-            <a:endParaRPr>
+            <a:endParaRPr dirty="0">
               <a:latin typeface="Roboto SemiBold"/>
               <a:ea typeface="Roboto SemiBold"/>
               <a:cs typeface="Roboto SemiBold"/>
@@ -11414,14 +11584,16 @@
                 <a:spcPts val="0"/>
               </a:spcAft>
               <a:buClr>
-                <a:schemeClr val="dk1"/>
+                <a:schemeClr val="accent1">
+                  <a:lumMod val="50000"/>
+                </a:schemeClr>
               </a:buClr>
               <a:buSzPts val="1800"/>
               <a:buFont typeface="Roboto Light"/>
               <a:buChar char="●"/>
             </a:pPr>
             <a:r>
-              <a:rPr lang="hu-HU">
+              <a:rPr lang="hu-HU" dirty="0">
                 <a:solidFill>
                   <a:schemeClr val="dk1"/>
                 </a:solidFill>
@@ -11430,9 +11602,45 @@
                 <a:cs typeface="Roboto Light"/>
                 <a:sym typeface="Roboto Light"/>
               </a:rPr>
-              <a:t>Webes felület hosztolása: Vercel</a:t>
+              <a:t>Webes felület </a:t>
             </a:r>
-            <a:endParaRPr>
+            <a:r>
+              <a:rPr lang="hu-HU" dirty="0" err="1">
+                <a:solidFill>
+                  <a:schemeClr val="dk1"/>
+                </a:solidFill>
+                <a:latin typeface="Roboto Light"/>
+                <a:ea typeface="Roboto Light"/>
+                <a:cs typeface="Roboto Light"/>
+                <a:sym typeface="Roboto Light"/>
+              </a:rPr>
+              <a:t>hosztolása</a:t>
+            </a:r>
+            <a:r>
+              <a:rPr lang="hu-HU" dirty="0">
+                <a:solidFill>
+                  <a:schemeClr val="dk1"/>
+                </a:solidFill>
+                <a:latin typeface="Roboto Light"/>
+                <a:ea typeface="Roboto Light"/>
+                <a:cs typeface="Roboto Light"/>
+                <a:sym typeface="Roboto Light"/>
+              </a:rPr>
+              <a:t>: </a:t>
+            </a:r>
+            <a:r>
+              <a:rPr lang="hu-HU" dirty="0" err="1">
+                <a:solidFill>
+                  <a:schemeClr val="dk1"/>
+                </a:solidFill>
+                <a:latin typeface="Roboto Light"/>
+                <a:ea typeface="Roboto Light"/>
+                <a:cs typeface="Roboto Light"/>
+                <a:sym typeface="Roboto Light"/>
+              </a:rPr>
+              <a:t>Vercel</a:t>
+            </a:r>
+            <a:endParaRPr dirty="0">
               <a:solidFill>
                 <a:schemeClr val="dk1"/>
               </a:solidFill>
@@ -11454,14 +11662,16 @@
                 <a:spcPts val="0"/>
               </a:spcAft>
               <a:buClr>
-                <a:schemeClr val="dk1"/>
+                <a:schemeClr val="accent1">
+                  <a:lumMod val="50000"/>
+                </a:schemeClr>
               </a:buClr>
               <a:buSzPts val="1800"/>
               <a:buFont typeface="Roboto Light"/>
               <a:buChar char="●"/>
             </a:pPr>
             <a:r>
-              <a:rPr lang="hu-HU">
+              <a:rPr lang="hu-HU" dirty="0">
                 <a:solidFill>
                   <a:schemeClr val="dk1"/>
                 </a:solidFill>
@@ -11472,7 +11682,7 @@
               </a:rPr>
               <a:t>Forráskód tárolása: GitHub </a:t>
             </a:r>
-            <a:endParaRPr>
+            <a:endParaRPr dirty="0">
               <a:solidFill>
                 <a:schemeClr val="dk1"/>
               </a:solidFill>
@@ -11495,7 +11705,7 @@
               </a:spcAft>
               <a:buNone/>
             </a:pPr>
-            <a:endParaRPr>
+            <a:endParaRPr dirty="0">
               <a:solidFill>
                 <a:schemeClr val="dk1"/>
               </a:solidFill>
@@ -11522,7 +11732,7 @@
               <a:buSzPts val="2800"/>
               <a:buNone/>
             </a:pPr>
-            <a:endParaRPr/>
+            <a:endParaRPr dirty="0"/>
           </a:p>
         </p:txBody>
       </p:sp>
@@ -11689,6 +11899,11 @@
               <a:spcAft>
                 <a:spcPts val="0"/>
               </a:spcAft>
+              <a:buClr>
+                <a:schemeClr val="accent1">
+                  <a:lumMod val="50000"/>
+                </a:schemeClr>
+              </a:buClr>
               <a:buSzPts val="2400"/>
               <a:buFont typeface="Roboto Light"/>
               <a:buChar char="●"/>
@@ -11738,6 +11953,11 @@
               <a:spcAft>
                 <a:spcPts val="0"/>
               </a:spcAft>
+              <a:buClr>
+                <a:schemeClr val="accent1">
+                  <a:lumMod val="50000"/>
+                </a:schemeClr>
+              </a:buClr>
               <a:buSzPts val="2400"/>
               <a:buFont typeface="Roboto Light"/>
               <a:buChar char="●"/>
@@ -11775,6 +11995,11 @@
               <a:spcAft>
                 <a:spcPts val="0"/>
               </a:spcAft>
+              <a:buClr>
+                <a:schemeClr val="accent1">
+                  <a:lumMod val="50000"/>
+                </a:schemeClr>
+              </a:buClr>
               <a:buSzPts val="2400"/>
               <a:buFont typeface="Roboto Light"/>
               <a:buChar char="●"/>
@@ -11812,6 +12037,11 @@
               <a:spcAft>
                 <a:spcPts val="0"/>
               </a:spcAft>
+              <a:buClr>
+                <a:schemeClr val="accent1">
+                  <a:lumMod val="50000"/>
+                </a:schemeClr>
+              </a:buClr>
               <a:buSzPts val="2400"/>
               <a:buFont typeface="Roboto Light"/>
               <a:buChar char="●"/>
@@ -11849,6 +12079,11 @@
               <a:spcAft>
                 <a:spcPts val="0"/>
               </a:spcAft>
+              <a:buClr>
+                <a:schemeClr val="accent1">
+                  <a:lumMod val="50000"/>
+                </a:schemeClr>
+              </a:buClr>
               <a:buSzPts val="2400"/>
               <a:buFont typeface="Roboto Light"/>
               <a:buChar char="●"/>
@@ -12026,6 +12261,9 @@
             </a:pPr>
             <a:r>
               <a:rPr lang="hu-HU" dirty="0">
+                <a:solidFill>
+                  <a:schemeClr val="tx1"/>
+                </a:solidFill>
                 <a:latin typeface="Roboto SemiBold"/>
                 <a:ea typeface="Roboto SemiBold"/>
                 <a:cs typeface="Roboto SemiBold"/>
@@ -12034,6 +12272,9 @@
               <a:t>Fejlesztési lehetőségek</a:t>
             </a:r>
             <a:endParaRPr dirty="0">
+              <a:solidFill>
+                <a:schemeClr val="tx1"/>
+              </a:solidFill>
               <a:latin typeface="Roboto SemiBold"/>
               <a:ea typeface="Roboto SemiBold"/>
               <a:cs typeface="Roboto SemiBold"/>
@@ -12351,19 +12592,18 @@
           </a:bodyPr>
           <a:lstStyle/>
           <a:p>
-            <a:pPr marL="457200" lvl="0" indent="-342900" algn="l" rtl="0">
+            <a:pPr>
               <a:lnSpc>
                 <a:spcPct val="115000"/>
               </a:lnSpc>
               <a:spcBef>
                 <a:spcPts val="0"/>
               </a:spcBef>
-              <a:spcAft>
-                <a:spcPts val="0"/>
-              </a:spcAft>
-              <a:buSzPts val="1800"/>
-              <a:buFont typeface="Roboto Light"/>
-              <a:buChar char="●"/>
+              <a:buClr>
+                <a:schemeClr val="accent1">
+                  <a:lumMod val="50000"/>
+                </a:schemeClr>
+              </a:buClr>
             </a:pPr>
             <a:r>
               <a:rPr lang="hu-HU" sz="1800" dirty="0">
@@ -12388,19 +12628,18 @@
             </a:endParaRPr>
           </a:p>
           <a:p>
-            <a:pPr marL="457200" lvl="0" indent="-342900" algn="l" rtl="0">
+            <a:pPr>
               <a:lnSpc>
                 <a:spcPct val="115000"/>
               </a:lnSpc>
               <a:spcBef>
                 <a:spcPts val="0"/>
               </a:spcBef>
-              <a:spcAft>
-                <a:spcPts val="0"/>
-              </a:spcAft>
-              <a:buSzPts val="1800"/>
-              <a:buFont typeface="Roboto Light"/>
-              <a:buChar char="●"/>
+              <a:buClr>
+                <a:schemeClr val="accent1">
+                  <a:lumMod val="50000"/>
+                </a:schemeClr>
+              </a:buClr>
             </a:pPr>
             <a:r>
               <a:rPr lang="hu-HU" sz="1800" dirty="0">
@@ -12425,19 +12664,18 @@
             </a:endParaRPr>
           </a:p>
           <a:p>
-            <a:pPr marL="457200" lvl="0" indent="-342900" algn="l" rtl="0">
+            <a:pPr>
               <a:lnSpc>
                 <a:spcPct val="115000"/>
               </a:lnSpc>
               <a:spcBef>
                 <a:spcPts val="0"/>
               </a:spcBef>
-              <a:spcAft>
-                <a:spcPts val="0"/>
-              </a:spcAft>
-              <a:buSzPts val="1800"/>
-              <a:buFont typeface="Roboto Light"/>
-              <a:buChar char="●"/>
+              <a:buClr>
+                <a:schemeClr val="accent1">
+                  <a:lumMod val="50000"/>
+                </a:schemeClr>
+              </a:buClr>
             </a:pPr>
             <a:r>
               <a:rPr lang="hu-HU" sz="1800" dirty="0">
@@ -12506,7 +12744,7 @@
               <a:buNone/>
             </a:pPr>
             <a:r>
-              <a:rPr lang="hu-HU" sz="4400" i="0" u="none" strike="noStrike" cap="none">
+              <a:rPr lang="hu-HU" sz="4400" i="0" u="none" strike="noStrike" cap="none" dirty="0">
                 <a:solidFill>
                   <a:schemeClr val="dk1"/>
                 </a:solidFill>
@@ -12517,7 +12755,7 @@
               </a:rPr>
               <a:t>A megoldás</a:t>
             </a:r>
-            <a:endParaRPr>
+            <a:endParaRPr dirty="0">
               <a:latin typeface="Roboto SemiBold"/>
               <a:ea typeface="Roboto SemiBold"/>
               <a:cs typeface="Roboto SemiBold"/>
@@ -12555,9 +12793,7 @@
             <a:tileRect/>
           </a:gradFill>
           <a:ln w="9525" cap="flat" cmpd="sng">
-            <a:solidFill>
-              <a:schemeClr val="dk2"/>
-            </a:solidFill>
+            <a:noFill/>
             <a:prstDash val="solid"/>
             <a:round/>
             <a:headEnd type="none" w="sm" len="sm"/>
@@ -12579,7 +12815,11 @@
               </a:spcAft>
               <a:buNone/>
             </a:pPr>
-            <a:endParaRPr/>
+            <a:endParaRPr>
+              <a:solidFill>
+                <a:schemeClr val="tx1"/>
+              </a:solidFill>
+            </a:endParaRPr>
           </a:p>
         </p:txBody>
       </p:sp>
@@ -12622,6 +12862,11 @@
               <a:spcAft>
                 <a:spcPts val="0"/>
               </a:spcAft>
+              <a:buClr>
+                <a:schemeClr val="accent1">
+                  <a:lumMod val="50000"/>
+                </a:schemeClr>
+              </a:buClr>
               <a:buSzPts val="1800"/>
               <a:buFont typeface="Roboto Light"/>
               <a:buChar char="●"/>
@@ -12659,6 +12904,11 @@
               <a:spcAft>
                 <a:spcPts val="0"/>
               </a:spcAft>
+              <a:buClr>
+                <a:schemeClr val="accent1">
+                  <a:lumMod val="50000"/>
+                </a:schemeClr>
+              </a:buClr>
               <a:buSzPts val="1800"/>
               <a:buFont typeface="Roboto Light"/>
               <a:buChar char="●"/>
@@ -12696,6 +12946,11 @@
               <a:spcAft>
                 <a:spcPts val="0"/>
               </a:spcAft>
+              <a:buClr>
+                <a:schemeClr val="accent1">
+                  <a:lumMod val="50000"/>
+                </a:schemeClr>
+              </a:buClr>
               <a:buSzPts val="1800"/>
               <a:buFont typeface="Roboto Light"/>
               <a:buChar char="●"/>
@@ -12859,7 +13114,10 @@
               <a:buNone/>
             </a:pPr>
             <a:r>
-              <a:rPr lang="hu-HU">
+              <a:rPr lang="hu-HU" dirty="0">
+                <a:solidFill>
+                  <a:schemeClr val="tx1"/>
+                </a:solidFill>
                 <a:latin typeface="Roboto SemiBold"/>
                 <a:ea typeface="Roboto SemiBold"/>
                 <a:cs typeface="Roboto SemiBold"/>
@@ -12867,7 +13125,10 @@
               </a:rPr>
               <a:t>A rendszer funkciói</a:t>
             </a:r>
-            <a:endParaRPr>
+            <a:endParaRPr dirty="0">
+              <a:solidFill>
+                <a:schemeClr val="tx1"/>
+              </a:solidFill>
               <a:latin typeface="Roboto SemiBold"/>
               <a:ea typeface="Roboto SemiBold"/>
               <a:cs typeface="Roboto SemiBold"/>
@@ -12918,7 +13179,7 @@
               <a:buNone/>
             </a:pPr>
             <a:r>
-              <a:rPr lang="hu-HU">
+              <a:rPr lang="hu-HU" dirty="0">
                 <a:solidFill>
                   <a:schemeClr val="dk1"/>
                 </a:solidFill>
@@ -12929,7 +13190,7 @@
               </a:rPr>
               <a:t>Szoftveres funkciók</a:t>
             </a:r>
-            <a:endParaRPr>
+            <a:endParaRPr dirty="0">
               <a:solidFill>
                 <a:schemeClr val="dk1"/>
               </a:solidFill>
@@ -12950,12 +13211,17 @@
               <a:spcAft>
                 <a:spcPts val="0"/>
               </a:spcAft>
+              <a:buClr>
+                <a:schemeClr val="accent1">
+                  <a:lumMod val="50000"/>
+                </a:schemeClr>
+              </a:buClr>
               <a:buSzPts val="1800"/>
               <a:buFont typeface="Roboto Light"/>
               <a:buChar char="●"/>
             </a:pPr>
             <a:r>
-              <a:rPr lang="hu-HU" sz="1800">
+              <a:rPr lang="hu-HU" sz="1800" dirty="0" err="1">
                 <a:solidFill>
                   <a:schemeClr val="dk1"/>
                 </a:solidFill>
@@ -12964,9 +13230,21 @@
                 <a:cs typeface="Roboto Light"/>
                 <a:sym typeface="Roboto Light"/>
               </a:rPr>
-              <a:t>Autentikáció és jogosultságok</a:t>
+              <a:t>Autentikáció</a:t>
             </a:r>
-            <a:endParaRPr sz="1800">
+            <a:r>
+              <a:rPr lang="hu-HU" sz="1800" dirty="0">
+                <a:solidFill>
+                  <a:schemeClr val="dk1"/>
+                </a:solidFill>
+                <a:latin typeface="Roboto Light"/>
+                <a:ea typeface="Roboto Light"/>
+                <a:cs typeface="Roboto Light"/>
+                <a:sym typeface="Roboto Light"/>
+              </a:rPr>
+              <a:t> és jogosultságok</a:t>
+            </a:r>
+            <a:endParaRPr sz="1800" dirty="0">
               <a:solidFill>
                 <a:schemeClr val="dk1"/>
               </a:solidFill>
@@ -12987,12 +13265,17 @@
               <a:spcAft>
                 <a:spcPts val="0"/>
               </a:spcAft>
+              <a:buClr>
+                <a:schemeClr val="accent1">
+                  <a:lumMod val="50000"/>
+                </a:schemeClr>
+              </a:buClr>
               <a:buSzPts val="1800"/>
               <a:buFont typeface="Roboto Light"/>
               <a:buChar char="●"/>
             </a:pPr>
             <a:r>
-              <a:rPr lang="hu-HU" sz="1800">
+              <a:rPr lang="hu-HU" sz="1800" dirty="0">
                 <a:solidFill>
                   <a:schemeClr val="dk1"/>
                 </a:solidFill>
@@ -13003,7 +13286,7 @@
               </a:rPr>
               <a:t>Alkalmazottak, tanulók, tárolók kezelése</a:t>
             </a:r>
-            <a:endParaRPr sz="1800">
+            <a:endParaRPr sz="1800" dirty="0">
               <a:solidFill>
                 <a:schemeClr val="dk1"/>
               </a:solidFill>
@@ -13024,12 +13307,17 @@
               <a:spcAft>
                 <a:spcPts val="0"/>
               </a:spcAft>
+              <a:buClr>
+                <a:schemeClr val="accent1">
+                  <a:lumMod val="50000"/>
+                </a:schemeClr>
+              </a:buClr>
               <a:buSzPts val="1800"/>
               <a:buFont typeface="Roboto Light"/>
               <a:buChar char="●"/>
             </a:pPr>
             <a:r>
-              <a:rPr lang="hu-HU" sz="1800">
+              <a:rPr lang="hu-HU" sz="1800" dirty="0">
                 <a:solidFill>
                   <a:schemeClr val="dk1"/>
                 </a:solidFill>
@@ -13040,7 +13328,7 @@
               </a:rPr>
               <a:t>Órarend- és tanév-kezelés</a:t>
             </a:r>
-            <a:endParaRPr sz="1800">
+            <a:endParaRPr sz="1800" dirty="0">
               <a:solidFill>
                 <a:schemeClr val="dk1"/>
               </a:solidFill>
@@ -13061,12 +13349,17 @@
               <a:spcAft>
                 <a:spcPts val="0"/>
               </a:spcAft>
+              <a:buClr>
+                <a:schemeClr val="accent1">
+                  <a:lumMod val="50000"/>
+                </a:schemeClr>
+              </a:buClr>
               <a:buSzPts val="1800"/>
               <a:buFont typeface="Roboto Light"/>
               <a:buChar char="●"/>
             </a:pPr>
             <a:r>
-              <a:rPr lang="hu-HU" sz="1800">
+              <a:rPr lang="hu-HU" sz="1800" dirty="0">
                 <a:solidFill>
                   <a:schemeClr val="dk1"/>
                 </a:solidFill>
@@ -13077,7 +13370,7 @@
               </a:rPr>
               <a:t>Adatimportálás (XML és CSV fájlokból)</a:t>
             </a:r>
-            <a:endParaRPr sz="1800">
+            <a:endParaRPr sz="1800" dirty="0">
               <a:solidFill>
                 <a:schemeClr val="dk1"/>
               </a:solidFill>
@@ -13098,12 +13391,17 @@
               <a:spcAft>
                 <a:spcPts val="0"/>
               </a:spcAft>
+              <a:buClr>
+                <a:schemeClr val="accent1">
+                  <a:lumMod val="50000"/>
+                </a:schemeClr>
+              </a:buClr>
               <a:buSzPts val="1800"/>
               <a:buFont typeface="Roboto Light"/>
               <a:buChar char="●"/>
             </a:pPr>
             <a:r>
-              <a:rPr lang="hu-HU" sz="1800">
+              <a:rPr lang="hu-HU" sz="1800" dirty="0">
                 <a:solidFill>
                   <a:schemeClr val="dk1"/>
                 </a:solidFill>
@@ -13114,7 +13412,7 @@
               </a:rPr>
               <a:t>Nyitás szabályozása órarend alapján</a:t>
             </a:r>
-            <a:endParaRPr sz="1800">
+            <a:endParaRPr sz="1800" dirty="0">
               <a:solidFill>
                 <a:schemeClr val="dk1"/>
               </a:solidFill>
@@ -13135,12 +13433,17 @@
               <a:spcAft>
                 <a:spcPts val="0"/>
               </a:spcAft>
+              <a:buClr>
+                <a:schemeClr val="accent1">
+                  <a:lumMod val="50000"/>
+                </a:schemeClr>
+              </a:buClr>
               <a:buSzPts val="1800"/>
               <a:buFont typeface="Roboto Light"/>
               <a:buChar char="●"/>
             </a:pPr>
             <a:r>
-              <a:rPr lang="hu-HU" sz="1800">
+              <a:rPr lang="hu-HU" sz="1800" dirty="0">
                 <a:solidFill>
                   <a:schemeClr val="dk1"/>
                 </a:solidFill>
@@ -13151,7 +13454,7 @@
               </a:rPr>
               <a:t>Egyéni és csoportszintű nyitás engedélyezés</a:t>
             </a:r>
-            <a:endParaRPr sz="1800">
+            <a:endParaRPr sz="1800" dirty="0">
               <a:solidFill>
                 <a:schemeClr val="dk1"/>
               </a:solidFill>
@@ -13178,7 +13481,7 @@
               <a:buSzPts val="2800"/>
               <a:buNone/>
             </a:pPr>
-            <a:endParaRPr/>
+            <a:endParaRPr dirty="0"/>
           </a:p>
         </p:txBody>
       </p:sp>
@@ -13190,7 +13493,7 @@
         </p:nvSpPr>
         <p:spPr>
           <a:xfrm>
-            <a:off x="0" y="5754300"/>
+            <a:off x="0" y="5771900"/>
             <a:ext cx="12192000" cy="1103700"/>
           </a:xfrm>
           <a:prstGeom prst="rect">
@@ -13281,7 +13584,7 @@
               <a:buNone/>
             </a:pPr>
             <a:r>
-              <a:rPr lang="hu-HU">
+              <a:rPr lang="hu-HU" dirty="0">
                 <a:solidFill>
                   <a:schemeClr val="dk1"/>
                 </a:solidFill>
@@ -13292,7 +13595,7 @@
               </a:rPr>
               <a:t>Hardveres funkciók</a:t>
             </a:r>
-            <a:endParaRPr>
+            <a:endParaRPr dirty="0">
               <a:solidFill>
                 <a:schemeClr val="dk1"/>
               </a:solidFill>
@@ -13303,22 +13606,21 @@
             </a:endParaRPr>
           </a:p>
           <a:p>
-            <a:pPr marL="457200" lvl="0" indent="-342900" algn="l" rtl="0">
+            <a:pPr>
               <a:lnSpc>
                 <a:spcPct val="115000"/>
               </a:lnSpc>
               <a:spcBef>
                 <a:spcPts val="1600"/>
               </a:spcBef>
-              <a:spcAft>
-                <a:spcPts val="0"/>
-              </a:spcAft>
-              <a:buSzPts val="1800"/>
-              <a:buFont typeface="Roboto Light"/>
-              <a:buChar char="●"/>
+              <a:buClr>
+                <a:schemeClr val="accent1">
+                  <a:lumMod val="50000"/>
+                </a:schemeClr>
+              </a:buClr>
             </a:pPr>
             <a:r>
-              <a:rPr lang="hu-HU" sz="1800">
+              <a:rPr lang="hu-HU" sz="1800" dirty="0">
                 <a:solidFill>
                   <a:schemeClr val="dk1"/>
                 </a:solidFill>
@@ -13329,7 +13631,7 @@
               </a:rPr>
               <a:t>RFID-alapú azonosítás  </a:t>
             </a:r>
-            <a:endParaRPr sz="1800">
+            <a:endParaRPr sz="1800" dirty="0">
               <a:solidFill>
                 <a:schemeClr val="dk1"/>
               </a:solidFill>
@@ -13340,22 +13642,21 @@
             </a:endParaRPr>
           </a:p>
           <a:p>
-            <a:pPr marL="457200" lvl="0" indent="-342900" algn="l" rtl="0">
+            <a:pPr>
               <a:lnSpc>
                 <a:spcPct val="115000"/>
               </a:lnSpc>
               <a:spcBef>
                 <a:spcPts val="0"/>
               </a:spcBef>
-              <a:spcAft>
-                <a:spcPts val="0"/>
-              </a:spcAft>
-              <a:buSzPts val="1800"/>
-              <a:buFont typeface="Roboto Light"/>
-              <a:buChar char="●"/>
+              <a:buClr>
+                <a:schemeClr val="accent1">
+                  <a:lumMod val="50000"/>
+                </a:schemeClr>
+              </a:buClr>
             </a:pPr>
             <a:r>
-              <a:rPr lang="hu-HU" sz="1800">
+              <a:rPr lang="hu-HU" sz="1800" dirty="0">
                 <a:solidFill>
                   <a:schemeClr val="dk1"/>
                 </a:solidFill>
@@ -13364,9 +13665,33 @@
                 <a:cs typeface="Roboto Light"/>
                 <a:sym typeface="Roboto Light"/>
               </a:rPr>
-              <a:t>Mikrokontrolleres vezérlés (Arduino)</a:t>
+              <a:t>Mikrokontrolleres vezérlés (</a:t>
             </a:r>
-            <a:endParaRPr sz="1800">
+            <a:r>
+              <a:rPr lang="hu-HU" sz="1800" dirty="0" err="1">
+                <a:solidFill>
+                  <a:schemeClr val="dk1"/>
+                </a:solidFill>
+                <a:latin typeface="Roboto Light"/>
+                <a:ea typeface="Roboto Light"/>
+                <a:cs typeface="Roboto Light"/>
+                <a:sym typeface="Roboto Light"/>
+              </a:rPr>
+              <a:t>Arduino</a:t>
+            </a:r>
+            <a:r>
+              <a:rPr lang="hu-HU" sz="1800" dirty="0">
+                <a:solidFill>
+                  <a:schemeClr val="dk1"/>
+                </a:solidFill>
+                <a:latin typeface="Roboto Light"/>
+                <a:ea typeface="Roboto Light"/>
+                <a:cs typeface="Roboto Light"/>
+                <a:sym typeface="Roboto Light"/>
+              </a:rPr>
+              <a:t>)</a:t>
+            </a:r>
+            <a:endParaRPr sz="1800" dirty="0">
               <a:solidFill>
                 <a:schemeClr val="dk1"/>
               </a:solidFill>
@@ -13377,22 +13702,21 @@
             </a:endParaRPr>
           </a:p>
           <a:p>
-            <a:pPr marL="457200" lvl="0" indent="-342900" algn="l" rtl="0">
+            <a:pPr>
               <a:lnSpc>
                 <a:spcPct val="115000"/>
               </a:lnSpc>
               <a:spcBef>
                 <a:spcPts val="0"/>
               </a:spcBef>
-              <a:spcAft>
-                <a:spcPts val="0"/>
-              </a:spcAft>
-              <a:buSzPts val="1800"/>
-              <a:buFont typeface="Roboto Light"/>
-              <a:buChar char="●"/>
+              <a:buClr>
+                <a:schemeClr val="accent1">
+                  <a:lumMod val="50000"/>
+                </a:schemeClr>
+              </a:buClr>
             </a:pPr>
             <a:r>
-              <a:rPr lang="hu-HU" sz="1800">
+              <a:rPr lang="hu-HU" sz="1800" dirty="0" err="1">
                 <a:solidFill>
                   <a:schemeClr val="dk1"/>
                 </a:solidFill>
@@ -13401,9 +13725,21 @@
                 <a:cs typeface="Roboto Light"/>
                 <a:sym typeface="Roboto Light"/>
               </a:rPr>
-              <a:t>Ethernetes kommunikáció proxy szerveren keresztül</a:t>
+              <a:t>Ethernetes</a:t>
             </a:r>
-            <a:endParaRPr sz="1800">
+            <a:r>
+              <a:rPr lang="hu-HU" sz="1800" dirty="0">
+                <a:solidFill>
+                  <a:schemeClr val="dk1"/>
+                </a:solidFill>
+                <a:latin typeface="Roboto Light"/>
+                <a:ea typeface="Roboto Light"/>
+                <a:cs typeface="Roboto Light"/>
+                <a:sym typeface="Roboto Light"/>
+              </a:rPr>
+              <a:t> kommunikáció proxy szerveren keresztül</a:t>
+            </a:r>
+            <a:endParaRPr sz="1800" dirty="0">
               <a:solidFill>
                 <a:schemeClr val="dk1"/>
               </a:solidFill>
@@ -13414,22 +13750,21 @@
             </a:endParaRPr>
           </a:p>
           <a:p>
-            <a:pPr marL="457200" lvl="0" indent="-342900" algn="l" rtl="0">
+            <a:pPr>
               <a:lnSpc>
                 <a:spcPct val="115000"/>
               </a:lnSpc>
               <a:spcBef>
                 <a:spcPts val="0"/>
               </a:spcBef>
-              <a:spcAft>
-                <a:spcPts val="0"/>
-              </a:spcAft>
-              <a:buSzPts val="1800"/>
-              <a:buFont typeface="Roboto Light"/>
-              <a:buChar char="●"/>
+              <a:buClr>
+                <a:schemeClr val="accent1">
+                  <a:lumMod val="50000"/>
+                </a:schemeClr>
+              </a:buClr>
             </a:pPr>
             <a:r>
-              <a:rPr lang="hu-HU" sz="1800">
+              <a:rPr lang="hu-HU" sz="1800" dirty="0" err="1">
                 <a:solidFill>
                   <a:schemeClr val="dk1"/>
                 </a:solidFill>
@@ -13438,9 +13773,21 @@
                 <a:cs typeface="Roboto Light"/>
                 <a:sym typeface="Roboto Light"/>
               </a:rPr>
-              <a:t>Zárak kezelése</a:t>
+              <a:t>Zárak</a:t>
             </a:r>
-            <a:endParaRPr sz="1800">
+            <a:r>
+              <a:rPr lang="hu-HU" sz="1800" dirty="0">
+                <a:solidFill>
+                  <a:schemeClr val="dk1"/>
+                </a:solidFill>
+                <a:latin typeface="Roboto Light"/>
+                <a:ea typeface="Roboto Light"/>
+                <a:cs typeface="Roboto Light"/>
+                <a:sym typeface="Roboto Light"/>
+              </a:rPr>
+              <a:t> kezelése</a:t>
+            </a:r>
+            <a:endParaRPr sz="1800" dirty="0">
               <a:solidFill>
                 <a:schemeClr val="dk1"/>
               </a:solidFill>
@@ -13467,7 +13814,7 @@
               <a:buSzPts val="2800"/>
               <a:buNone/>
             </a:pPr>
-            <a:endParaRPr/>
+            <a:endParaRPr dirty="0"/>
           </a:p>
         </p:txBody>
       </p:sp>
@@ -13543,7 +13890,10 @@
               <a:buNone/>
             </a:pPr>
             <a:r>
-              <a:rPr lang="hu-HU">
+              <a:rPr lang="hu-HU" dirty="0">
+                <a:solidFill>
+                  <a:schemeClr val="tx1"/>
+                </a:solidFill>
                 <a:latin typeface="Roboto SemiBold"/>
                 <a:ea typeface="Roboto SemiBold"/>
                 <a:cs typeface="Roboto SemiBold"/>
@@ -13551,7 +13901,10 @@
               </a:rPr>
               <a:t>A rendszer felépítése</a:t>
             </a:r>
-            <a:endParaRPr>
+            <a:endParaRPr dirty="0">
+              <a:solidFill>
+                <a:schemeClr val="tx1"/>
+              </a:solidFill>
               <a:latin typeface="Roboto SemiBold"/>
               <a:ea typeface="Roboto SemiBold"/>
               <a:cs typeface="Roboto SemiBold"/>
@@ -13600,14 +13953,16 @@
                 <a:spcPts val="0"/>
               </a:spcAft>
               <a:buClr>
-                <a:srgbClr val="000000"/>
+                <a:schemeClr val="accent1">
+                  <a:lumMod val="50000"/>
+                </a:schemeClr>
               </a:buClr>
               <a:buSzPts val="1800"/>
               <a:buFont typeface="Roboto Light"/>
               <a:buChar char="●"/>
             </a:pPr>
             <a:r>
-              <a:rPr lang="hu-HU">
+              <a:rPr lang="hu-HU" dirty="0">
                 <a:solidFill>
                   <a:srgbClr val="000000"/>
                 </a:solidFill>
@@ -13618,7 +13973,7 @@
               </a:rPr>
               <a:t>Szoftver</a:t>
             </a:r>
-            <a:endParaRPr>
+            <a:endParaRPr dirty="0">
               <a:solidFill>
                 <a:srgbClr val="000000"/>
               </a:solidFill>
@@ -13640,14 +13995,16 @@
                 <a:spcPts val="0"/>
               </a:spcAft>
               <a:buClr>
-                <a:srgbClr val="000000"/>
+                <a:schemeClr val="accent1">
+                  <a:lumMod val="50000"/>
+                </a:schemeClr>
               </a:buClr>
               <a:buSzPts val="2000"/>
               <a:buFont typeface="Roboto Light"/>
               <a:buChar char="○"/>
             </a:pPr>
             <a:r>
-              <a:rPr lang="hu-HU" sz="2100">
+              <a:rPr lang="hu-HU" sz="2100" dirty="0">
                 <a:solidFill>
                   <a:srgbClr val="000000"/>
                 </a:solidFill>
@@ -13658,7 +14015,7 @@
               </a:rPr>
               <a:t>Backend – Node.js (Next.js)</a:t>
             </a:r>
-            <a:endParaRPr sz="2100">
+            <a:endParaRPr sz="2100" dirty="0">
               <a:solidFill>
                 <a:srgbClr val="000000"/>
               </a:solidFill>
@@ -13680,14 +14037,16 @@
                 <a:spcPts val="0"/>
               </a:spcAft>
               <a:buClr>
-                <a:srgbClr val="000000"/>
+                <a:schemeClr val="accent1">
+                  <a:lumMod val="50000"/>
+                </a:schemeClr>
               </a:buClr>
               <a:buSzPts val="2000"/>
               <a:buFont typeface="Roboto Light"/>
               <a:buChar char="○"/>
             </a:pPr>
             <a:r>
-              <a:rPr lang="hu-HU" sz="2100">
+              <a:rPr lang="hu-HU" sz="2100" dirty="0">
                 <a:solidFill>
                   <a:srgbClr val="000000"/>
                 </a:solidFill>
@@ -13698,7 +14057,7 @@
               </a:rPr>
               <a:t>Frontend – Next.js</a:t>
             </a:r>
-            <a:endParaRPr sz="2100">
+            <a:endParaRPr sz="2100" dirty="0">
               <a:solidFill>
                 <a:srgbClr val="000000"/>
               </a:solidFill>
@@ -13720,14 +14079,16 @@
                 <a:spcPts val="0"/>
               </a:spcAft>
               <a:buClr>
-                <a:srgbClr val="000000"/>
+                <a:schemeClr val="accent1">
+                  <a:lumMod val="50000"/>
+                </a:schemeClr>
               </a:buClr>
               <a:buSzPts val="2000"/>
               <a:buFont typeface="Roboto Light"/>
               <a:buChar char="○"/>
             </a:pPr>
             <a:r>
-              <a:rPr lang="hu-HU" sz="2100">
+              <a:rPr lang="hu-HU" sz="2100" dirty="0">
                 <a:solidFill>
                   <a:srgbClr val="000000"/>
                 </a:solidFill>
@@ -13736,9 +14097,33 @@
                 <a:cs typeface="Roboto Light"/>
                 <a:sym typeface="Roboto Light"/>
               </a:rPr>
-              <a:t>Adatbázis – PostgreSQL	</a:t>
+              <a:t>Adatbázis – </a:t>
             </a:r>
-            <a:endParaRPr sz="2100">
+            <a:r>
+              <a:rPr lang="hu-HU" sz="2100" dirty="0" err="1">
+                <a:solidFill>
+                  <a:srgbClr val="000000"/>
+                </a:solidFill>
+                <a:latin typeface="Roboto Light"/>
+                <a:ea typeface="Roboto Light"/>
+                <a:cs typeface="Roboto Light"/>
+                <a:sym typeface="Roboto Light"/>
+              </a:rPr>
+              <a:t>PostgreSQL</a:t>
+            </a:r>
+            <a:r>
+              <a:rPr lang="hu-HU" sz="2100" dirty="0">
+                <a:solidFill>
+                  <a:srgbClr val="000000"/>
+                </a:solidFill>
+                <a:latin typeface="Roboto Light"/>
+                <a:ea typeface="Roboto Light"/>
+                <a:cs typeface="Roboto Light"/>
+                <a:sym typeface="Roboto Light"/>
+              </a:rPr>
+              <a:t>	</a:t>
+            </a:r>
+            <a:endParaRPr sz="2100" dirty="0">
               <a:solidFill>
                 <a:srgbClr val="000000"/>
               </a:solidFill>
@@ -13760,14 +14145,16 @@
                 <a:spcPts val="0"/>
               </a:spcAft>
               <a:buClr>
-                <a:srgbClr val="000000"/>
+                <a:schemeClr val="accent1">
+                  <a:lumMod val="50000"/>
+                </a:schemeClr>
               </a:buClr>
               <a:buSzPts val="1800"/>
               <a:buFont typeface="Roboto Light"/>
               <a:buChar char="●"/>
             </a:pPr>
             <a:r>
-              <a:rPr lang="hu-HU">
+              <a:rPr lang="hu-HU" dirty="0">
                 <a:solidFill>
                   <a:srgbClr val="000000"/>
                 </a:solidFill>
@@ -13778,7 +14165,7 @@
               </a:rPr>
               <a:t>Hardver</a:t>
             </a:r>
-            <a:endParaRPr>
+            <a:endParaRPr dirty="0">
               <a:solidFill>
                 <a:srgbClr val="000000"/>
               </a:solidFill>
@@ -13800,14 +14187,16 @@
                 <a:spcPts val="0"/>
               </a:spcAft>
               <a:buClr>
-                <a:srgbClr val="000000"/>
+                <a:schemeClr val="accent1">
+                  <a:lumMod val="50000"/>
+                </a:schemeClr>
               </a:buClr>
               <a:buSzPts val="2000"/>
               <a:buFont typeface="Roboto Light"/>
               <a:buChar char="○"/>
             </a:pPr>
             <a:r>
-              <a:rPr lang="hu-HU" sz="2100">
+              <a:rPr lang="hu-HU" sz="2100" dirty="0" err="1">
                 <a:solidFill>
                   <a:srgbClr val="000000"/>
                 </a:solidFill>
@@ -13818,7 +14207,7 @@
               </a:rPr>
               <a:t>Arduino</a:t>
             </a:r>
-            <a:endParaRPr sz="2100">
+            <a:endParaRPr sz="2100" dirty="0">
               <a:solidFill>
                 <a:srgbClr val="000000"/>
               </a:solidFill>
@@ -13840,14 +14229,16 @@
                 <a:spcPts val="0"/>
               </a:spcAft>
               <a:buClr>
-                <a:srgbClr val="000000"/>
+                <a:schemeClr val="accent1">
+                  <a:lumMod val="50000"/>
+                </a:schemeClr>
               </a:buClr>
               <a:buSzPts val="2000"/>
               <a:buFont typeface="Roboto Light"/>
               <a:buChar char="○"/>
             </a:pPr>
             <a:r>
-              <a:rPr lang="hu-HU" sz="2100">
+              <a:rPr lang="hu-HU" sz="2100" dirty="0">
                 <a:solidFill>
                   <a:srgbClr val="000000"/>
                 </a:solidFill>
@@ -13858,7 +14249,7 @@
               </a:rPr>
               <a:t>3D nyomtatott telefontárolók	</a:t>
             </a:r>
-            <a:endParaRPr sz="2100">
+            <a:endParaRPr sz="2100" dirty="0">
               <a:solidFill>
                 <a:srgbClr val="000000"/>
               </a:solidFill>
@@ -14063,7 +14454,7 @@
               <a:buChar char="●"/>
             </a:pPr>
             <a:r>
-              <a:rPr lang="hu-HU">
+              <a:rPr lang="hu-HU" dirty="0">
                 <a:solidFill>
                   <a:schemeClr val="dk1"/>
                 </a:solidFill>
@@ -14074,7 +14465,7 @@
               </a:rPr>
               <a:t>Node.js (Next.js)</a:t>
             </a:r>
-            <a:endParaRPr>
+            <a:endParaRPr dirty="0">
               <a:solidFill>
                 <a:schemeClr val="dk1"/>
               </a:solidFill>
@@ -14103,7 +14494,7 @@
               <a:buChar char="●"/>
             </a:pPr>
             <a:r>
-              <a:rPr lang="hu-HU">
+              <a:rPr lang="hu-HU" dirty="0">
                 <a:solidFill>
                   <a:schemeClr val="dk1"/>
                 </a:solidFill>
@@ -14114,7 +14505,7 @@
               </a:rPr>
               <a:t>API végpontok</a:t>
             </a:r>
-            <a:endParaRPr>
+            <a:endParaRPr dirty="0">
               <a:solidFill>
                 <a:schemeClr val="dk1"/>
               </a:solidFill>
@@ -14143,7 +14534,7 @@
               <a:buChar char="●"/>
             </a:pPr>
             <a:r>
-              <a:rPr lang="hu-HU">
+              <a:rPr lang="hu-HU" dirty="0" err="1">
                 <a:solidFill>
                   <a:schemeClr val="dk1"/>
                 </a:solidFill>
@@ -14152,9 +14543,21 @@
                 <a:cs typeface="Roboto Light"/>
                 <a:sym typeface="Roboto Light"/>
               </a:rPr>
-              <a:t>Autentikáció: </a:t>
+              <a:t>Autentikáció</a:t>
             </a:r>
-            <a:endParaRPr>
+            <a:r>
+              <a:rPr lang="hu-HU" dirty="0">
+                <a:solidFill>
+                  <a:schemeClr val="dk1"/>
+                </a:solidFill>
+                <a:latin typeface="Roboto Light"/>
+                <a:ea typeface="Roboto Light"/>
+                <a:cs typeface="Roboto Light"/>
+                <a:sym typeface="Roboto Light"/>
+              </a:rPr>
+              <a:t>: </a:t>
+            </a:r>
+            <a:endParaRPr dirty="0">
               <a:solidFill>
                 <a:schemeClr val="dk1"/>
               </a:solidFill>
@@ -14183,7 +14586,7 @@
               <a:buChar char="○"/>
             </a:pPr>
             <a:r>
-              <a:rPr lang="hu-HU" sz="2100">
+              <a:rPr lang="hu-HU" sz="2100" dirty="0">
                 <a:solidFill>
                   <a:schemeClr val="dk1"/>
                 </a:solidFill>
@@ -14194,7 +14597,7 @@
               </a:rPr>
               <a:t>NextAuth.js</a:t>
             </a:r>
-            <a:endParaRPr sz="2100">
+            <a:endParaRPr sz="2100" dirty="0">
               <a:solidFill>
                 <a:schemeClr val="dk1"/>
               </a:solidFill>
@@ -14223,7 +14626,7 @@
               <a:buChar char="○"/>
             </a:pPr>
             <a:r>
-              <a:rPr lang="hu-HU" sz="2100">
+              <a:rPr lang="hu-HU" sz="2100" dirty="0" err="1">
                 <a:solidFill>
                   <a:schemeClr val="dk1"/>
                 </a:solidFill>
@@ -14234,7 +14637,7 @@
               </a:rPr>
               <a:t>Bcrypt</a:t>
             </a:r>
-            <a:endParaRPr sz="2100">
+            <a:endParaRPr sz="2100" dirty="0">
               <a:solidFill>
                 <a:schemeClr val="dk1"/>
               </a:solidFill>
@@ -14263,7 +14666,7 @@
               <a:buChar char="●"/>
             </a:pPr>
             <a:r>
-              <a:rPr lang="hu-HU">
+              <a:rPr lang="hu-HU" dirty="0">
                 <a:solidFill>
                   <a:schemeClr val="dk1"/>
                 </a:solidFill>
@@ -14274,7 +14677,7 @@
               </a:rPr>
               <a:t>Proxy szerver (Node.js)</a:t>
             </a:r>
-            <a:endParaRPr/>
+            <a:endParaRPr dirty="0"/>
           </a:p>
         </p:txBody>
       </p:sp>
@@ -14292,7 +14695,7 @@
         </p:blipFill>
         <p:spPr>
           <a:xfrm>
-            <a:off x="8677775" y="1278300"/>
+            <a:off x="8677775" y="1314160"/>
             <a:ext cx="2676025" cy="2676025"/>
           </a:xfrm>
           <a:prstGeom prst="rect">
@@ -14495,7 +14898,10 @@
               <a:buNone/>
             </a:pPr>
             <a:r>
-              <a:rPr lang="hu-HU">
+              <a:rPr lang="hu-HU" dirty="0">
+                <a:solidFill>
+                  <a:schemeClr val="tx1"/>
+                </a:solidFill>
                 <a:latin typeface="Roboto SemiBold"/>
                 <a:ea typeface="Roboto SemiBold"/>
                 <a:cs typeface="Roboto SemiBold"/>
@@ -14503,7 +14909,10 @@
               </a:rPr>
               <a:t>Backend tesztek</a:t>
             </a:r>
-            <a:endParaRPr>
+            <a:endParaRPr dirty="0">
+              <a:solidFill>
+                <a:schemeClr val="tx1"/>
+              </a:solidFill>
               <a:latin typeface="Roboto SemiBold"/>
               <a:ea typeface="Roboto SemiBold"/>
               <a:cs typeface="Roboto SemiBold"/>
@@ -14790,7 +15199,7 @@
         </p:blipFill>
         <p:spPr>
           <a:xfrm>
-            <a:off x="5172633" y="3348006"/>
+            <a:off x="5181598" y="3348006"/>
             <a:ext cx="2778440" cy="2970343"/>
           </a:xfrm>
           <a:prstGeom prst="rect">
@@ -14870,7 +15279,7 @@
               <a:buNone/>
             </a:pPr>
             <a:r>
-              <a:rPr lang="hu-HU">
+              <a:rPr lang="hu-HU" dirty="0">
                 <a:latin typeface="Roboto SemiBold"/>
                 <a:ea typeface="Roboto SemiBold"/>
                 <a:cs typeface="Roboto SemiBold"/>
@@ -14878,7 +15287,7 @@
               </a:rPr>
               <a:t>Frontend</a:t>
             </a:r>
-            <a:endParaRPr>
+            <a:endParaRPr dirty="0">
               <a:latin typeface="Roboto SemiBold"/>
               <a:ea typeface="Roboto SemiBold"/>
               <a:cs typeface="Roboto SemiBold"/>
@@ -14927,14 +15336,16 @@
                 <a:spcPts val="0"/>
               </a:spcAft>
               <a:buClr>
-                <a:schemeClr val="dk1"/>
+                <a:schemeClr val="accent1">
+                  <a:lumMod val="50000"/>
+                </a:schemeClr>
               </a:buClr>
               <a:buSzPts val="1800"/>
               <a:buFont typeface="Roboto Light"/>
               <a:buChar char="●"/>
             </a:pPr>
             <a:r>
-              <a:rPr lang="hu-HU">
+              <a:rPr lang="hu-HU" dirty="0">
                 <a:solidFill>
                   <a:schemeClr val="dk1"/>
                 </a:solidFill>
@@ -14945,7 +15356,7 @@
               </a:rPr>
               <a:t>Framework: Next.js</a:t>
             </a:r>
-            <a:endParaRPr>
+            <a:endParaRPr dirty="0">
               <a:solidFill>
                 <a:schemeClr val="dk1"/>
               </a:solidFill>
@@ -14967,14 +15378,16 @@
                 <a:spcPts val="0"/>
               </a:spcAft>
               <a:buClr>
-                <a:schemeClr val="dk1"/>
+                <a:schemeClr val="accent1">
+                  <a:lumMod val="50000"/>
+                </a:schemeClr>
               </a:buClr>
               <a:buSzPts val="1800"/>
               <a:buFont typeface="Roboto Light"/>
               <a:buChar char="●"/>
             </a:pPr>
             <a:r>
-              <a:rPr lang="hu-HU">
+              <a:rPr lang="hu-HU" dirty="0">
                 <a:solidFill>
                   <a:schemeClr val="dk1"/>
                 </a:solidFill>
@@ -14983,9 +15396,45 @@
                 <a:cs typeface="Roboto Light"/>
                 <a:sym typeface="Roboto Light"/>
               </a:rPr>
-              <a:t>UI komponensek: shadcn/ui</a:t>
+              <a:t>UI komponensek: </a:t>
             </a:r>
-            <a:endParaRPr>
+            <a:r>
+              <a:rPr lang="hu-HU" dirty="0" err="1">
+                <a:solidFill>
+                  <a:schemeClr val="dk1"/>
+                </a:solidFill>
+                <a:latin typeface="Roboto Light"/>
+                <a:ea typeface="Roboto Light"/>
+                <a:cs typeface="Roboto Light"/>
+                <a:sym typeface="Roboto Light"/>
+              </a:rPr>
+              <a:t>shadcn</a:t>
+            </a:r>
+            <a:r>
+              <a:rPr lang="hu-HU" dirty="0">
+                <a:solidFill>
+                  <a:schemeClr val="dk1"/>
+                </a:solidFill>
+                <a:latin typeface="Roboto Light"/>
+                <a:ea typeface="Roboto Light"/>
+                <a:cs typeface="Roboto Light"/>
+                <a:sym typeface="Roboto Light"/>
+              </a:rPr>
+              <a:t>/</a:t>
+            </a:r>
+            <a:r>
+              <a:rPr lang="hu-HU" dirty="0" err="1">
+                <a:solidFill>
+                  <a:schemeClr val="dk1"/>
+                </a:solidFill>
+                <a:latin typeface="Roboto Light"/>
+                <a:ea typeface="Roboto Light"/>
+                <a:cs typeface="Roboto Light"/>
+                <a:sym typeface="Roboto Light"/>
+              </a:rPr>
+              <a:t>ui</a:t>
+            </a:r>
+            <a:endParaRPr dirty="0">
               <a:solidFill>
                 <a:schemeClr val="dk1"/>
               </a:solidFill>
@@ -15007,14 +15456,16 @@
                 <a:spcPts val="0"/>
               </a:spcAft>
               <a:buClr>
-                <a:schemeClr val="dk1"/>
+                <a:schemeClr val="accent1">
+                  <a:lumMod val="50000"/>
+                </a:schemeClr>
               </a:buClr>
               <a:buSzPts val="1800"/>
               <a:buFont typeface="Roboto Light"/>
               <a:buChar char="●"/>
             </a:pPr>
             <a:r>
-              <a:rPr lang="hu-HU">
+              <a:rPr lang="hu-HU" dirty="0">
                 <a:solidFill>
                   <a:schemeClr val="dk1"/>
                 </a:solidFill>
@@ -15023,9 +15474,33 @@
                 <a:cs typeface="Roboto Light"/>
                 <a:sym typeface="Roboto Light"/>
               </a:rPr>
-              <a:t>Stílus: Tailwind CSS</a:t>
+              <a:t>Stílus: </a:t>
             </a:r>
-            <a:endParaRPr>
+            <a:r>
+              <a:rPr lang="hu-HU" dirty="0" err="1">
+                <a:solidFill>
+                  <a:schemeClr val="dk1"/>
+                </a:solidFill>
+                <a:latin typeface="Roboto Light"/>
+                <a:ea typeface="Roboto Light"/>
+                <a:cs typeface="Roboto Light"/>
+                <a:sym typeface="Roboto Light"/>
+              </a:rPr>
+              <a:t>Tailwind</a:t>
+            </a:r>
+            <a:r>
+              <a:rPr lang="hu-HU" dirty="0">
+                <a:solidFill>
+                  <a:schemeClr val="dk1"/>
+                </a:solidFill>
+                <a:latin typeface="Roboto Light"/>
+                <a:ea typeface="Roboto Light"/>
+                <a:cs typeface="Roboto Light"/>
+                <a:sym typeface="Roboto Light"/>
+              </a:rPr>
+              <a:t> CSS</a:t>
+            </a:r>
+            <a:endParaRPr dirty="0">
               <a:solidFill>
                 <a:schemeClr val="dk1"/>
               </a:solidFill>
@@ -15073,7 +15548,7 @@
         </p:blipFill>
         <p:spPr>
           <a:xfrm>
-            <a:off x="7073901" y="1218100"/>
+            <a:off x="7082866" y="1218100"/>
             <a:ext cx="1911424" cy="4958874"/>
           </a:xfrm>
           <a:prstGeom prst="rect">
@@ -15232,7 +15707,10 @@
               <a:buNone/>
             </a:pPr>
             <a:r>
-              <a:rPr lang="hu-HU">
+              <a:rPr lang="hu-HU" dirty="0">
+                <a:solidFill>
+                  <a:schemeClr val="tx1"/>
+                </a:solidFill>
                 <a:latin typeface="Roboto SemiBold"/>
                 <a:ea typeface="Roboto SemiBold"/>
                 <a:cs typeface="Roboto SemiBold"/>
@@ -15240,7 +15718,10 @@
               </a:rPr>
               <a:t>Reszponzív felület</a:t>
             </a:r>
-            <a:endParaRPr>
+            <a:endParaRPr dirty="0">
+              <a:solidFill>
+                <a:schemeClr val="tx1"/>
+              </a:solidFill>
               <a:latin typeface="Roboto SemiBold"/>
               <a:ea typeface="Roboto SemiBold"/>
               <a:cs typeface="Roboto SemiBold"/>
@@ -15288,6 +15769,11 @@
               <a:spcAft>
                 <a:spcPts val="0"/>
               </a:spcAft>
+              <a:buClr>
+                <a:schemeClr val="accent1">
+                  <a:lumMod val="50000"/>
+                </a:schemeClr>
+              </a:buClr>
               <a:buSzPts val="1800"/>
               <a:buFont typeface="Roboto Light"/>
               <a:buChar char="●"/>
@@ -15325,6 +15811,11 @@
               <a:spcAft>
                 <a:spcPts val="0"/>
               </a:spcAft>
+              <a:buClr>
+                <a:schemeClr val="accent1">
+                  <a:lumMod val="50000"/>
+                </a:schemeClr>
+              </a:buClr>
               <a:buSzPts val="1800"/>
               <a:buFont typeface="Roboto Light"/>
               <a:buChar char="●"/>
@@ -15362,6 +15853,11 @@
               <a:spcAft>
                 <a:spcPts val="0"/>
               </a:spcAft>
+              <a:buClr>
+                <a:schemeClr val="accent1">
+                  <a:lumMod val="50000"/>
+                </a:schemeClr>
+              </a:buClr>
               <a:buSzPts val="1800"/>
               <a:buFont typeface="Roboto Light"/>
               <a:buChar char="●"/>
@@ -15399,6 +15895,11 @@
               <a:spcAft>
                 <a:spcPts val="0"/>
               </a:spcAft>
+              <a:buClr>
+                <a:schemeClr val="accent1">
+                  <a:lumMod val="50000"/>
+                </a:schemeClr>
+              </a:buClr>
               <a:buSzPts val="1800"/>
               <a:buFont typeface="Roboto Light"/>
               <a:buChar char="●"/>
@@ -15764,7 +16265,10 @@
               <a:buNone/>
             </a:pPr>
             <a:r>
-              <a:rPr lang="hu-HU">
+              <a:rPr lang="hu-HU" dirty="0">
+                <a:solidFill>
+                  <a:schemeClr val="tx1"/>
+                </a:solidFill>
                 <a:latin typeface="Roboto SemiBold"/>
                 <a:ea typeface="Roboto SemiBold"/>
                 <a:cs typeface="Roboto SemiBold"/>
@@ -15772,7 +16276,10 @@
               </a:rPr>
               <a:t>Frontend tesztek</a:t>
             </a:r>
-            <a:endParaRPr>
+            <a:endParaRPr dirty="0">
+              <a:solidFill>
+                <a:schemeClr val="tx1"/>
+              </a:solidFill>
               <a:latin typeface="Roboto SemiBold"/>
               <a:ea typeface="Roboto SemiBold"/>
               <a:cs typeface="Roboto SemiBold"/>
@@ -15817,7 +16324,9 @@
                 <a:spcPts val="0"/>
               </a:spcAft>
               <a:buClr>
-                <a:schemeClr val="dk1"/>
+                <a:schemeClr val="accent1">
+                  <a:lumMod val="50000"/>
+                </a:schemeClr>
               </a:buClr>
               <a:buSzPts val="2400"/>
               <a:buFont typeface="Roboto Light"/>
@@ -15869,7 +16378,9 @@
                 <a:spcPts val="0"/>
               </a:spcAft>
               <a:buClr>
-                <a:schemeClr val="dk1"/>
+                <a:schemeClr val="accent1">
+                  <a:lumMod val="50000"/>
+                </a:schemeClr>
               </a:buClr>
               <a:buSzPts val="2400"/>
               <a:buFont typeface="Roboto Light"/>
@@ -15909,7 +16420,9 @@
                 <a:spcPts val="0"/>
               </a:spcAft>
               <a:buClr>
-                <a:schemeClr val="dk1"/>
+                <a:schemeClr val="accent1">
+                  <a:lumMod val="50000"/>
+                </a:schemeClr>
               </a:buClr>
               <a:buSzPts val="2400"/>
               <a:buFont typeface="Roboto Light"/>
@@ -15934,14 +16447,16 @@
                 <a:spcPct val="115000"/>
               </a:lnSpc>
               <a:buClr>
-                <a:schemeClr val="dk1"/>
+                <a:schemeClr val="accent1">
+                  <a:lumMod val="50000"/>
+                </a:schemeClr>
               </a:buClr>
               <a:buSzPts val="2400"/>
               <a:buFont typeface="Roboto Light"/>
               <a:buChar char="●"/>
             </a:pPr>
             <a:r>
-              <a:rPr lang="hu-HU" sz="2400">
+              <a:rPr lang="hu-HU" sz="2400" dirty="0">
                 <a:solidFill>
                   <a:schemeClr val="dk1"/>
                 </a:solidFill>
@@ -15952,7 +16467,7 @@
               </a:rPr>
               <a:t>Tesztelés valós adatokkal</a:t>
             </a:r>
-            <a:endParaRPr sz="2400">
+            <a:endParaRPr sz="2400" dirty="0">
               <a:solidFill>
                 <a:schemeClr val="dk1"/>
               </a:solidFill>
@@ -15963,7 +16478,7 @@
             </a:endParaRPr>
           </a:p>
           <a:p>
-            <a:pPr marL="457200" marR="0" lvl="0" indent="0" algn="l" rtl="0">
+            <a:pPr marL="914400" marR="0" lvl="0" indent="-457200" algn="l" rtl="0">
               <a:lnSpc>
                 <a:spcPct val="90000"/>
               </a:lnSpc>
@@ -15973,7 +16488,13 @@
               <a:spcAft>
                 <a:spcPts val="0"/>
               </a:spcAft>
-              <a:buNone/>
+              <a:buClr>
+                <a:schemeClr val="accent1">
+                  <a:lumMod val="50000"/>
+                </a:schemeClr>
+              </a:buClr>
+              <a:buFont typeface="Arial" panose="020B0604020202020204" pitchFamily="34" charset="0"/>
+              <a:buChar char="•"/>
             </a:pPr>
             <a:endParaRPr sz="2800" dirty="0">
               <a:solidFill>
